--- a/Poster/poster_fato.pptx
+++ b/Poster/poster_fato.pptx
@@ -3358,31 +3358,6 @@
       </p:grpSpPr>
       <p:sp>
         <p:nvSpPr>
-          <p:cNvPr id="3" name="Subtitle 2">
-            <a:extLst>
-              <a:ext uri="{FF2B5EF4-FFF2-40B4-BE49-F238E27FC236}">
-                <a16:creationId xmlns:a16="http://schemas.microsoft.com/office/drawing/2014/main" id="{5FA87357-4820-4071-916C-7279BC0E9741}"/>
-              </a:ext>
-            </a:extLst>
-          </p:cNvPr>
-          <p:cNvSpPr>
-            <a:spLocks noGrp="1"/>
-          </p:cNvSpPr>
-          <p:nvPr>
-            <p:ph type="subTitle" idx="1"/>
-          </p:nvPr>
-        </p:nvSpPr>
-        <p:spPr/>
-        <p:txBody>
-          <a:bodyPr/>
-          <a:lstStyle/>
-          <a:p>
-            <a:endParaRPr lang="en-US"/>
-          </a:p>
-        </p:txBody>
-      </p:sp>
-      <p:sp>
-        <p:nvSpPr>
           <p:cNvPr id="4" name="TextBox 3">
             <a:extLst>
               <a:ext uri="{FF2B5EF4-FFF2-40B4-BE49-F238E27FC236}">
@@ -3395,7 +3370,7 @@
         </p:nvSpPr>
         <p:spPr>
           <a:xfrm>
-            <a:off x="404812" y="555672"/>
+            <a:off x="493302" y="496680"/>
             <a:ext cx="20574000" cy="1631216"/>
           </a:xfrm>
           <a:prstGeom prst="rect">
@@ -3465,7 +3440,7 @@
         </p:blipFill>
         <p:spPr bwMode="auto">
           <a:xfrm>
-            <a:off x="227830" y="58992"/>
+            <a:off x="316320" y="0"/>
             <a:ext cx="2869330" cy="2661420"/>
           </a:xfrm>
           <a:prstGeom prst="rect">
@@ -3491,8 +3466,8 @@
         </p:nvSpPr>
         <p:spPr>
           <a:xfrm>
-            <a:off x="404812" y="2760678"/>
-            <a:ext cx="20574000" cy="646331"/>
+            <a:off x="493302" y="2701686"/>
+            <a:ext cx="20574000" cy="1754326"/>
           </a:xfrm>
           <a:prstGeom prst="rect">
             <a:avLst/>
@@ -3518,7 +3493,7 @@
           </a:bodyPr>
           <a:lstStyle/>
           <a:p>
-            <a:pPr algn="ctr"/>
+            <a:pPr algn="just"/>
             <a:r>
               <a:rPr lang="tr-TR" sz="3600" dirty="0"/>
               <a:t>PITECH was</a:t>
@@ -3544,16 +3519,28 @@
               <a:t> five shareholders </a:t>
             </a:r>
             <a:r>
-              <a:rPr lang="tr-TR" sz="3600"/>
+              <a:rPr lang="tr-TR" sz="3600" dirty="0"/>
               <a:t>from different </a:t>
             </a:r>
             <a:r>
-              <a:rPr lang="en-US" sz="3600"/>
-              <a:t>backgrounds</a:t>
+              <a:rPr lang="en-US" sz="3600" dirty="0"/>
+              <a:t>backgrounds.</a:t>
+            </a:r>
+            <a:r>
+              <a:rPr lang="tr-TR" sz="3600" dirty="0"/>
+              <a:t> As PITECH engineers our aim is to </a:t>
             </a:r>
             <a:r>
               <a:rPr lang="en-US" sz="3600" dirty="0"/>
-              <a:t>. </a:t>
+              <a:t>build a robot that we can control from a specified distance with a remote controller.</a:t>
+            </a:r>
+            <a:r>
+              <a:rPr lang="tr-TR" sz="3600" dirty="0"/>
+              <a:t> This robot tries to score within a playfield in its opponent’s goal and defend its own goal.</a:t>
+            </a:r>
+            <a:r>
+              <a:rPr lang="en-US" sz="3600" dirty="0"/>
+              <a:t> </a:t>
             </a:r>
             <a:endParaRPr lang="tr-TR" sz="3600" b="1" dirty="0">
               <a:effectLst>
@@ -3567,12 +3554,775 @@
           </a:p>
         </p:txBody>
       </p:sp>
+      <p:grpSp>
+        <p:nvGrpSpPr>
+          <p:cNvPr id="2" name="Group 1">
+            <a:extLst>
+              <a:ext uri="{FF2B5EF4-FFF2-40B4-BE49-F238E27FC236}">
+                <a16:creationId xmlns:a16="http://schemas.microsoft.com/office/drawing/2014/main" id="{CC903181-270D-4C11-8C70-53102CB42AB2}"/>
+              </a:ext>
+            </a:extLst>
+          </p:cNvPr>
+          <p:cNvGrpSpPr/>
+          <p:nvPr/>
+        </p:nvGrpSpPr>
+        <p:grpSpPr>
+          <a:xfrm>
+            <a:off x="493302" y="4739375"/>
+            <a:ext cx="5701021" cy="2990592"/>
+            <a:chOff x="404812" y="4798367"/>
+            <a:chExt cx="8001769" cy="2990592"/>
+          </a:xfrm>
+        </p:grpSpPr>
+        <p:sp>
+          <p:nvSpPr>
+            <p:cNvPr id="8" name="TextBox 7">
+              <a:extLst>
+                <a:ext uri="{FF2B5EF4-FFF2-40B4-BE49-F238E27FC236}">
+                  <a16:creationId xmlns:a16="http://schemas.microsoft.com/office/drawing/2014/main" id="{A728C2A4-01AD-4BAE-9EA9-E560AFCA42EC}"/>
+                </a:ext>
+              </a:extLst>
+            </p:cNvPr>
+            <p:cNvSpPr txBox="1"/>
+            <p:nvPr/>
+          </p:nvSpPr>
+          <p:spPr>
+            <a:xfrm>
+              <a:off x="404812" y="5388302"/>
+              <a:ext cx="8001769" cy="2400657"/>
+            </a:xfrm>
+            <a:prstGeom prst="rect">
+              <a:avLst/>
+            </a:prstGeom>
+          </p:spPr>
+          <p:style>
+            <a:lnRef idx="2">
+              <a:schemeClr val="accent4"/>
+            </a:lnRef>
+            <a:fillRef idx="1">
+              <a:schemeClr val="lt1"/>
+            </a:fillRef>
+            <a:effectRef idx="0">
+              <a:schemeClr val="accent4"/>
+            </a:effectRef>
+            <a:fontRef idx="minor">
+              <a:schemeClr val="dk1"/>
+            </a:fontRef>
+          </p:style>
+          <p:txBody>
+            <a:bodyPr wrap="square" rtlCol="0">
+              <a:spAutoFit/>
+            </a:bodyPr>
+            <a:lstStyle/>
+            <a:p>
+              <a:pPr marL="571500" indent="-571500" algn="just">
+                <a:buFont typeface="Wingdings" panose="05000000000000000000" pitchFamily="2" charset="2"/>
+                <a:buChar char="v"/>
+              </a:pPr>
+              <a:r>
+                <a:rPr lang="tr-TR" sz="3000" dirty="0"/>
+                <a:t>Fatma Nur Arabacı </a:t>
+              </a:r>
+              <a:r>
+                <a:rPr lang="tr-TR" sz="3000" dirty="0">
+                  <a:effectLst>
+                    <a:outerShdw blurRad="38100" dist="38100" dir="2700000" algn="tl">
+                      <a:srgbClr val="000000">
+                        <a:alpha val="43137"/>
+                      </a:srgbClr>
+                    </a:outerShdw>
+                  </a:effectLst>
+                </a:rPr>
+                <a:t>- </a:t>
+              </a:r>
+              <a:r>
+                <a:rPr lang="en-US" sz="3000" i="1" dirty="0"/>
+                <a:t>C</a:t>
+              </a:r>
+              <a:r>
+                <a:rPr lang="tr-TR" sz="3000" i="1" dirty="0"/>
+                <a:t>EO</a:t>
+              </a:r>
+              <a:endParaRPr lang="en-US" sz="3000" i="1" dirty="0"/>
+            </a:p>
+            <a:p>
+              <a:pPr marL="571500" indent="-571500" algn="just">
+                <a:buFont typeface="Wingdings" panose="05000000000000000000" pitchFamily="2" charset="2"/>
+                <a:buChar char="v"/>
+              </a:pPr>
+              <a:r>
+                <a:rPr lang="en-US" sz="3000" dirty="0"/>
+                <a:t>Furkan Bahadır ELİK</a:t>
+              </a:r>
+              <a:r>
+                <a:rPr lang="tr-TR" sz="3000" dirty="0"/>
+                <a:t> - </a:t>
+              </a:r>
+              <a:r>
+                <a:rPr lang="en-US" sz="3000" i="1" dirty="0">
+                  <a:cs typeface="Times New Roman" pitchFamily="18" charset="0"/>
+                </a:rPr>
+                <a:t>C</a:t>
+              </a:r>
+              <a:r>
+                <a:rPr lang="tr-TR" sz="3000" i="1" dirty="0">
+                  <a:cs typeface="Times New Roman" pitchFamily="18" charset="0"/>
+                </a:rPr>
+                <a:t>TO</a:t>
+              </a:r>
+              <a:endParaRPr lang="en-US" sz="3000" i="1" dirty="0"/>
+            </a:p>
+            <a:p>
+              <a:pPr marL="571500" indent="-571500" algn="just">
+                <a:buFont typeface="Wingdings" panose="05000000000000000000" pitchFamily="2" charset="2"/>
+                <a:buChar char="v"/>
+              </a:pPr>
+              <a:r>
+                <a:rPr lang="en-US" sz="3000" dirty="0" err="1"/>
+                <a:t>İrem</a:t>
+              </a:r>
+              <a:r>
+                <a:rPr lang="en-US" sz="3000" dirty="0"/>
+                <a:t> COŞKUN</a:t>
+              </a:r>
+              <a:r>
+                <a:rPr lang="tr-TR" sz="3000" dirty="0"/>
+                <a:t> - </a:t>
+              </a:r>
+              <a:r>
+                <a:rPr lang="en-US" sz="3000" i="1" dirty="0">
+                  <a:cs typeface="Times New Roman" pitchFamily="18" charset="0"/>
+                </a:rPr>
+                <a:t>C</a:t>
+              </a:r>
+              <a:r>
+                <a:rPr lang="tr-TR" sz="3000" i="1" dirty="0">
+                  <a:cs typeface="Times New Roman" pitchFamily="18" charset="0"/>
+                </a:rPr>
+                <a:t>OO</a:t>
+              </a:r>
+            </a:p>
+            <a:p>
+              <a:pPr marL="571500" indent="-571500" algn="just">
+                <a:buFont typeface="Wingdings" panose="05000000000000000000" pitchFamily="2" charset="2"/>
+                <a:buChar char="v"/>
+              </a:pPr>
+              <a:r>
+                <a:rPr lang="en-US" sz="3000" dirty="0" err="1"/>
+                <a:t>Berkay</a:t>
+              </a:r>
+              <a:r>
+                <a:rPr lang="en-US" sz="3000" dirty="0"/>
+                <a:t> GÖKSU</a:t>
+              </a:r>
+              <a:r>
+                <a:rPr lang="tr-TR" sz="3000" dirty="0"/>
+                <a:t> - </a:t>
+              </a:r>
+              <a:r>
+                <a:rPr lang="en-US" sz="3000" i="1" dirty="0">
+                  <a:cs typeface="Times New Roman" pitchFamily="18" charset="0"/>
+                </a:rPr>
+                <a:t>C</a:t>
+              </a:r>
+              <a:r>
+                <a:rPr lang="tr-TR" sz="3000" i="1" dirty="0">
+                  <a:cs typeface="Times New Roman" pitchFamily="18" charset="0"/>
+                </a:rPr>
+                <a:t>MO</a:t>
+              </a:r>
+            </a:p>
+            <a:p>
+              <a:pPr marL="571500" indent="-571500" algn="just">
+                <a:buFont typeface="Wingdings" panose="05000000000000000000" pitchFamily="2" charset="2"/>
+                <a:buChar char="v"/>
+              </a:pPr>
+              <a:r>
+                <a:rPr lang="en-US" sz="3000" dirty="0" err="1"/>
+                <a:t>Aycan</a:t>
+              </a:r>
+              <a:r>
+                <a:rPr lang="en-US" sz="3000" dirty="0"/>
+                <a:t> BEYENİR</a:t>
+              </a:r>
+              <a:r>
+                <a:rPr lang="tr-TR" sz="3000" dirty="0"/>
+                <a:t> - </a:t>
+              </a:r>
+              <a:r>
+                <a:rPr lang="en-US" sz="3000" i="1" dirty="0">
+                  <a:cs typeface="Times New Roman" pitchFamily="18" charset="0"/>
+                </a:rPr>
+                <a:t>C</a:t>
+              </a:r>
+              <a:r>
+                <a:rPr lang="tr-TR" sz="3000" i="1" dirty="0">
+                  <a:cs typeface="Times New Roman" pitchFamily="18" charset="0"/>
+                </a:rPr>
+                <a:t>FO</a:t>
+              </a:r>
+            </a:p>
+          </p:txBody>
+        </p:sp>
+        <p:sp>
+          <p:nvSpPr>
+            <p:cNvPr id="9" name="Rectangle 8">
+              <a:extLst>
+                <a:ext uri="{FF2B5EF4-FFF2-40B4-BE49-F238E27FC236}">
+                  <a16:creationId xmlns:a16="http://schemas.microsoft.com/office/drawing/2014/main" id="{89E4A5B2-9D73-4109-B8D0-EC81F517FD2E}"/>
+                </a:ext>
+              </a:extLst>
+            </p:cNvPr>
+            <p:cNvSpPr/>
+            <p:nvPr/>
+          </p:nvSpPr>
+          <p:spPr>
+            <a:xfrm>
+              <a:off x="404812" y="4798367"/>
+              <a:ext cx="8001769" cy="589935"/>
+            </a:xfrm>
+            <a:prstGeom prst="rect">
+              <a:avLst/>
+            </a:prstGeom>
+            <a:solidFill>
+              <a:schemeClr val="accent2"/>
+            </a:solidFill>
+            <a:ln>
+              <a:solidFill>
+                <a:schemeClr val="accent2">
+                  <a:lumMod val="60000"/>
+                  <a:lumOff val="40000"/>
+                </a:schemeClr>
+              </a:solidFill>
+            </a:ln>
+          </p:spPr>
+          <p:style>
+            <a:lnRef idx="2">
+              <a:schemeClr val="accent1">
+                <a:shade val="50000"/>
+              </a:schemeClr>
+            </a:lnRef>
+            <a:fillRef idx="1">
+              <a:schemeClr val="accent1"/>
+            </a:fillRef>
+            <a:effectRef idx="0">
+              <a:schemeClr val="accent1"/>
+            </a:effectRef>
+            <a:fontRef idx="minor">
+              <a:schemeClr val="lt1"/>
+            </a:fontRef>
+          </p:style>
+          <p:txBody>
+            <a:bodyPr rtlCol="0" anchor="ctr"/>
+            <a:lstStyle/>
+            <a:p>
+              <a:pPr algn="ctr"/>
+              <a:r>
+                <a:rPr lang="tr-TR" sz="3600" b="1" dirty="0">
+                  <a:solidFill>
+                    <a:schemeClr val="bg1"/>
+                  </a:solidFill>
+                </a:rPr>
+                <a:t>SHAREHOLDERS</a:t>
+              </a:r>
+              <a:endParaRPr lang="en-US" sz="3600" b="1" dirty="0">
+                <a:solidFill>
+                  <a:schemeClr val="bg1"/>
+                </a:solidFill>
+              </a:endParaRPr>
+            </a:p>
+          </p:txBody>
+        </p:sp>
+      </p:grpSp>
+      <p:graphicFrame>
+        <p:nvGraphicFramePr>
+          <p:cNvPr id="13" name="Table 12">
+            <a:extLst>
+              <a:ext uri="{FF2B5EF4-FFF2-40B4-BE49-F238E27FC236}">
+                <a16:creationId xmlns:a16="http://schemas.microsoft.com/office/drawing/2014/main" id="{F7FB8FD5-A6A0-4308-AEC1-7A3A55EFD7A6}"/>
+              </a:ext>
+            </a:extLst>
+          </p:cNvPr>
+          <p:cNvGraphicFramePr>
+            <a:graphicFrameLocks noGrp="1"/>
+          </p:cNvGraphicFramePr>
+          <p:nvPr>
+            <p:extLst>
+              <p:ext uri="{D42A27DB-BD31-4B8C-83A1-F6EECF244321}">
+                <p14:modId xmlns:p14="http://schemas.microsoft.com/office/powerpoint/2010/main" val="4155998758"/>
+              </p:ext>
+            </p:extLst>
+          </p:nvPr>
+        </p:nvGraphicFramePr>
+        <p:xfrm>
+          <a:off x="493302" y="7993626"/>
+          <a:ext cx="5701021" cy="4846320"/>
+        </p:xfrm>
+        <a:graphic>
+          <a:graphicData uri="http://schemas.openxmlformats.org/drawingml/2006/table">
+            <a:tbl>
+              <a:tblPr firstRow="1">
+                <a:tableStyleId>{21E4AEA4-8DFA-4A89-87EB-49C32662AFE0}</a:tableStyleId>
+              </a:tblPr>
+              <a:tblGrid>
+                <a:gridCol w="5701021">
+                  <a:extLst>
+                    <a:ext uri="{9D8B030D-6E8A-4147-A177-3AD203B41FA5}">
+                      <a16:colId xmlns:a16="http://schemas.microsoft.com/office/drawing/2014/main" val="1698945802"/>
+                    </a:ext>
+                  </a:extLst>
+                </a:gridCol>
+              </a:tblGrid>
+              <a:tr h="464400">
+                <a:tc>
+                  <a:txBody>
+                    <a:bodyPr/>
+                    <a:lstStyle/>
+                    <a:p>
+                      <a:pPr algn="ctr"/>
+                      <a:r>
+                        <a:rPr lang="en-US" sz="3600" dirty="0"/>
+                        <a:t>DELIVERABLES</a:t>
+                      </a:r>
+                    </a:p>
+                  </a:txBody>
+                  <a:tcPr>
+                    <a:lnL w="12700" cap="flat" cmpd="sng" algn="ctr">
+                      <a:solidFill>
+                        <a:schemeClr val="accent2"/>
+                      </a:solidFill>
+                      <a:prstDash val="solid"/>
+                      <a:round/>
+                      <a:headEnd type="none" w="med" len="med"/>
+                      <a:tailEnd type="none" w="med" len="med"/>
+                    </a:lnL>
+                    <a:lnR w="12700" cap="flat" cmpd="sng" algn="ctr">
+                      <a:solidFill>
+                        <a:schemeClr val="accent2"/>
+                      </a:solidFill>
+                      <a:prstDash val="solid"/>
+                      <a:round/>
+                      <a:headEnd type="none" w="med" len="med"/>
+                      <a:tailEnd type="none" w="med" len="med"/>
+                    </a:lnR>
+                    <a:lnT w="12700" cap="flat" cmpd="sng" algn="ctr">
+                      <a:solidFill>
+                        <a:schemeClr val="accent2"/>
+                      </a:solidFill>
+                      <a:prstDash val="solid"/>
+                      <a:round/>
+                      <a:headEnd type="none" w="med" len="med"/>
+                      <a:tailEnd type="none" w="med" len="med"/>
+                    </a:lnT>
+                    <a:lnB w="12700" cap="flat" cmpd="sng" algn="ctr">
+                      <a:solidFill>
+                        <a:schemeClr val="accent2"/>
+                      </a:solidFill>
+                      <a:prstDash val="solid"/>
+                      <a:round/>
+                      <a:headEnd type="none" w="med" len="med"/>
+                      <a:tailEnd type="none" w="med" len="med"/>
+                    </a:lnB>
+                    <a:lnTlToBr w="12700" cmpd="sng">
+                      <a:noFill/>
+                      <a:prstDash val="solid"/>
+                    </a:lnTlToBr>
+                    <a:lnBlToTr w="12700" cmpd="sng">
+                      <a:noFill/>
+                      <a:prstDash val="solid"/>
+                    </a:lnBlToTr>
+                  </a:tcPr>
+                </a:tc>
+                <a:extLst>
+                  <a:ext uri="{0D108BD9-81ED-4DB2-BD59-A6C34878D82A}">
+                    <a16:rowId xmlns:a16="http://schemas.microsoft.com/office/drawing/2014/main" val="856225196"/>
+                  </a:ext>
+                </a:extLst>
+              </a:tr>
+              <a:tr h="4179600">
+                <a:tc>
+                  <a:txBody>
+                    <a:bodyPr/>
+                    <a:lstStyle/>
+                    <a:p>
+                      <a:pPr marL="457200" marR="0" lvl="0" indent="-457200" algn="l" defTabSz="914400" rtl="0" eaLnBrk="1" fontAlgn="auto" latinLnBrk="0" hangingPunct="1">
+                        <a:lnSpc>
+                          <a:spcPct val="100000"/>
+                        </a:lnSpc>
+                        <a:spcBef>
+                          <a:spcPts val="0"/>
+                        </a:spcBef>
+                        <a:spcAft>
+                          <a:spcPts val="0"/>
+                        </a:spcAft>
+                        <a:buClrTx/>
+                        <a:buSzTx/>
+                        <a:buFont typeface="Wingdings" panose="05000000000000000000" pitchFamily="2" charset="2"/>
+                        <a:buChar char="v"/>
+                        <a:tabLst/>
+                        <a:defRPr/>
+                      </a:pPr>
+                      <a:r>
+                        <a:rPr lang="en-US" sz="3000" b="0" kern="1200" baseline="0" dirty="0">
+                          <a:solidFill>
+                            <a:schemeClr val="tx1"/>
+                          </a:solidFill>
+                          <a:effectLst/>
+                          <a:latin typeface="+mn-lt"/>
+                          <a:ea typeface="+mn-ea"/>
+                          <a:cs typeface="+mn-cs"/>
+                        </a:rPr>
+                        <a:t>Potato Robot</a:t>
+                      </a:r>
+                      <a:endParaRPr lang="tr-TR" sz="3000" b="0" kern="1200" baseline="0" dirty="0">
+                        <a:solidFill>
+                          <a:schemeClr val="tx1"/>
+                        </a:solidFill>
+                        <a:effectLst/>
+                        <a:latin typeface="+mn-lt"/>
+                        <a:ea typeface="+mn-ea"/>
+                        <a:cs typeface="+mn-cs"/>
+                      </a:endParaRPr>
+                    </a:p>
+                    <a:p>
+                      <a:pPr marL="457200" marR="0" lvl="0" indent="-457200" algn="l" defTabSz="914400" rtl="0" eaLnBrk="1" fontAlgn="auto" latinLnBrk="0" hangingPunct="1">
+                        <a:lnSpc>
+                          <a:spcPct val="100000"/>
+                        </a:lnSpc>
+                        <a:spcBef>
+                          <a:spcPts val="0"/>
+                        </a:spcBef>
+                        <a:spcAft>
+                          <a:spcPts val="0"/>
+                        </a:spcAft>
+                        <a:buClrTx/>
+                        <a:buSzTx/>
+                        <a:buFont typeface="Wingdings" panose="05000000000000000000" pitchFamily="2" charset="2"/>
+                        <a:buChar char="v"/>
+                        <a:tabLst/>
+                        <a:defRPr/>
+                      </a:pPr>
+                      <a:r>
+                        <a:rPr lang="en-US" sz="3000" b="0" kern="1200" baseline="0" dirty="0">
+                          <a:solidFill>
+                            <a:schemeClr val="tx1"/>
+                          </a:solidFill>
+                          <a:effectLst/>
+                          <a:latin typeface="+mn-lt"/>
+                          <a:ea typeface="+mn-ea"/>
+                          <a:cs typeface="+mn-cs"/>
+                        </a:rPr>
+                        <a:t>Controller Unit</a:t>
+                      </a:r>
+                    </a:p>
+                    <a:p>
+                      <a:pPr marL="457200" marR="0" lvl="0" indent="-457200" algn="l" defTabSz="914400" rtl="0" eaLnBrk="1" fontAlgn="auto" latinLnBrk="0" hangingPunct="1">
+                        <a:lnSpc>
+                          <a:spcPct val="100000"/>
+                        </a:lnSpc>
+                        <a:spcBef>
+                          <a:spcPts val="0"/>
+                        </a:spcBef>
+                        <a:spcAft>
+                          <a:spcPts val="0"/>
+                        </a:spcAft>
+                        <a:buClrTx/>
+                        <a:buSzTx/>
+                        <a:buFont typeface="Wingdings" panose="05000000000000000000" pitchFamily="2" charset="2"/>
+                        <a:buChar char="v"/>
+                        <a:tabLst/>
+                        <a:defRPr/>
+                      </a:pPr>
+                      <a:r>
+                        <a:rPr lang="en-US" sz="3000" b="0" kern="1200" baseline="0" dirty="0">
+                          <a:solidFill>
+                            <a:schemeClr val="tx1"/>
+                          </a:solidFill>
+                          <a:effectLst/>
+                          <a:latin typeface="+mn-lt"/>
+                          <a:ea typeface="+mn-ea"/>
+                          <a:cs typeface="+mn-cs"/>
+                        </a:rPr>
+                        <a:t>2 Li-Po Battery</a:t>
+                      </a:r>
+                    </a:p>
+                    <a:p>
+                      <a:pPr marL="457200" marR="0" lvl="0" indent="-457200" algn="l" defTabSz="914400" rtl="0" eaLnBrk="1" fontAlgn="auto" latinLnBrk="0" hangingPunct="1">
+                        <a:lnSpc>
+                          <a:spcPct val="100000"/>
+                        </a:lnSpc>
+                        <a:spcBef>
+                          <a:spcPts val="0"/>
+                        </a:spcBef>
+                        <a:spcAft>
+                          <a:spcPts val="0"/>
+                        </a:spcAft>
+                        <a:buClrTx/>
+                        <a:buSzTx/>
+                        <a:buFont typeface="Wingdings" panose="05000000000000000000" pitchFamily="2" charset="2"/>
+                        <a:buChar char="v"/>
+                        <a:tabLst/>
+                        <a:defRPr/>
+                      </a:pPr>
+                      <a:r>
+                        <a:rPr lang="en-US" sz="3000" b="0" kern="1200" baseline="0" dirty="0">
+                          <a:solidFill>
+                            <a:schemeClr val="tx1"/>
+                          </a:solidFill>
+                          <a:effectLst/>
+                          <a:latin typeface="+mn-lt"/>
+                          <a:ea typeface="+mn-ea"/>
+                          <a:cs typeface="+mn-cs"/>
+                        </a:rPr>
+                        <a:t>6 Game Field Walls</a:t>
+                      </a:r>
+                    </a:p>
+                    <a:p>
+                      <a:pPr marL="457200" marR="0" lvl="0" indent="-457200" algn="l" defTabSz="914400" rtl="0" eaLnBrk="1" fontAlgn="auto" latinLnBrk="0" hangingPunct="1">
+                        <a:lnSpc>
+                          <a:spcPct val="100000"/>
+                        </a:lnSpc>
+                        <a:spcBef>
+                          <a:spcPts val="0"/>
+                        </a:spcBef>
+                        <a:spcAft>
+                          <a:spcPts val="0"/>
+                        </a:spcAft>
+                        <a:buClrTx/>
+                        <a:buSzTx/>
+                        <a:buFont typeface="Wingdings" panose="05000000000000000000" pitchFamily="2" charset="2"/>
+                        <a:buChar char="v"/>
+                        <a:tabLst/>
+                        <a:defRPr/>
+                      </a:pPr>
+                      <a:r>
+                        <a:rPr lang="en-US" sz="3000" b="0" kern="1200" baseline="0" dirty="0">
+                          <a:solidFill>
+                            <a:schemeClr val="tx1"/>
+                          </a:solidFill>
+                          <a:effectLst/>
+                          <a:latin typeface="+mn-lt"/>
+                          <a:ea typeface="+mn-ea"/>
+                          <a:cs typeface="+mn-cs"/>
+                        </a:rPr>
+                        <a:t>2 Balls</a:t>
+                      </a:r>
+                    </a:p>
+                    <a:p>
+                      <a:pPr marL="457200" marR="0" lvl="0" indent="-457200" algn="l" defTabSz="914400" rtl="0" eaLnBrk="1" fontAlgn="auto" latinLnBrk="0" hangingPunct="1">
+                        <a:lnSpc>
+                          <a:spcPct val="100000"/>
+                        </a:lnSpc>
+                        <a:spcBef>
+                          <a:spcPts val="0"/>
+                        </a:spcBef>
+                        <a:spcAft>
+                          <a:spcPts val="0"/>
+                        </a:spcAft>
+                        <a:buClrTx/>
+                        <a:buSzTx/>
+                        <a:buFont typeface="Wingdings" panose="05000000000000000000" pitchFamily="2" charset="2"/>
+                        <a:buChar char="v"/>
+                        <a:tabLst/>
+                        <a:defRPr/>
+                      </a:pPr>
+                      <a:r>
+                        <a:rPr lang="en-US" sz="3000" b="0" kern="1200" baseline="0" dirty="0">
+                          <a:solidFill>
+                            <a:schemeClr val="tx1"/>
+                          </a:solidFill>
+                          <a:effectLst/>
+                          <a:latin typeface="+mn-lt"/>
+                          <a:ea typeface="+mn-ea"/>
+                          <a:cs typeface="+mn-cs"/>
+                        </a:rPr>
+                        <a:t>A Dummy Robot</a:t>
+                      </a:r>
+                    </a:p>
+                    <a:p>
+                      <a:pPr marL="457200" marR="0" lvl="0" indent="-457200" algn="l" defTabSz="914400" rtl="0" eaLnBrk="1" fontAlgn="auto" latinLnBrk="0" hangingPunct="1">
+                        <a:lnSpc>
+                          <a:spcPct val="100000"/>
+                        </a:lnSpc>
+                        <a:spcBef>
+                          <a:spcPts val="0"/>
+                        </a:spcBef>
+                        <a:spcAft>
+                          <a:spcPts val="0"/>
+                        </a:spcAft>
+                        <a:buClrTx/>
+                        <a:buSzTx/>
+                        <a:buFont typeface="Wingdings" panose="05000000000000000000" pitchFamily="2" charset="2"/>
+                        <a:buChar char="v"/>
+                        <a:tabLst/>
+                        <a:defRPr/>
+                      </a:pPr>
+                      <a:r>
+                        <a:rPr lang="en-US" sz="3000" b="0" kern="1200" baseline="0" dirty="0">
+                          <a:solidFill>
+                            <a:schemeClr val="tx1"/>
+                          </a:solidFill>
+                          <a:effectLst/>
+                          <a:latin typeface="+mn-lt"/>
+                          <a:ea typeface="+mn-ea"/>
+                          <a:cs typeface="+mn-cs"/>
+                        </a:rPr>
+                        <a:t>User Manu</a:t>
+                      </a:r>
+                      <a:r>
+                        <a:rPr lang="tr-TR" sz="3000" b="0" kern="1200" baseline="0" dirty="0">
+                          <a:solidFill>
+                            <a:schemeClr val="tx1"/>
+                          </a:solidFill>
+                          <a:effectLst/>
+                          <a:latin typeface="+mn-lt"/>
+                          <a:ea typeface="+mn-ea"/>
+                          <a:cs typeface="+mn-cs"/>
+                        </a:rPr>
+                        <a:t>a</a:t>
+                      </a:r>
+                      <a:r>
+                        <a:rPr lang="en-US" sz="3000" b="0" kern="1200" baseline="0" dirty="0">
+                          <a:solidFill>
+                            <a:schemeClr val="tx1"/>
+                          </a:solidFill>
+                          <a:effectLst/>
+                          <a:latin typeface="+mn-lt"/>
+                          <a:ea typeface="+mn-ea"/>
+                          <a:cs typeface="+mn-cs"/>
+                        </a:rPr>
+                        <a:t>l</a:t>
+                      </a:r>
+                    </a:p>
+                    <a:p>
+                      <a:pPr marL="457200" marR="0" lvl="0" indent="-457200" algn="l" defTabSz="914400" rtl="0" eaLnBrk="1" fontAlgn="auto" latinLnBrk="0" hangingPunct="1">
+                        <a:lnSpc>
+                          <a:spcPct val="100000"/>
+                        </a:lnSpc>
+                        <a:spcBef>
+                          <a:spcPts val="0"/>
+                        </a:spcBef>
+                        <a:spcAft>
+                          <a:spcPts val="0"/>
+                        </a:spcAft>
+                        <a:buClrTx/>
+                        <a:buSzTx/>
+                        <a:buFont typeface="Wingdings" panose="05000000000000000000" pitchFamily="2" charset="2"/>
+                        <a:buChar char="v"/>
+                        <a:tabLst/>
+                        <a:defRPr/>
+                      </a:pPr>
+                      <a:r>
+                        <a:rPr lang="en-US" sz="3000" b="0" kern="1200" baseline="0" dirty="0">
+                          <a:solidFill>
+                            <a:schemeClr val="tx1"/>
+                          </a:solidFill>
+                          <a:effectLst/>
+                          <a:latin typeface="+mn-lt"/>
+                          <a:ea typeface="+mn-ea"/>
+                          <a:cs typeface="+mn-cs"/>
+                        </a:rPr>
+                        <a:t>2-year Warranty</a:t>
+                      </a:r>
+                    </a:p>
+                    <a:p>
+                      <a:pPr marL="457200" marR="0" lvl="0" indent="-457200" algn="l" defTabSz="914400" rtl="0" eaLnBrk="1" fontAlgn="auto" latinLnBrk="0" hangingPunct="1">
+                        <a:lnSpc>
+                          <a:spcPct val="100000"/>
+                        </a:lnSpc>
+                        <a:spcBef>
+                          <a:spcPts val="0"/>
+                        </a:spcBef>
+                        <a:spcAft>
+                          <a:spcPts val="0"/>
+                        </a:spcAft>
+                        <a:buClrTx/>
+                        <a:buSzTx/>
+                        <a:buFont typeface="Wingdings" panose="05000000000000000000" pitchFamily="2" charset="2"/>
+                        <a:buChar char="v"/>
+                        <a:tabLst/>
+                        <a:defRPr/>
+                      </a:pPr>
+                      <a:r>
+                        <a:rPr lang="en-US" sz="3000" b="0" kern="1200" baseline="0" dirty="0">
+                          <a:solidFill>
+                            <a:schemeClr val="tx1"/>
+                          </a:solidFill>
+                          <a:effectLst/>
+                          <a:latin typeface="+mn-lt"/>
+                          <a:ea typeface="+mn-ea"/>
+                          <a:cs typeface="+mn-cs"/>
+                        </a:rPr>
+                        <a:t>Software Pack</a:t>
+                      </a:r>
+                    </a:p>
+                  </a:txBody>
+                  <a:tcPr>
+                    <a:lnL w="12700" cap="flat" cmpd="sng" algn="ctr">
+                      <a:solidFill>
+                        <a:schemeClr val="accent2"/>
+                      </a:solidFill>
+                      <a:prstDash val="solid"/>
+                      <a:round/>
+                      <a:headEnd type="none" w="med" len="med"/>
+                      <a:tailEnd type="none" w="med" len="med"/>
+                    </a:lnL>
+                    <a:lnR w="12700" cap="flat" cmpd="sng" algn="ctr">
+                      <a:solidFill>
+                        <a:schemeClr val="accent2"/>
+                      </a:solidFill>
+                      <a:prstDash val="solid"/>
+                      <a:round/>
+                      <a:headEnd type="none" w="med" len="med"/>
+                      <a:tailEnd type="none" w="med" len="med"/>
+                    </a:lnR>
+                    <a:lnT w="12700" cap="flat" cmpd="sng" algn="ctr">
+                      <a:solidFill>
+                        <a:schemeClr val="accent2"/>
+                      </a:solidFill>
+                      <a:prstDash val="solid"/>
+                      <a:round/>
+                      <a:headEnd type="none" w="med" len="med"/>
+                      <a:tailEnd type="none" w="med" len="med"/>
+                    </a:lnT>
+                    <a:lnB w="12700" cap="flat" cmpd="sng" algn="ctr">
+                      <a:solidFill>
+                        <a:schemeClr val="accent2"/>
+                      </a:solidFill>
+                      <a:prstDash val="solid"/>
+                      <a:round/>
+                      <a:headEnd type="none" w="med" len="med"/>
+                      <a:tailEnd type="none" w="med" len="med"/>
+                    </a:lnB>
+                    <a:lnTlToBr w="12700" cmpd="sng">
+                      <a:noFill/>
+                      <a:prstDash val="solid"/>
+                    </a:lnTlToBr>
+                    <a:lnBlToTr w="12700" cmpd="sng">
+                      <a:noFill/>
+                      <a:prstDash val="solid"/>
+                    </a:lnBlToTr>
+                    <a:solidFill>
+                      <a:schemeClr val="bg1"/>
+                    </a:solidFill>
+                  </a:tcPr>
+                </a:tc>
+                <a:extLst>
+                  <a:ext uri="{0D108BD9-81ED-4DB2-BD59-A6C34878D82A}">
+                    <a16:rowId xmlns:a16="http://schemas.microsoft.com/office/drawing/2014/main" val="3775586917"/>
+                  </a:ext>
+                </a:extLst>
+              </a:tr>
+            </a:tbl>
+          </a:graphicData>
+        </a:graphic>
+      </p:graphicFrame>
       <p:sp>
         <p:nvSpPr>
-          <p:cNvPr id="8" name="TextBox 7">
+          <p:cNvPr id="14" name="TextBox 13">
             <a:extLst>
               <a:ext uri="{FF2B5EF4-FFF2-40B4-BE49-F238E27FC236}">
-                <a16:creationId xmlns:a16="http://schemas.microsoft.com/office/drawing/2014/main" id="{A728C2A4-01AD-4BAE-9EA9-E560AFCA42EC}"/>
+                <a16:creationId xmlns:a16="http://schemas.microsoft.com/office/drawing/2014/main" id="{DDCD66C5-4B9B-419E-9DE1-B2B00F55FCA2}"/>
               </a:ext>
             </a:extLst>
           </p:cNvPr>
@@ -3581,8 +4331,8 @@
         </p:nvSpPr>
         <p:spPr>
           <a:xfrm>
-            <a:off x="404812" y="5388302"/>
-            <a:ext cx="9417614" cy="2862322"/>
+            <a:off x="716427" y="29014217"/>
+            <a:ext cx="13276158" cy="646332"/>
           </a:xfrm>
           <a:prstGeom prst="rect">
             <a:avLst/>
@@ -3590,13 +4340,13 @@
         </p:spPr>
         <p:style>
           <a:lnRef idx="2">
-            <a:schemeClr val="accent4"/>
+            <a:schemeClr val="accent5"/>
           </a:lnRef>
           <a:fillRef idx="1">
             <a:schemeClr val="lt1"/>
           </a:fillRef>
           <a:effectRef idx="0">
-            <a:schemeClr val="accent4"/>
+            <a:schemeClr val="accent5"/>
           </a:effectRef>
           <a:fontRef idx="minor">
             <a:schemeClr val="dk1"/>
@@ -3608,13 +4358,13 @@
           </a:bodyPr>
           <a:lstStyle/>
           <a:p>
-            <a:pPr marL="571500" indent="-571500">
-              <a:buFont typeface="Wingdings" panose="05000000000000000000" pitchFamily="2" charset="2"/>
-              <a:buChar char="v"/>
-            </a:pPr>
+            <a:r>
+              <a:rPr lang="bs-Latn-BA" sz="3600" dirty="0"/>
+              <a:t>Special Thanks To</a:t>
+            </a:r>
             <a:r>
               <a:rPr lang="tr-TR" sz="3600" dirty="0"/>
-              <a:t>Fatma Nur Arabacı </a:t>
+              <a:t> our Supervisor </a:t>
             </a:r>
             <a:r>
               <a:rPr lang="tr-TR" sz="3600" dirty="0">
@@ -3626,135 +4376,2478 @@
                   </a:outerShdw>
                 </a:effectLst>
               </a:rPr>
-              <a:t>- </a:t>
+              <a:t>Arzu Tuncay KOÇ</a:t>
             </a:r>
-            <a:r>
-              <a:rPr lang="en-US" sz="3600" i="1" dirty="0"/>
-              <a:t>Chief Executer Officer</a:t>
-            </a:r>
-          </a:p>
-          <a:p>
-            <a:pPr marL="571500" indent="-571500">
-              <a:buFont typeface="Wingdings" panose="05000000000000000000" pitchFamily="2" charset="2"/>
-              <a:buChar char="v"/>
-            </a:pPr>
-            <a:r>
-              <a:rPr lang="en-US" sz="3600" dirty="0" err="1"/>
-              <a:t>Furkan</a:t>
-            </a:r>
-            <a:r>
-              <a:rPr lang="en-US" sz="3600" dirty="0"/>
-              <a:t> </a:t>
-            </a:r>
-            <a:r>
-              <a:rPr lang="en-US" sz="3600" dirty="0" err="1"/>
-              <a:t>Bahadır</a:t>
-            </a:r>
-            <a:r>
-              <a:rPr lang="en-US" sz="3600" dirty="0"/>
-              <a:t> ELİK</a:t>
-            </a:r>
-            <a:r>
-              <a:rPr lang="tr-TR" sz="3600" dirty="0"/>
-              <a:t> - </a:t>
-            </a:r>
-            <a:r>
-              <a:rPr lang="en-US" sz="3600" i="1" dirty="0">
-                <a:cs typeface="Times New Roman" pitchFamily="18" charset="0"/>
-              </a:rPr>
-              <a:t>Chief Technology Officer</a:t>
-            </a:r>
-            <a:endParaRPr lang="en-US" sz="3600" i="1" dirty="0"/>
-          </a:p>
-          <a:p>
-            <a:pPr marL="571500" indent="-571500">
-              <a:buFont typeface="Wingdings" panose="05000000000000000000" pitchFamily="2" charset="2"/>
-              <a:buChar char="v"/>
-            </a:pPr>
-            <a:r>
-              <a:rPr lang="en-US" sz="3600" dirty="0" err="1"/>
-              <a:t>İrem</a:t>
-            </a:r>
-            <a:r>
-              <a:rPr lang="en-US" sz="3600" dirty="0"/>
-              <a:t> COŞKUN</a:t>
-            </a:r>
-            <a:r>
-              <a:rPr lang="tr-TR" sz="3600" dirty="0"/>
-              <a:t> - </a:t>
-            </a:r>
-            <a:r>
-              <a:rPr lang="en-US" sz="3600" i="1" dirty="0">
-                <a:cs typeface="Times New Roman" pitchFamily="18" charset="0"/>
-              </a:rPr>
-              <a:t>Chief Operating Officer</a:t>
-            </a:r>
-            <a:endParaRPr lang="tr-TR" sz="3600" i="1" dirty="0">
-              <a:cs typeface="Times New Roman" pitchFamily="18" charset="0"/>
-            </a:endParaRPr>
-          </a:p>
-          <a:p>
-            <a:pPr marL="571500" indent="-571500">
-              <a:buFont typeface="Wingdings" panose="05000000000000000000" pitchFamily="2" charset="2"/>
-              <a:buChar char="v"/>
-            </a:pPr>
-            <a:r>
-              <a:rPr lang="en-US" sz="3600" dirty="0" err="1"/>
-              <a:t>Berkay</a:t>
-            </a:r>
-            <a:r>
-              <a:rPr lang="en-US" sz="3600" dirty="0"/>
-              <a:t> GÖKSU</a:t>
-            </a:r>
-            <a:r>
-              <a:rPr lang="tr-TR" sz="3600" dirty="0"/>
-              <a:t> - </a:t>
-            </a:r>
-            <a:r>
-              <a:rPr lang="en-US" sz="3600" i="1" dirty="0">
-                <a:cs typeface="Times New Roman" pitchFamily="18" charset="0"/>
-              </a:rPr>
-              <a:t>Chief Marketing Officer</a:t>
-            </a:r>
-            <a:endParaRPr lang="tr-TR" sz="3600" i="1" dirty="0">
-              <a:cs typeface="Times New Roman" pitchFamily="18" charset="0"/>
-            </a:endParaRPr>
-          </a:p>
-          <a:p>
-            <a:pPr marL="571500" indent="-571500">
-              <a:buFont typeface="Wingdings" panose="05000000000000000000" pitchFamily="2" charset="2"/>
-              <a:buChar char="v"/>
-            </a:pPr>
-            <a:r>
-              <a:rPr lang="en-US" sz="3600" dirty="0" err="1"/>
-              <a:t>Aycan</a:t>
-            </a:r>
-            <a:r>
-              <a:rPr lang="en-US" sz="3600" dirty="0"/>
-              <a:t> BEYENİR</a:t>
-            </a:r>
-            <a:r>
-              <a:rPr lang="tr-TR" sz="3600" dirty="0"/>
-              <a:t> - </a:t>
-            </a:r>
-            <a:r>
-              <a:rPr lang="en-US" sz="3600" i="1" dirty="0">
-                <a:cs typeface="Times New Roman" pitchFamily="18" charset="0"/>
-              </a:rPr>
-              <a:t>Chief Financial Officer</a:t>
-            </a:r>
-            <a:endParaRPr lang="tr-TR" sz="3600" i="1" dirty="0">
-              <a:cs typeface="Times New Roman" pitchFamily="18" charset="0"/>
+            <a:endParaRPr lang="en-US" sz="3600" dirty="0">
+              <a:effectLst>
+                <a:outerShdw blurRad="38100" dist="38100" dir="2700000" algn="tl">
+                  <a:srgbClr val="000000">
+                    <a:alpha val="43137"/>
+                  </a:srgbClr>
+                </a:outerShdw>
+              </a:effectLst>
             </a:endParaRPr>
           </a:p>
         </p:txBody>
       </p:sp>
+      <p:grpSp>
+        <p:nvGrpSpPr>
+          <p:cNvPr id="15" name="Group 14">
+            <a:extLst>
+              <a:ext uri="{FF2B5EF4-FFF2-40B4-BE49-F238E27FC236}">
+                <a16:creationId xmlns:a16="http://schemas.microsoft.com/office/drawing/2014/main" id="{1C8B918E-6D1F-425D-AE38-9455FF182103}"/>
+              </a:ext>
+            </a:extLst>
+          </p:cNvPr>
+          <p:cNvGrpSpPr/>
+          <p:nvPr/>
+        </p:nvGrpSpPr>
+        <p:grpSpPr>
+          <a:xfrm>
+            <a:off x="493302" y="13131853"/>
+            <a:ext cx="5701021" cy="2067263"/>
+            <a:chOff x="404812" y="4798367"/>
+            <a:chExt cx="9417614" cy="2067263"/>
+          </a:xfrm>
+        </p:grpSpPr>
+        <p:sp>
+          <p:nvSpPr>
+            <p:cNvPr id="16" name="TextBox 15">
+              <a:extLst>
+                <a:ext uri="{FF2B5EF4-FFF2-40B4-BE49-F238E27FC236}">
+                  <a16:creationId xmlns:a16="http://schemas.microsoft.com/office/drawing/2014/main" id="{F0757E68-7674-4C0C-A2E2-79F201C73078}"/>
+                </a:ext>
+              </a:extLst>
+            </p:cNvPr>
+            <p:cNvSpPr txBox="1"/>
+            <p:nvPr/>
+          </p:nvSpPr>
+          <p:spPr>
+            <a:xfrm>
+              <a:off x="404812" y="5388302"/>
+              <a:ext cx="9417614" cy="1477328"/>
+            </a:xfrm>
+            <a:prstGeom prst="rect">
+              <a:avLst/>
+            </a:prstGeom>
+          </p:spPr>
+          <p:style>
+            <a:lnRef idx="2">
+              <a:schemeClr val="accent4"/>
+            </a:lnRef>
+            <a:fillRef idx="1">
+              <a:schemeClr val="lt1"/>
+            </a:fillRef>
+            <a:effectRef idx="0">
+              <a:schemeClr val="accent4"/>
+            </a:effectRef>
+            <a:fontRef idx="minor">
+              <a:schemeClr val="dk1"/>
+            </a:fontRef>
+          </p:style>
+          <p:txBody>
+            <a:bodyPr wrap="square" rtlCol="0">
+              <a:spAutoFit/>
+            </a:bodyPr>
+            <a:lstStyle/>
+            <a:p>
+              <a:pPr marL="571500" indent="-571500">
+                <a:buFont typeface="Wingdings" panose="05000000000000000000" pitchFamily="2" charset="2"/>
+                <a:buChar char="v"/>
+              </a:pPr>
+              <a:r>
+                <a:rPr lang="tr-TR" sz="3000" dirty="0">
+                  <a:cs typeface="Times New Roman" pitchFamily="18" charset="0"/>
+                </a:rPr>
+                <a:t>User friendly control module</a:t>
+              </a:r>
+            </a:p>
+            <a:p>
+              <a:pPr marL="571500" indent="-571500">
+                <a:buFont typeface="Wingdings" panose="05000000000000000000" pitchFamily="2" charset="2"/>
+                <a:buChar char="v"/>
+              </a:pPr>
+              <a:r>
+                <a:rPr lang="tr-TR" sz="3000" dirty="0">
+                  <a:cs typeface="Times New Roman" pitchFamily="18" charset="0"/>
+                </a:rPr>
+                <a:t>Fast-learning curve for the user</a:t>
+              </a:r>
+            </a:p>
+            <a:p>
+              <a:pPr marL="571500" indent="-571500">
+                <a:buFont typeface="Wingdings" panose="05000000000000000000" pitchFamily="2" charset="2"/>
+                <a:buChar char="v"/>
+              </a:pPr>
+              <a:r>
+                <a:rPr lang="tr-TR" sz="3000" dirty="0">
+                  <a:cs typeface="Times New Roman" pitchFamily="18" charset="0"/>
+                </a:rPr>
+                <a:t>Wide field of view </a:t>
+              </a:r>
+            </a:p>
+          </p:txBody>
+        </p:sp>
+        <p:sp>
+          <p:nvSpPr>
+            <p:cNvPr id="17" name="Rectangle 16">
+              <a:extLst>
+                <a:ext uri="{FF2B5EF4-FFF2-40B4-BE49-F238E27FC236}">
+                  <a16:creationId xmlns:a16="http://schemas.microsoft.com/office/drawing/2014/main" id="{2E821B45-53AD-4AF1-8A91-28EC6505A9B6}"/>
+                </a:ext>
+              </a:extLst>
+            </p:cNvPr>
+            <p:cNvSpPr/>
+            <p:nvPr/>
+          </p:nvSpPr>
+          <p:spPr>
+            <a:xfrm>
+              <a:off x="404812" y="4798367"/>
+              <a:ext cx="9417614" cy="589935"/>
+            </a:xfrm>
+            <a:prstGeom prst="rect">
+              <a:avLst/>
+            </a:prstGeom>
+            <a:solidFill>
+              <a:schemeClr val="accent2"/>
+            </a:solidFill>
+            <a:ln>
+              <a:solidFill>
+                <a:schemeClr val="accent2">
+                  <a:lumMod val="60000"/>
+                  <a:lumOff val="40000"/>
+                </a:schemeClr>
+              </a:solidFill>
+            </a:ln>
+          </p:spPr>
+          <p:style>
+            <a:lnRef idx="2">
+              <a:schemeClr val="accent1">
+                <a:shade val="50000"/>
+              </a:schemeClr>
+            </a:lnRef>
+            <a:fillRef idx="1">
+              <a:schemeClr val="accent1"/>
+            </a:fillRef>
+            <a:effectRef idx="0">
+              <a:schemeClr val="accent1"/>
+            </a:effectRef>
+            <a:fontRef idx="minor">
+              <a:schemeClr val="lt1"/>
+            </a:fontRef>
+          </p:style>
+          <p:txBody>
+            <a:bodyPr rtlCol="0" anchor="ctr"/>
+            <a:lstStyle/>
+            <a:p>
+              <a:pPr algn="ctr"/>
+              <a:r>
+                <a:rPr lang="tr-TR" sz="3600" b="1" dirty="0">
+                  <a:solidFill>
+                    <a:schemeClr val="bg1"/>
+                  </a:solidFill>
+                </a:rPr>
+                <a:t>OUTSTANDING FEATURES</a:t>
+              </a:r>
+              <a:endParaRPr lang="en-US" sz="3600" b="1" dirty="0">
+                <a:solidFill>
+                  <a:schemeClr val="bg1"/>
+                </a:solidFill>
+              </a:endParaRPr>
+            </a:p>
+          </p:txBody>
+        </p:sp>
+      </p:grpSp>
+      <p:graphicFrame>
+        <p:nvGraphicFramePr>
+          <p:cNvPr id="18" name="İçerik Yer Tutucusu 9">
+            <a:extLst>
+              <a:ext uri="{FF2B5EF4-FFF2-40B4-BE49-F238E27FC236}">
+                <a16:creationId xmlns:a16="http://schemas.microsoft.com/office/drawing/2014/main" id="{0D15F750-29AF-4DB0-AD53-205679FC16E6}"/>
+              </a:ext>
+            </a:extLst>
+          </p:cNvPr>
+          <p:cNvGraphicFramePr>
+            <a:graphicFrameLocks/>
+          </p:cNvGraphicFramePr>
+          <p:nvPr>
+            <p:extLst>
+              <p:ext uri="{D42A27DB-BD31-4B8C-83A1-F6EECF244321}">
+                <p14:modId xmlns:p14="http://schemas.microsoft.com/office/powerpoint/2010/main" val="3297536537"/>
+              </p:ext>
+            </p:extLst>
+          </p:nvPr>
+        </p:nvGraphicFramePr>
+        <p:xfrm>
+          <a:off x="13992585" y="5355089"/>
+          <a:ext cx="6767718" cy="10222103"/>
+        </p:xfrm>
+        <a:graphic>
+          <a:graphicData uri="http://schemas.openxmlformats.org/drawingml/2006/table">
+            <a:tbl>
+              <a:tblPr firstRow="1" firstCol="1" bandRow="1">
+                <a:tableStyleId>{17292A2E-F333-43FB-9621-5CBBE7FDCDCB}</a:tableStyleId>
+              </a:tblPr>
+              <a:tblGrid>
+                <a:gridCol w="4265918">
+                  <a:extLst>
+                    <a:ext uri="{9D8B030D-6E8A-4147-A177-3AD203B41FA5}">
+                      <a16:colId xmlns:a16="http://schemas.microsoft.com/office/drawing/2014/main" val="4286130752"/>
+                    </a:ext>
+                  </a:extLst>
+                </a:gridCol>
+                <a:gridCol w="619432">
+                  <a:extLst>
+                    <a:ext uri="{9D8B030D-6E8A-4147-A177-3AD203B41FA5}">
+                      <a16:colId xmlns:a16="http://schemas.microsoft.com/office/drawing/2014/main" val="3989257401"/>
+                    </a:ext>
+                  </a:extLst>
+                </a:gridCol>
+                <a:gridCol w="1882368">
+                  <a:extLst>
+                    <a:ext uri="{9D8B030D-6E8A-4147-A177-3AD203B41FA5}">
+                      <a16:colId xmlns:a16="http://schemas.microsoft.com/office/drawing/2014/main" val="1042830662"/>
+                    </a:ext>
+                  </a:extLst>
+                </a:gridCol>
+              </a:tblGrid>
+              <a:tr h="432000">
+                <a:tc>
+                  <a:txBody>
+                    <a:bodyPr/>
+                    <a:lstStyle/>
+                    <a:p>
+                      <a:pPr algn="r">
+                        <a:lnSpc>
+                          <a:spcPct val="106000"/>
+                        </a:lnSpc>
+                        <a:spcAft>
+                          <a:spcPts val="0"/>
+                        </a:spcAft>
+                      </a:pPr>
+                      <a:r>
+                        <a:rPr lang="en-US" sz="3000" dirty="0">
+                          <a:effectLst/>
+                        </a:rPr>
+                        <a:t>Materials</a:t>
+                      </a:r>
+                      <a:endParaRPr lang="tr-TR" sz="3000" dirty="0">
+                        <a:effectLst/>
+                        <a:latin typeface="Calibri" panose="020F0502020204030204" pitchFamily="34" charset="0"/>
+                        <a:ea typeface="Calibri" panose="020F0502020204030204" pitchFamily="34" charset="0"/>
+                        <a:cs typeface="Times New Roman" panose="02020603050405020304" pitchFamily="18" charset="0"/>
+                      </a:endParaRPr>
+                    </a:p>
+                  </a:txBody>
+                  <a:tcPr marL="68580" marR="68580" marT="0" marB="0"/>
+                </a:tc>
+                <a:tc>
+                  <a:txBody>
+                    <a:bodyPr/>
+                    <a:lstStyle/>
+                    <a:p>
+                      <a:pPr algn="r">
+                        <a:lnSpc>
+                          <a:spcPct val="106000"/>
+                        </a:lnSpc>
+                        <a:spcAft>
+                          <a:spcPts val="0"/>
+                        </a:spcAft>
+                      </a:pPr>
+                      <a:endParaRPr lang="tr-TR" sz="3000" dirty="0">
+                        <a:effectLst/>
+                        <a:latin typeface="Calibri" panose="020F0502020204030204" pitchFamily="34" charset="0"/>
+                        <a:ea typeface="Calibri" panose="020F0502020204030204" pitchFamily="34" charset="0"/>
+                        <a:cs typeface="Times New Roman" panose="02020603050405020304" pitchFamily="18" charset="0"/>
+                      </a:endParaRPr>
+                    </a:p>
+                  </a:txBody>
+                  <a:tcPr marL="68580" marR="68580" marT="0" marB="0"/>
+                </a:tc>
+                <a:tc>
+                  <a:txBody>
+                    <a:bodyPr/>
+                    <a:lstStyle/>
+                    <a:p>
+                      <a:pPr algn="l">
+                        <a:lnSpc>
+                          <a:spcPct val="106000"/>
+                        </a:lnSpc>
+                        <a:spcAft>
+                          <a:spcPts val="0"/>
+                        </a:spcAft>
+                      </a:pPr>
+                      <a:r>
+                        <a:rPr lang="en-US" sz="3000" dirty="0">
+                          <a:effectLst/>
+                        </a:rPr>
+                        <a:t>Cost</a:t>
+                      </a:r>
+                      <a:endParaRPr lang="tr-TR" sz="3000" dirty="0">
+                        <a:effectLst/>
+                        <a:latin typeface="Calibri" panose="020F0502020204030204" pitchFamily="34" charset="0"/>
+                        <a:ea typeface="Calibri" panose="020F0502020204030204" pitchFamily="34" charset="0"/>
+                        <a:cs typeface="Times New Roman" panose="02020603050405020304" pitchFamily="18" charset="0"/>
+                      </a:endParaRPr>
+                    </a:p>
+                  </a:txBody>
+                  <a:tcPr marL="68580" marR="68580" marT="0" marB="0"/>
+                </a:tc>
+                <a:extLst>
+                  <a:ext uri="{0D108BD9-81ED-4DB2-BD59-A6C34878D82A}">
+                    <a16:rowId xmlns:a16="http://schemas.microsoft.com/office/drawing/2014/main" val="2925040333"/>
+                  </a:ext>
+                </a:extLst>
+              </a:tr>
+              <a:tr h="432000">
+                <a:tc>
+                  <a:txBody>
+                    <a:bodyPr/>
+                    <a:lstStyle/>
+                    <a:p>
+                      <a:pPr algn="r">
+                        <a:lnSpc>
+                          <a:spcPct val="106000"/>
+                        </a:lnSpc>
+                        <a:spcAft>
+                          <a:spcPts val="0"/>
+                        </a:spcAft>
+                      </a:pPr>
+                      <a:r>
+                        <a:rPr lang="en-US" sz="3000" b="0" dirty="0">
+                          <a:effectLst/>
+                        </a:rPr>
+                        <a:t>DC Motor with Gearbox</a:t>
+                      </a:r>
+                      <a:endParaRPr lang="tr-TR" sz="3000" b="0" dirty="0">
+                        <a:effectLst/>
+                        <a:latin typeface="Calibri" panose="020F0502020204030204" pitchFamily="34" charset="0"/>
+                        <a:ea typeface="Calibri" panose="020F0502020204030204" pitchFamily="34" charset="0"/>
+                        <a:cs typeface="Times New Roman" panose="02020603050405020304" pitchFamily="18" charset="0"/>
+                      </a:endParaRPr>
+                    </a:p>
+                  </a:txBody>
+                  <a:tcPr marL="68580" marR="68580" marT="0" marB="0">
+                    <a:solidFill>
+                      <a:schemeClr val="bg1"/>
+                    </a:solidFill>
+                  </a:tcPr>
+                </a:tc>
+                <a:tc>
+                  <a:txBody>
+                    <a:bodyPr/>
+                    <a:lstStyle/>
+                    <a:p>
+                      <a:pPr algn="r">
+                        <a:lnSpc>
+                          <a:spcPct val="106000"/>
+                        </a:lnSpc>
+                        <a:spcAft>
+                          <a:spcPts val="0"/>
+                        </a:spcAft>
+                      </a:pPr>
+                      <a:endParaRPr lang="tr-TR" sz="3000" b="0" dirty="0">
+                        <a:effectLst/>
+                        <a:latin typeface="Calibri" panose="020F0502020204030204" pitchFamily="34" charset="0"/>
+                        <a:ea typeface="Calibri" panose="020F0502020204030204" pitchFamily="34" charset="0"/>
+                        <a:cs typeface="Times New Roman" panose="02020603050405020304" pitchFamily="18" charset="0"/>
+                      </a:endParaRPr>
+                    </a:p>
+                  </a:txBody>
+                  <a:tcPr marL="68580" marR="68580" marT="0" marB="0">
+                    <a:solidFill>
+                      <a:schemeClr val="bg1"/>
+                    </a:solidFill>
+                  </a:tcPr>
+                </a:tc>
+                <a:tc>
+                  <a:txBody>
+                    <a:bodyPr/>
+                    <a:lstStyle/>
+                    <a:p>
+                      <a:pPr algn="l">
+                        <a:lnSpc>
+                          <a:spcPct val="106000"/>
+                        </a:lnSpc>
+                        <a:spcAft>
+                          <a:spcPts val="0"/>
+                        </a:spcAft>
+                      </a:pPr>
+                      <a:r>
+                        <a:rPr lang="en-US" sz="3000" b="0" dirty="0">
+                          <a:effectLst/>
+                        </a:rPr>
+                        <a:t>2 x $15</a:t>
+                      </a:r>
+                      <a:endParaRPr lang="tr-TR" sz="3000" b="0" dirty="0">
+                        <a:effectLst/>
+                        <a:latin typeface="Calibri" panose="020F0502020204030204" pitchFamily="34" charset="0"/>
+                        <a:ea typeface="Calibri" panose="020F0502020204030204" pitchFamily="34" charset="0"/>
+                        <a:cs typeface="Times New Roman" panose="02020603050405020304" pitchFamily="18" charset="0"/>
+                      </a:endParaRPr>
+                    </a:p>
+                  </a:txBody>
+                  <a:tcPr marL="68580" marR="68580" marT="0" marB="0">
+                    <a:solidFill>
+                      <a:schemeClr val="bg1"/>
+                    </a:solidFill>
+                  </a:tcPr>
+                </a:tc>
+                <a:extLst>
+                  <a:ext uri="{0D108BD9-81ED-4DB2-BD59-A6C34878D82A}">
+                    <a16:rowId xmlns:a16="http://schemas.microsoft.com/office/drawing/2014/main" val="2238967876"/>
+                  </a:ext>
+                </a:extLst>
+              </a:tr>
+              <a:tr h="432000">
+                <a:tc>
+                  <a:txBody>
+                    <a:bodyPr/>
+                    <a:lstStyle/>
+                    <a:p>
+                      <a:pPr algn="r">
+                        <a:lnSpc>
+                          <a:spcPct val="106000"/>
+                        </a:lnSpc>
+                        <a:spcAft>
+                          <a:spcPts val="0"/>
+                        </a:spcAft>
+                      </a:pPr>
+                      <a:r>
+                        <a:rPr lang="en-US" sz="3000" b="0" dirty="0">
+                          <a:effectLst/>
+                        </a:rPr>
+                        <a:t>L298N Motor Driver</a:t>
+                      </a:r>
+                      <a:endParaRPr lang="tr-TR" sz="3000" b="0" dirty="0">
+                        <a:effectLst/>
+                        <a:latin typeface="Calibri" panose="020F0502020204030204" pitchFamily="34" charset="0"/>
+                        <a:ea typeface="Calibri" panose="020F0502020204030204" pitchFamily="34" charset="0"/>
+                        <a:cs typeface="Times New Roman" panose="02020603050405020304" pitchFamily="18" charset="0"/>
+                      </a:endParaRPr>
+                    </a:p>
+                  </a:txBody>
+                  <a:tcPr marL="68580" marR="68580" marT="0" marB="0">
+                    <a:solidFill>
+                      <a:schemeClr val="bg1"/>
+                    </a:solidFill>
+                  </a:tcPr>
+                </a:tc>
+                <a:tc>
+                  <a:txBody>
+                    <a:bodyPr/>
+                    <a:lstStyle/>
+                    <a:p>
+                      <a:pPr algn="r">
+                        <a:lnSpc>
+                          <a:spcPct val="106000"/>
+                        </a:lnSpc>
+                        <a:spcAft>
+                          <a:spcPts val="0"/>
+                        </a:spcAft>
+                      </a:pPr>
+                      <a:endParaRPr lang="tr-TR" sz="3000" b="0" dirty="0">
+                        <a:effectLst/>
+                        <a:latin typeface="Calibri" panose="020F0502020204030204" pitchFamily="34" charset="0"/>
+                        <a:ea typeface="Calibri" panose="020F0502020204030204" pitchFamily="34" charset="0"/>
+                        <a:cs typeface="Times New Roman" panose="02020603050405020304" pitchFamily="18" charset="0"/>
+                      </a:endParaRPr>
+                    </a:p>
+                  </a:txBody>
+                  <a:tcPr marL="68580" marR="68580" marT="0" marB="0">
+                    <a:solidFill>
+                      <a:schemeClr val="bg1"/>
+                    </a:solidFill>
+                  </a:tcPr>
+                </a:tc>
+                <a:tc>
+                  <a:txBody>
+                    <a:bodyPr/>
+                    <a:lstStyle/>
+                    <a:p>
+                      <a:pPr algn="l">
+                        <a:lnSpc>
+                          <a:spcPct val="106000"/>
+                        </a:lnSpc>
+                        <a:spcAft>
+                          <a:spcPts val="0"/>
+                        </a:spcAft>
+                      </a:pPr>
+                      <a:r>
+                        <a:rPr lang="en-US" sz="3000" b="0" dirty="0">
+                          <a:effectLst/>
+                        </a:rPr>
+                        <a:t>2 x $1.5</a:t>
+                      </a:r>
+                      <a:endParaRPr lang="tr-TR" sz="3000" b="0" dirty="0">
+                        <a:effectLst/>
+                        <a:latin typeface="Calibri" panose="020F0502020204030204" pitchFamily="34" charset="0"/>
+                        <a:ea typeface="Calibri" panose="020F0502020204030204" pitchFamily="34" charset="0"/>
+                        <a:cs typeface="Times New Roman" panose="02020603050405020304" pitchFamily="18" charset="0"/>
+                      </a:endParaRPr>
+                    </a:p>
+                  </a:txBody>
+                  <a:tcPr marL="68580" marR="68580" marT="0" marB="0">
+                    <a:solidFill>
+                      <a:schemeClr val="bg1"/>
+                    </a:solidFill>
+                  </a:tcPr>
+                </a:tc>
+                <a:extLst>
+                  <a:ext uri="{0D108BD9-81ED-4DB2-BD59-A6C34878D82A}">
+                    <a16:rowId xmlns:a16="http://schemas.microsoft.com/office/drawing/2014/main" val="2330906493"/>
+                  </a:ext>
+                </a:extLst>
+              </a:tr>
+              <a:tr h="476885">
+                <a:tc>
+                  <a:txBody>
+                    <a:bodyPr/>
+                    <a:lstStyle/>
+                    <a:p>
+                      <a:pPr algn="r">
+                        <a:lnSpc>
+                          <a:spcPct val="106000"/>
+                        </a:lnSpc>
+                        <a:spcAft>
+                          <a:spcPts val="0"/>
+                        </a:spcAft>
+                      </a:pPr>
+                      <a:r>
+                        <a:rPr lang="en-US" sz="3000" b="0" dirty="0">
+                          <a:effectLst/>
+                        </a:rPr>
+                        <a:t>Push-Pull Solenoid </a:t>
+                      </a:r>
+                      <a:endParaRPr lang="tr-TR" sz="3000" b="0" dirty="0">
+                        <a:effectLst/>
+                        <a:latin typeface="Calibri" panose="020F0502020204030204" pitchFamily="34" charset="0"/>
+                        <a:ea typeface="Calibri" panose="020F0502020204030204" pitchFamily="34" charset="0"/>
+                        <a:cs typeface="Times New Roman" panose="02020603050405020304" pitchFamily="18" charset="0"/>
+                      </a:endParaRPr>
+                    </a:p>
+                  </a:txBody>
+                  <a:tcPr marL="68580" marR="68580" marT="0" marB="0">
+                    <a:solidFill>
+                      <a:schemeClr val="bg1"/>
+                    </a:solidFill>
+                  </a:tcPr>
+                </a:tc>
+                <a:tc>
+                  <a:txBody>
+                    <a:bodyPr/>
+                    <a:lstStyle/>
+                    <a:p>
+                      <a:pPr algn="r">
+                        <a:lnSpc>
+                          <a:spcPct val="106000"/>
+                        </a:lnSpc>
+                        <a:spcAft>
+                          <a:spcPts val="0"/>
+                        </a:spcAft>
+                      </a:pPr>
+                      <a:endParaRPr lang="tr-TR" sz="3000" b="0" dirty="0">
+                        <a:effectLst/>
+                        <a:latin typeface="Calibri" panose="020F0502020204030204" pitchFamily="34" charset="0"/>
+                        <a:ea typeface="Calibri" panose="020F0502020204030204" pitchFamily="34" charset="0"/>
+                        <a:cs typeface="Times New Roman" panose="02020603050405020304" pitchFamily="18" charset="0"/>
+                      </a:endParaRPr>
+                    </a:p>
+                  </a:txBody>
+                  <a:tcPr marL="68580" marR="68580" marT="0" marB="0">
+                    <a:solidFill>
+                      <a:schemeClr val="bg1"/>
+                    </a:solidFill>
+                  </a:tcPr>
+                </a:tc>
+                <a:tc>
+                  <a:txBody>
+                    <a:bodyPr/>
+                    <a:lstStyle/>
+                    <a:p>
+                      <a:pPr algn="l">
+                        <a:lnSpc>
+                          <a:spcPct val="106000"/>
+                        </a:lnSpc>
+                        <a:spcAft>
+                          <a:spcPts val="0"/>
+                        </a:spcAft>
+                      </a:pPr>
+                      <a:r>
+                        <a:rPr lang="en-US" sz="3000" b="0" dirty="0">
+                          <a:effectLst/>
+                        </a:rPr>
+                        <a:t>1 x $4</a:t>
+                      </a:r>
+                      <a:endParaRPr lang="tr-TR" sz="3000" b="0" dirty="0">
+                        <a:effectLst/>
+                        <a:latin typeface="Calibri" panose="020F0502020204030204" pitchFamily="34" charset="0"/>
+                        <a:ea typeface="Calibri" panose="020F0502020204030204" pitchFamily="34" charset="0"/>
+                        <a:cs typeface="Times New Roman" panose="02020603050405020304" pitchFamily="18" charset="0"/>
+                      </a:endParaRPr>
+                    </a:p>
+                  </a:txBody>
+                  <a:tcPr marL="68580" marR="68580" marT="0" marB="0">
+                    <a:solidFill>
+                      <a:schemeClr val="bg1"/>
+                    </a:solidFill>
+                  </a:tcPr>
+                </a:tc>
+                <a:extLst>
+                  <a:ext uri="{0D108BD9-81ED-4DB2-BD59-A6C34878D82A}">
+                    <a16:rowId xmlns:a16="http://schemas.microsoft.com/office/drawing/2014/main" val="2610338382"/>
+                  </a:ext>
+                </a:extLst>
+              </a:tr>
+              <a:tr h="432000">
+                <a:tc>
+                  <a:txBody>
+                    <a:bodyPr/>
+                    <a:lstStyle/>
+                    <a:p>
+                      <a:pPr algn="r">
+                        <a:lnSpc>
+                          <a:spcPct val="106000"/>
+                        </a:lnSpc>
+                        <a:spcAft>
+                          <a:spcPts val="0"/>
+                        </a:spcAft>
+                      </a:pPr>
+                      <a:r>
+                        <a:rPr lang="en-US" sz="3000" b="0" dirty="0">
+                          <a:effectLst/>
+                        </a:rPr>
+                        <a:t>Clone Arduino Uno</a:t>
+                      </a:r>
+                      <a:endParaRPr lang="tr-TR" sz="3000" b="0" dirty="0">
+                        <a:effectLst/>
+                        <a:latin typeface="Calibri" panose="020F0502020204030204" pitchFamily="34" charset="0"/>
+                        <a:ea typeface="Calibri" panose="020F0502020204030204" pitchFamily="34" charset="0"/>
+                        <a:cs typeface="Times New Roman" panose="02020603050405020304" pitchFamily="18" charset="0"/>
+                      </a:endParaRPr>
+                    </a:p>
+                  </a:txBody>
+                  <a:tcPr marL="68580" marR="68580" marT="0" marB="0">
+                    <a:solidFill>
+                      <a:schemeClr val="bg1"/>
+                    </a:solidFill>
+                  </a:tcPr>
+                </a:tc>
+                <a:tc>
+                  <a:txBody>
+                    <a:bodyPr/>
+                    <a:lstStyle/>
+                    <a:p>
+                      <a:pPr algn="r">
+                        <a:lnSpc>
+                          <a:spcPct val="106000"/>
+                        </a:lnSpc>
+                        <a:spcAft>
+                          <a:spcPts val="0"/>
+                        </a:spcAft>
+                      </a:pPr>
+                      <a:endParaRPr lang="tr-TR" sz="3000" b="0" dirty="0">
+                        <a:effectLst/>
+                        <a:latin typeface="Calibri" panose="020F0502020204030204" pitchFamily="34" charset="0"/>
+                        <a:ea typeface="Calibri" panose="020F0502020204030204" pitchFamily="34" charset="0"/>
+                        <a:cs typeface="Times New Roman" panose="02020603050405020304" pitchFamily="18" charset="0"/>
+                      </a:endParaRPr>
+                    </a:p>
+                  </a:txBody>
+                  <a:tcPr marL="68580" marR="68580" marT="0" marB="0">
+                    <a:solidFill>
+                      <a:schemeClr val="bg1"/>
+                    </a:solidFill>
+                  </a:tcPr>
+                </a:tc>
+                <a:tc>
+                  <a:txBody>
+                    <a:bodyPr/>
+                    <a:lstStyle/>
+                    <a:p>
+                      <a:pPr algn="l">
+                        <a:lnSpc>
+                          <a:spcPct val="106000"/>
+                        </a:lnSpc>
+                        <a:spcAft>
+                          <a:spcPts val="0"/>
+                        </a:spcAft>
+                      </a:pPr>
+                      <a:r>
+                        <a:rPr lang="en-US" sz="3000" b="0" dirty="0">
+                          <a:effectLst/>
+                        </a:rPr>
+                        <a:t>1 x $4</a:t>
+                      </a:r>
+                      <a:endParaRPr lang="tr-TR" sz="3000" b="0" dirty="0">
+                        <a:effectLst/>
+                        <a:latin typeface="Calibri" panose="020F0502020204030204" pitchFamily="34" charset="0"/>
+                        <a:ea typeface="Calibri" panose="020F0502020204030204" pitchFamily="34" charset="0"/>
+                        <a:cs typeface="Times New Roman" panose="02020603050405020304" pitchFamily="18" charset="0"/>
+                      </a:endParaRPr>
+                    </a:p>
+                  </a:txBody>
+                  <a:tcPr marL="68580" marR="68580" marT="0" marB="0">
+                    <a:solidFill>
+                      <a:schemeClr val="bg1"/>
+                    </a:solidFill>
+                  </a:tcPr>
+                </a:tc>
+                <a:extLst>
+                  <a:ext uri="{0D108BD9-81ED-4DB2-BD59-A6C34878D82A}">
+                    <a16:rowId xmlns:a16="http://schemas.microsoft.com/office/drawing/2014/main" val="265460441"/>
+                  </a:ext>
+                </a:extLst>
+              </a:tr>
+              <a:tr h="432000">
+                <a:tc>
+                  <a:txBody>
+                    <a:bodyPr/>
+                    <a:lstStyle/>
+                    <a:p>
+                      <a:pPr algn="r">
+                        <a:lnSpc>
+                          <a:spcPct val="106000"/>
+                        </a:lnSpc>
+                        <a:spcAft>
+                          <a:spcPts val="0"/>
+                        </a:spcAft>
+                      </a:pPr>
+                      <a:r>
+                        <a:rPr lang="en-US" sz="3000" b="0" dirty="0">
+                          <a:effectLst/>
+                        </a:rPr>
+                        <a:t>Clone Arduino Mega</a:t>
+                      </a:r>
+                      <a:endParaRPr lang="tr-TR" sz="3000" b="0" dirty="0">
+                        <a:effectLst/>
+                        <a:latin typeface="Calibri" panose="020F0502020204030204" pitchFamily="34" charset="0"/>
+                        <a:ea typeface="Calibri" panose="020F0502020204030204" pitchFamily="34" charset="0"/>
+                        <a:cs typeface="Times New Roman" panose="02020603050405020304" pitchFamily="18" charset="0"/>
+                      </a:endParaRPr>
+                    </a:p>
+                  </a:txBody>
+                  <a:tcPr marL="68580" marR="68580" marT="0" marB="0">
+                    <a:solidFill>
+                      <a:schemeClr val="bg1"/>
+                    </a:solidFill>
+                  </a:tcPr>
+                </a:tc>
+                <a:tc>
+                  <a:txBody>
+                    <a:bodyPr/>
+                    <a:lstStyle/>
+                    <a:p>
+                      <a:pPr algn="r">
+                        <a:lnSpc>
+                          <a:spcPct val="106000"/>
+                        </a:lnSpc>
+                        <a:spcAft>
+                          <a:spcPts val="0"/>
+                        </a:spcAft>
+                      </a:pPr>
+                      <a:endParaRPr lang="tr-TR" sz="3000" b="0" dirty="0">
+                        <a:effectLst/>
+                        <a:latin typeface="Calibri" panose="020F0502020204030204" pitchFamily="34" charset="0"/>
+                        <a:ea typeface="Calibri" panose="020F0502020204030204" pitchFamily="34" charset="0"/>
+                        <a:cs typeface="Times New Roman" panose="02020603050405020304" pitchFamily="18" charset="0"/>
+                      </a:endParaRPr>
+                    </a:p>
+                  </a:txBody>
+                  <a:tcPr marL="68580" marR="68580" marT="0" marB="0">
+                    <a:solidFill>
+                      <a:schemeClr val="bg1"/>
+                    </a:solidFill>
+                  </a:tcPr>
+                </a:tc>
+                <a:tc>
+                  <a:txBody>
+                    <a:bodyPr/>
+                    <a:lstStyle/>
+                    <a:p>
+                      <a:pPr algn="l">
+                        <a:lnSpc>
+                          <a:spcPct val="106000"/>
+                        </a:lnSpc>
+                        <a:spcAft>
+                          <a:spcPts val="0"/>
+                        </a:spcAft>
+                      </a:pPr>
+                      <a:r>
+                        <a:rPr lang="en-US" sz="3000" b="0" dirty="0">
+                          <a:effectLst/>
+                        </a:rPr>
+                        <a:t>1 x $10</a:t>
+                      </a:r>
+                      <a:endParaRPr lang="tr-TR" sz="3000" b="0" dirty="0">
+                        <a:effectLst/>
+                        <a:latin typeface="Calibri" panose="020F0502020204030204" pitchFamily="34" charset="0"/>
+                        <a:ea typeface="Calibri" panose="020F0502020204030204" pitchFamily="34" charset="0"/>
+                        <a:cs typeface="Times New Roman" panose="02020603050405020304" pitchFamily="18" charset="0"/>
+                      </a:endParaRPr>
+                    </a:p>
+                  </a:txBody>
+                  <a:tcPr marL="68580" marR="68580" marT="0" marB="0">
+                    <a:solidFill>
+                      <a:schemeClr val="bg1"/>
+                    </a:solidFill>
+                  </a:tcPr>
+                </a:tc>
+                <a:extLst>
+                  <a:ext uri="{0D108BD9-81ED-4DB2-BD59-A6C34878D82A}">
+                    <a16:rowId xmlns:a16="http://schemas.microsoft.com/office/drawing/2014/main" val="3275868142"/>
+                  </a:ext>
+                </a:extLst>
+              </a:tr>
+              <a:tr h="432000">
+                <a:tc>
+                  <a:txBody>
+                    <a:bodyPr/>
+                    <a:lstStyle/>
+                    <a:p>
+                      <a:pPr algn="r">
+                        <a:lnSpc>
+                          <a:spcPct val="106000"/>
+                        </a:lnSpc>
+                        <a:spcAft>
+                          <a:spcPts val="0"/>
+                        </a:spcAft>
+                      </a:pPr>
+                      <a:r>
+                        <a:rPr lang="en-US" sz="3000" b="0" dirty="0">
+                          <a:effectLst/>
+                        </a:rPr>
+                        <a:t>FPV Drone Kit</a:t>
+                      </a:r>
+                      <a:endParaRPr lang="tr-TR" sz="3000" b="0" dirty="0">
+                        <a:effectLst/>
+                        <a:latin typeface="Calibri" panose="020F0502020204030204" pitchFamily="34" charset="0"/>
+                        <a:ea typeface="Calibri" panose="020F0502020204030204" pitchFamily="34" charset="0"/>
+                        <a:cs typeface="Times New Roman" panose="02020603050405020304" pitchFamily="18" charset="0"/>
+                      </a:endParaRPr>
+                    </a:p>
+                  </a:txBody>
+                  <a:tcPr marL="68580" marR="68580" marT="0" marB="0">
+                    <a:solidFill>
+                      <a:schemeClr val="bg1"/>
+                    </a:solidFill>
+                  </a:tcPr>
+                </a:tc>
+                <a:tc>
+                  <a:txBody>
+                    <a:bodyPr/>
+                    <a:lstStyle/>
+                    <a:p>
+                      <a:pPr algn="r">
+                        <a:lnSpc>
+                          <a:spcPct val="106000"/>
+                        </a:lnSpc>
+                        <a:spcAft>
+                          <a:spcPts val="0"/>
+                        </a:spcAft>
+                      </a:pPr>
+                      <a:endParaRPr lang="tr-TR" sz="3000" b="0" dirty="0">
+                        <a:effectLst/>
+                        <a:latin typeface="Calibri" panose="020F0502020204030204" pitchFamily="34" charset="0"/>
+                        <a:ea typeface="Calibri" panose="020F0502020204030204" pitchFamily="34" charset="0"/>
+                        <a:cs typeface="Times New Roman" panose="02020603050405020304" pitchFamily="18" charset="0"/>
+                      </a:endParaRPr>
+                    </a:p>
+                  </a:txBody>
+                  <a:tcPr marL="68580" marR="68580" marT="0" marB="0">
+                    <a:solidFill>
+                      <a:schemeClr val="bg1"/>
+                    </a:solidFill>
+                  </a:tcPr>
+                </a:tc>
+                <a:tc>
+                  <a:txBody>
+                    <a:bodyPr/>
+                    <a:lstStyle/>
+                    <a:p>
+                      <a:pPr algn="l">
+                        <a:lnSpc>
+                          <a:spcPct val="106000"/>
+                        </a:lnSpc>
+                        <a:spcAft>
+                          <a:spcPts val="0"/>
+                        </a:spcAft>
+                      </a:pPr>
+                      <a:r>
+                        <a:rPr lang="en-US" sz="3000" b="0" dirty="0">
+                          <a:effectLst/>
+                        </a:rPr>
+                        <a:t>1 x $35</a:t>
+                      </a:r>
+                      <a:endParaRPr lang="tr-TR" sz="3000" b="0" dirty="0">
+                        <a:effectLst/>
+                        <a:latin typeface="Calibri" panose="020F0502020204030204" pitchFamily="34" charset="0"/>
+                        <a:ea typeface="Calibri" panose="020F0502020204030204" pitchFamily="34" charset="0"/>
+                        <a:cs typeface="Times New Roman" panose="02020603050405020304" pitchFamily="18" charset="0"/>
+                      </a:endParaRPr>
+                    </a:p>
+                  </a:txBody>
+                  <a:tcPr marL="68580" marR="68580" marT="0" marB="0">
+                    <a:solidFill>
+                      <a:schemeClr val="bg1"/>
+                    </a:solidFill>
+                  </a:tcPr>
+                </a:tc>
+                <a:extLst>
+                  <a:ext uri="{0D108BD9-81ED-4DB2-BD59-A6C34878D82A}">
+                    <a16:rowId xmlns:a16="http://schemas.microsoft.com/office/drawing/2014/main" val="309379306"/>
+                  </a:ext>
+                </a:extLst>
+              </a:tr>
+              <a:tr h="432000">
+                <a:tc>
+                  <a:txBody>
+                    <a:bodyPr/>
+                    <a:lstStyle/>
+                    <a:p>
+                      <a:pPr algn="r">
+                        <a:lnSpc>
+                          <a:spcPct val="106000"/>
+                        </a:lnSpc>
+                        <a:spcAft>
+                          <a:spcPts val="0"/>
+                        </a:spcAft>
+                      </a:pPr>
+                      <a:r>
+                        <a:rPr lang="en-US" sz="3000" b="0" dirty="0">
+                          <a:effectLst/>
+                        </a:rPr>
+                        <a:t>NRF24L01+PA+LNA SMA  </a:t>
+                      </a:r>
+                      <a:endParaRPr lang="tr-TR" sz="3000" b="0" dirty="0">
+                        <a:effectLst/>
+                        <a:latin typeface="Calibri" panose="020F0502020204030204" pitchFamily="34" charset="0"/>
+                        <a:ea typeface="Calibri" panose="020F0502020204030204" pitchFamily="34" charset="0"/>
+                        <a:cs typeface="Times New Roman" panose="02020603050405020304" pitchFamily="18" charset="0"/>
+                      </a:endParaRPr>
+                    </a:p>
+                  </a:txBody>
+                  <a:tcPr marL="68580" marR="68580" marT="0" marB="0">
+                    <a:solidFill>
+                      <a:schemeClr val="bg1"/>
+                    </a:solidFill>
+                  </a:tcPr>
+                </a:tc>
+                <a:tc>
+                  <a:txBody>
+                    <a:bodyPr/>
+                    <a:lstStyle/>
+                    <a:p>
+                      <a:pPr algn="r">
+                        <a:lnSpc>
+                          <a:spcPct val="106000"/>
+                        </a:lnSpc>
+                        <a:spcAft>
+                          <a:spcPts val="0"/>
+                        </a:spcAft>
+                      </a:pPr>
+                      <a:endParaRPr lang="tr-TR" sz="3000" b="0" dirty="0">
+                        <a:effectLst/>
+                        <a:latin typeface="Calibri" panose="020F0502020204030204" pitchFamily="34" charset="0"/>
+                        <a:ea typeface="Calibri" panose="020F0502020204030204" pitchFamily="34" charset="0"/>
+                        <a:cs typeface="Times New Roman" panose="02020603050405020304" pitchFamily="18" charset="0"/>
+                      </a:endParaRPr>
+                    </a:p>
+                  </a:txBody>
+                  <a:tcPr marL="68580" marR="68580" marT="0" marB="0">
+                    <a:solidFill>
+                      <a:schemeClr val="bg1"/>
+                    </a:solidFill>
+                  </a:tcPr>
+                </a:tc>
+                <a:tc>
+                  <a:txBody>
+                    <a:bodyPr/>
+                    <a:lstStyle/>
+                    <a:p>
+                      <a:pPr algn="l">
+                        <a:lnSpc>
+                          <a:spcPct val="106000"/>
+                        </a:lnSpc>
+                        <a:spcAft>
+                          <a:spcPts val="0"/>
+                        </a:spcAft>
+                      </a:pPr>
+                      <a:r>
+                        <a:rPr lang="en-US" sz="3000" b="0" dirty="0">
+                          <a:effectLst/>
+                        </a:rPr>
+                        <a:t>2 x $4</a:t>
+                      </a:r>
+                      <a:endParaRPr lang="tr-TR" sz="3000" b="0" dirty="0">
+                        <a:effectLst/>
+                        <a:latin typeface="Calibri" panose="020F0502020204030204" pitchFamily="34" charset="0"/>
+                        <a:ea typeface="Calibri" panose="020F0502020204030204" pitchFamily="34" charset="0"/>
+                        <a:cs typeface="Times New Roman" panose="02020603050405020304" pitchFamily="18" charset="0"/>
+                      </a:endParaRPr>
+                    </a:p>
+                  </a:txBody>
+                  <a:tcPr marL="68580" marR="68580" marT="0" marB="0">
+                    <a:solidFill>
+                      <a:schemeClr val="bg1"/>
+                    </a:solidFill>
+                  </a:tcPr>
+                </a:tc>
+                <a:extLst>
+                  <a:ext uri="{0D108BD9-81ED-4DB2-BD59-A6C34878D82A}">
+                    <a16:rowId xmlns:a16="http://schemas.microsoft.com/office/drawing/2014/main" val="221738418"/>
+                  </a:ext>
+                </a:extLst>
+              </a:tr>
+              <a:tr h="432000">
+                <a:tc>
+                  <a:txBody>
+                    <a:bodyPr/>
+                    <a:lstStyle/>
+                    <a:p>
+                      <a:pPr algn="r">
+                        <a:lnSpc>
+                          <a:spcPct val="106000"/>
+                        </a:lnSpc>
+                        <a:spcAft>
+                          <a:spcPts val="0"/>
+                        </a:spcAft>
+                      </a:pPr>
+                      <a:r>
+                        <a:rPr lang="en-US" sz="3000" b="0" dirty="0">
+                          <a:effectLst/>
+                        </a:rPr>
+                        <a:t>Joystick</a:t>
+                      </a:r>
+                      <a:endParaRPr lang="tr-TR" sz="3000" b="0" dirty="0">
+                        <a:effectLst/>
+                        <a:latin typeface="Calibri" panose="020F0502020204030204" pitchFamily="34" charset="0"/>
+                        <a:ea typeface="Calibri" panose="020F0502020204030204" pitchFamily="34" charset="0"/>
+                        <a:cs typeface="Times New Roman" panose="02020603050405020304" pitchFamily="18" charset="0"/>
+                      </a:endParaRPr>
+                    </a:p>
+                  </a:txBody>
+                  <a:tcPr marL="68580" marR="68580" marT="0" marB="0">
+                    <a:solidFill>
+                      <a:schemeClr val="bg1"/>
+                    </a:solidFill>
+                  </a:tcPr>
+                </a:tc>
+                <a:tc>
+                  <a:txBody>
+                    <a:bodyPr/>
+                    <a:lstStyle/>
+                    <a:p>
+                      <a:pPr algn="r">
+                        <a:lnSpc>
+                          <a:spcPct val="106000"/>
+                        </a:lnSpc>
+                        <a:spcAft>
+                          <a:spcPts val="0"/>
+                        </a:spcAft>
+                      </a:pPr>
+                      <a:endParaRPr lang="tr-TR" sz="3000" b="0" dirty="0">
+                        <a:effectLst/>
+                        <a:latin typeface="Calibri" panose="020F0502020204030204" pitchFamily="34" charset="0"/>
+                        <a:ea typeface="Calibri" panose="020F0502020204030204" pitchFamily="34" charset="0"/>
+                        <a:cs typeface="Times New Roman" panose="02020603050405020304" pitchFamily="18" charset="0"/>
+                      </a:endParaRPr>
+                    </a:p>
+                  </a:txBody>
+                  <a:tcPr marL="68580" marR="68580" marT="0" marB="0">
+                    <a:solidFill>
+                      <a:schemeClr val="bg1"/>
+                    </a:solidFill>
+                  </a:tcPr>
+                </a:tc>
+                <a:tc>
+                  <a:txBody>
+                    <a:bodyPr/>
+                    <a:lstStyle/>
+                    <a:p>
+                      <a:pPr algn="l">
+                        <a:lnSpc>
+                          <a:spcPct val="106000"/>
+                        </a:lnSpc>
+                        <a:spcAft>
+                          <a:spcPts val="0"/>
+                        </a:spcAft>
+                      </a:pPr>
+                      <a:r>
+                        <a:rPr lang="en-US" sz="3000" b="0" dirty="0">
+                          <a:effectLst/>
+                        </a:rPr>
+                        <a:t>1 x $0.50</a:t>
+                      </a:r>
+                      <a:endParaRPr lang="tr-TR" sz="3000" b="0" dirty="0">
+                        <a:effectLst/>
+                        <a:latin typeface="Calibri" panose="020F0502020204030204" pitchFamily="34" charset="0"/>
+                        <a:ea typeface="Calibri" panose="020F0502020204030204" pitchFamily="34" charset="0"/>
+                        <a:cs typeface="Times New Roman" panose="02020603050405020304" pitchFamily="18" charset="0"/>
+                      </a:endParaRPr>
+                    </a:p>
+                  </a:txBody>
+                  <a:tcPr marL="68580" marR="68580" marT="0" marB="0">
+                    <a:solidFill>
+                      <a:schemeClr val="bg1"/>
+                    </a:solidFill>
+                  </a:tcPr>
+                </a:tc>
+                <a:extLst>
+                  <a:ext uri="{0D108BD9-81ED-4DB2-BD59-A6C34878D82A}">
+                    <a16:rowId xmlns:a16="http://schemas.microsoft.com/office/drawing/2014/main" val="3478606573"/>
+                  </a:ext>
+                </a:extLst>
+              </a:tr>
+              <a:tr h="432000">
+                <a:tc>
+                  <a:txBody>
+                    <a:bodyPr/>
+                    <a:lstStyle/>
+                    <a:p>
+                      <a:pPr algn="r">
+                        <a:lnSpc>
+                          <a:spcPct val="106000"/>
+                        </a:lnSpc>
+                        <a:spcAft>
+                          <a:spcPts val="0"/>
+                        </a:spcAft>
+                      </a:pPr>
+                      <a:r>
+                        <a:rPr lang="en-US" sz="3000" b="0" dirty="0">
+                          <a:effectLst/>
+                        </a:rPr>
+                        <a:t>LCD screen</a:t>
+                      </a:r>
+                      <a:endParaRPr lang="tr-TR" sz="3000" b="0" dirty="0">
+                        <a:effectLst/>
+                        <a:latin typeface="Calibri" panose="020F0502020204030204" pitchFamily="34" charset="0"/>
+                        <a:ea typeface="Calibri" panose="020F0502020204030204" pitchFamily="34" charset="0"/>
+                        <a:cs typeface="Times New Roman" panose="02020603050405020304" pitchFamily="18" charset="0"/>
+                      </a:endParaRPr>
+                    </a:p>
+                  </a:txBody>
+                  <a:tcPr marL="68580" marR="68580" marT="0" marB="0">
+                    <a:solidFill>
+                      <a:schemeClr val="bg1"/>
+                    </a:solidFill>
+                  </a:tcPr>
+                </a:tc>
+                <a:tc>
+                  <a:txBody>
+                    <a:bodyPr/>
+                    <a:lstStyle/>
+                    <a:p>
+                      <a:pPr algn="r">
+                        <a:lnSpc>
+                          <a:spcPct val="106000"/>
+                        </a:lnSpc>
+                        <a:spcAft>
+                          <a:spcPts val="0"/>
+                        </a:spcAft>
+                      </a:pPr>
+                      <a:endParaRPr lang="tr-TR" sz="3000" b="0" dirty="0">
+                        <a:effectLst/>
+                        <a:latin typeface="Calibri" panose="020F0502020204030204" pitchFamily="34" charset="0"/>
+                        <a:ea typeface="Calibri" panose="020F0502020204030204" pitchFamily="34" charset="0"/>
+                        <a:cs typeface="Times New Roman" panose="02020603050405020304" pitchFamily="18" charset="0"/>
+                      </a:endParaRPr>
+                    </a:p>
+                  </a:txBody>
+                  <a:tcPr marL="68580" marR="68580" marT="0" marB="0">
+                    <a:solidFill>
+                      <a:schemeClr val="bg1"/>
+                    </a:solidFill>
+                  </a:tcPr>
+                </a:tc>
+                <a:tc>
+                  <a:txBody>
+                    <a:bodyPr/>
+                    <a:lstStyle/>
+                    <a:p>
+                      <a:pPr algn="l">
+                        <a:lnSpc>
+                          <a:spcPct val="106000"/>
+                        </a:lnSpc>
+                        <a:spcAft>
+                          <a:spcPts val="0"/>
+                        </a:spcAft>
+                      </a:pPr>
+                      <a:r>
+                        <a:rPr lang="en-US" sz="3000" b="0" dirty="0">
+                          <a:effectLst/>
+                        </a:rPr>
+                        <a:t>1 x $30</a:t>
+                      </a:r>
+                      <a:endParaRPr lang="tr-TR" sz="3000" b="0" dirty="0">
+                        <a:effectLst/>
+                        <a:latin typeface="Calibri" panose="020F0502020204030204" pitchFamily="34" charset="0"/>
+                        <a:ea typeface="Calibri" panose="020F0502020204030204" pitchFamily="34" charset="0"/>
+                        <a:cs typeface="Times New Roman" panose="02020603050405020304" pitchFamily="18" charset="0"/>
+                      </a:endParaRPr>
+                    </a:p>
+                  </a:txBody>
+                  <a:tcPr marL="68580" marR="68580" marT="0" marB="0">
+                    <a:solidFill>
+                      <a:schemeClr val="bg1"/>
+                    </a:solidFill>
+                  </a:tcPr>
+                </a:tc>
+                <a:extLst>
+                  <a:ext uri="{0D108BD9-81ED-4DB2-BD59-A6C34878D82A}">
+                    <a16:rowId xmlns:a16="http://schemas.microsoft.com/office/drawing/2014/main" val="3760987099"/>
+                  </a:ext>
+                </a:extLst>
+              </a:tr>
+              <a:tr h="432000">
+                <a:tc>
+                  <a:txBody>
+                    <a:bodyPr/>
+                    <a:lstStyle/>
+                    <a:p>
+                      <a:pPr algn="r">
+                        <a:lnSpc>
+                          <a:spcPct val="106000"/>
+                        </a:lnSpc>
+                        <a:spcAft>
+                          <a:spcPts val="0"/>
+                        </a:spcAft>
+                      </a:pPr>
+                      <a:r>
+                        <a:rPr lang="en-US" sz="3000" b="0" dirty="0">
+                          <a:effectLst/>
+                        </a:rPr>
+                        <a:t>900 </a:t>
+                      </a:r>
+                      <a:r>
+                        <a:rPr lang="en-US" sz="3000" b="0" dirty="0" err="1">
+                          <a:effectLst/>
+                        </a:rPr>
+                        <a:t>mAH</a:t>
+                      </a:r>
+                      <a:r>
+                        <a:rPr lang="en-US" sz="3000" b="0" dirty="0">
+                          <a:effectLst/>
+                        </a:rPr>
+                        <a:t> Li-Po Battery</a:t>
+                      </a:r>
+                      <a:endParaRPr lang="tr-TR" sz="3000" b="0" dirty="0">
+                        <a:effectLst/>
+                        <a:latin typeface="Calibri" panose="020F0502020204030204" pitchFamily="34" charset="0"/>
+                        <a:ea typeface="Calibri" panose="020F0502020204030204" pitchFamily="34" charset="0"/>
+                        <a:cs typeface="Times New Roman" panose="02020603050405020304" pitchFamily="18" charset="0"/>
+                      </a:endParaRPr>
+                    </a:p>
+                  </a:txBody>
+                  <a:tcPr marL="68580" marR="68580" marT="0" marB="0">
+                    <a:solidFill>
+                      <a:schemeClr val="bg1"/>
+                    </a:solidFill>
+                  </a:tcPr>
+                </a:tc>
+                <a:tc>
+                  <a:txBody>
+                    <a:bodyPr/>
+                    <a:lstStyle/>
+                    <a:p>
+                      <a:pPr algn="r">
+                        <a:lnSpc>
+                          <a:spcPct val="106000"/>
+                        </a:lnSpc>
+                        <a:spcAft>
+                          <a:spcPts val="0"/>
+                        </a:spcAft>
+                      </a:pPr>
+                      <a:endParaRPr lang="tr-TR" sz="3000" b="0" dirty="0">
+                        <a:effectLst/>
+                        <a:latin typeface="Calibri" panose="020F0502020204030204" pitchFamily="34" charset="0"/>
+                        <a:ea typeface="Calibri" panose="020F0502020204030204" pitchFamily="34" charset="0"/>
+                        <a:cs typeface="Times New Roman" panose="02020603050405020304" pitchFamily="18" charset="0"/>
+                      </a:endParaRPr>
+                    </a:p>
+                  </a:txBody>
+                  <a:tcPr marL="68580" marR="68580" marT="0" marB="0">
+                    <a:solidFill>
+                      <a:schemeClr val="bg1"/>
+                    </a:solidFill>
+                  </a:tcPr>
+                </a:tc>
+                <a:tc>
+                  <a:txBody>
+                    <a:bodyPr/>
+                    <a:lstStyle/>
+                    <a:p>
+                      <a:pPr algn="l">
+                        <a:lnSpc>
+                          <a:spcPct val="106000"/>
+                        </a:lnSpc>
+                        <a:spcAft>
+                          <a:spcPts val="0"/>
+                        </a:spcAft>
+                      </a:pPr>
+                      <a:r>
+                        <a:rPr lang="en-US" sz="3000" b="0" dirty="0">
+                          <a:effectLst/>
+                        </a:rPr>
+                        <a:t>1 x $14</a:t>
+                      </a:r>
+                      <a:endParaRPr lang="tr-TR" sz="3000" b="0" dirty="0">
+                        <a:effectLst/>
+                        <a:latin typeface="Calibri" panose="020F0502020204030204" pitchFamily="34" charset="0"/>
+                        <a:ea typeface="Calibri" panose="020F0502020204030204" pitchFamily="34" charset="0"/>
+                        <a:cs typeface="Times New Roman" panose="02020603050405020304" pitchFamily="18" charset="0"/>
+                      </a:endParaRPr>
+                    </a:p>
+                  </a:txBody>
+                  <a:tcPr marL="68580" marR="68580" marT="0" marB="0">
+                    <a:solidFill>
+                      <a:schemeClr val="bg1"/>
+                    </a:solidFill>
+                  </a:tcPr>
+                </a:tc>
+                <a:extLst>
+                  <a:ext uri="{0D108BD9-81ED-4DB2-BD59-A6C34878D82A}">
+                    <a16:rowId xmlns:a16="http://schemas.microsoft.com/office/drawing/2014/main" val="833073957"/>
+                  </a:ext>
+                </a:extLst>
+              </a:tr>
+              <a:tr h="432000">
+                <a:tc>
+                  <a:txBody>
+                    <a:bodyPr/>
+                    <a:lstStyle/>
+                    <a:p>
+                      <a:pPr algn="r">
+                        <a:lnSpc>
+                          <a:spcPct val="106000"/>
+                        </a:lnSpc>
+                        <a:spcAft>
+                          <a:spcPts val="0"/>
+                        </a:spcAft>
+                      </a:pPr>
+                      <a:r>
+                        <a:rPr lang="en-US" sz="3000" b="0" dirty="0">
+                          <a:effectLst/>
+                        </a:rPr>
+                        <a:t>1350 </a:t>
+                      </a:r>
+                      <a:r>
+                        <a:rPr lang="en-US" sz="3000" b="0" dirty="0" err="1">
+                          <a:effectLst/>
+                        </a:rPr>
+                        <a:t>mAH</a:t>
+                      </a:r>
+                      <a:r>
+                        <a:rPr lang="en-US" sz="3000" b="0" dirty="0">
+                          <a:effectLst/>
+                        </a:rPr>
+                        <a:t> Li-Po Battery</a:t>
+                      </a:r>
+                      <a:endParaRPr lang="tr-TR" sz="3000" b="0" dirty="0">
+                        <a:effectLst/>
+                        <a:latin typeface="Calibri" panose="020F0502020204030204" pitchFamily="34" charset="0"/>
+                        <a:ea typeface="Calibri" panose="020F0502020204030204" pitchFamily="34" charset="0"/>
+                        <a:cs typeface="Times New Roman" panose="02020603050405020304" pitchFamily="18" charset="0"/>
+                      </a:endParaRPr>
+                    </a:p>
+                  </a:txBody>
+                  <a:tcPr marL="68580" marR="68580" marT="0" marB="0">
+                    <a:solidFill>
+                      <a:schemeClr val="bg1"/>
+                    </a:solidFill>
+                  </a:tcPr>
+                </a:tc>
+                <a:tc>
+                  <a:txBody>
+                    <a:bodyPr/>
+                    <a:lstStyle/>
+                    <a:p>
+                      <a:pPr algn="r">
+                        <a:lnSpc>
+                          <a:spcPct val="106000"/>
+                        </a:lnSpc>
+                        <a:spcAft>
+                          <a:spcPts val="0"/>
+                        </a:spcAft>
+                      </a:pPr>
+                      <a:endParaRPr lang="tr-TR" sz="3000" b="0">
+                        <a:effectLst/>
+                        <a:latin typeface="Calibri" panose="020F0502020204030204" pitchFamily="34" charset="0"/>
+                        <a:ea typeface="Calibri" panose="020F0502020204030204" pitchFamily="34" charset="0"/>
+                        <a:cs typeface="Times New Roman" panose="02020603050405020304" pitchFamily="18" charset="0"/>
+                      </a:endParaRPr>
+                    </a:p>
+                  </a:txBody>
+                  <a:tcPr marL="68580" marR="68580" marT="0" marB="0">
+                    <a:solidFill>
+                      <a:schemeClr val="bg1"/>
+                    </a:solidFill>
+                  </a:tcPr>
+                </a:tc>
+                <a:tc>
+                  <a:txBody>
+                    <a:bodyPr/>
+                    <a:lstStyle/>
+                    <a:p>
+                      <a:pPr algn="l">
+                        <a:lnSpc>
+                          <a:spcPct val="106000"/>
+                        </a:lnSpc>
+                        <a:spcAft>
+                          <a:spcPts val="0"/>
+                        </a:spcAft>
+                      </a:pPr>
+                      <a:r>
+                        <a:rPr lang="en-US" sz="3000" b="0" dirty="0">
+                          <a:effectLst/>
+                        </a:rPr>
+                        <a:t>1 x $18</a:t>
+                      </a:r>
+                      <a:endParaRPr lang="tr-TR" sz="3000" b="0" dirty="0">
+                        <a:effectLst/>
+                        <a:latin typeface="Calibri" panose="020F0502020204030204" pitchFamily="34" charset="0"/>
+                        <a:ea typeface="Calibri" panose="020F0502020204030204" pitchFamily="34" charset="0"/>
+                        <a:cs typeface="Times New Roman" panose="02020603050405020304" pitchFamily="18" charset="0"/>
+                      </a:endParaRPr>
+                    </a:p>
+                  </a:txBody>
+                  <a:tcPr marL="68580" marR="68580" marT="0" marB="0">
+                    <a:solidFill>
+                      <a:schemeClr val="bg1"/>
+                    </a:solidFill>
+                  </a:tcPr>
+                </a:tc>
+                <a:extLst>
+                  <a:ext uri="{0D108BD9-81ED-4DB2-BD59-A6C34878D82A}">
+                    <a16:rowId xmlns:a16="http://schemas.microsoft.com/office/drawing/2014/main" val="3851327544"/>
+                  </a:ext>
+                </a:extLst>
+              </a:tr>
+              <a:tr h="432000">
+                <a:tc>
+                  <a:txBody>
+                    <a:bodyPr/>
+                    <a:lstStyle/>
+                    <a:p>
+                      <a:pPr algn="r">
+                        <a:lnSpc>
+                          <a:spcPct val="106000"/>
+                        </a:lnSpc>
+                        <a:spcAft>
+                          <a:spcPts val="0"/>
+                        </a:spcAft>
+                      </a:pPr>
+                      <a:r>
+                        <a:rPr lang="en-US" sz="3000" b="0" dirty="0">
+                          <a:effectLst/>
+                        </a:rPr>
+                        <a:t>Buck Converter</a:t>
+                      </a:r>
+                      <a:endParaRPr lang="tr-TR" sz="3000" b="0" dirty="0">
+                        <a:effectLst/>
+                        <a:latin typeface="Calibri" panose="020F0502020204030204" pitchFamily="34" charset="0"/>
+                        <a:ea typeface="Calibri" panose="020F0502020204030204" pitchFamily="34" charset="0"/>
+                        <a:cs typeface="Times New Roman" panose="02020603050405020304" pitchFamily="18" charset="0"/>
+                      </a:endParaRPr>
+                    </a:p>
+                  </a:txBody>
+                  <a:tcPr marL="68580" marR="68580" marT="0" marB="0">
+                    <a:solidFill>
+                      <a:schemeClr val="bg1"/>
+                    </a:solidFill>
+                  </a:tcPr>
+                </a:tc>
+                <a:tc>
+                  <a:txBody>
+                    <a:bodyPr/>
+                    <a:lstStyle/>
+                    <a:p>
+                      <a:pPr algn="r">
+                        <a:lnSpc>
+                          <a:spcPct val="106000"/>
+                        </a:lnSpc>
+                        <a:spcAft>
+                          <a:spcPts val="0"/>
+                        </a:spcAft>
+                      </a:pPr>
+                      <a:endParaRPr lang="tr-TR" sz="3000" b="0" dirty="0">
+                        <a:effectLst/>
+                        <a:latin typeface="Calibri" panose="020F0502020204030204" pitchFamily="34" charset="0"/>
+                        <a:ea typeface="Calibri" panose="020F0502020204030204" pitchFamily="34" charset="0"/>
+                        <a:cs typeface="Times New Roman" panose="02020603050405020304" pitchFamily="18" charset="0"/>
+                      </a:endParaRPr>
+                    </a:p>
+                  </a:txBody>
+                  <a:tcPr marL="68580" marR="68580" marT="0" marB="0">
+                    <a:solidFill>
+                      <a:schemeClr val="bg1"/>
+                    </a:solidFill>
+                  </a:tcPr>
+                </a:tc>
+                <a:tc>
+                  <a:txBody>
+                    <a:bodyPr/>
+                    <a:lstStyle/>
+                    <a:p>
+                      <a:pPr algn="l">
+                        <a:lnSpc>
+                          <a:spcPct val="106000"/>
+                        </a:lnSpc>
+                        <a:spcAft>
+                          <a:spcPts val="0"/>
+                        </a:spcAft>
+                      </a:pPr>
+                      <a:r>
+                        <a:rPr lang="en-US" sz="3000" b="0" dirty="0">
+                          <a:effectLst/>
+                        </a:rPr>
+                        <a:t>3 x $1</a:t>
+                      </a:r>
+                      <a:endParaRPr lang="tr-TR" sz="3000" b="0" dirty="0">
+                        <a:effectLst/>
+                        <a:latin typeface="Calibri" panose="020F0502020204030204" pitchFamily="34" charset="0"/>
+                        <a:ea typeface="Calibri" panose="020F0502020204030204" pitchFamily="34" charset="0"/>
+                        <a:cs typeface="Times New Roman" panose="02020603050405020304" pitchFamily="18" charset="0"/>
+                      </a:endParaRPr>
+                    </a:p>
+                  </a:txBody>
+                  <a:tcPr marL="68580" marR="68580" marT="0" marB="0">
+                    <a:solidFill>
+                      <a:schemeClr val="bg1"/>
+                    </a:solidFill>
+                  </a:tcPr>
+                </a:tc>
+                <a:extLst>
+                  <a:ext uri="{0D108BD9-81ED-4DB2-BD59-A6C34878D82A}">
+                    <a16:rowId xmlns:a16="http://schemas.microsoft.com/office/drawing/2014/main" val="1904062626"/>
+                  </a:ext>
+                </a:extLst>
+              </a:tr>
+              <a:tr h="432000">
+                <a:tc>
+                  <a:txBody>
+                    <a:bodyPr/>
+                    <a:lstStyle/>
+                    <a:p>
+                      <a:pPr algn="r">
+                        <a:lnSpc>
+                          <a:spcPct val="106000"/>
+                        </a:lnSpc>
+                        <a:spcAft>
+                          <a:spcPts val="0"/>
+                        </a:spcAft>
+                      </a:pPr>
+                      <a:r>
+                        <a:rPr lang="en-US" sz="3000" b="0" dirty="0">
+                          <a:effectLst/>
+                        </a:rPr>
+                        <a:t>Plexiglass Chassis</a:t>
+                      </a:r>
+                      <a:endParaRPr lang="tr-TR" sz="3000" b="0" dirty="0">
+                        <a:effectLst/>
+                        <a:latin typeface="Calibri" panose="020F0502020204030204" pitchFamily="34" charset="0"/>
+                        <a:ea typeface="Calibri" panose="020F0502020204030204" pitchFamily="34" charset="0"/>
+                        <a:cs typeface="Times New Roman" panose="02020603050405020304" pitchFamily="18" charset="0"/>
+                      </a:endParaRPr>
+                    </a:p>
+                  </a:txBody>
+                  <a:tcPr marL="68580" marR="68580" marT="0" marB="0">
+                    <a:solidFill>
+                      <a:schemeClr val="bg1"/>
+                    </a:solidFill>
+                  </a:tcPr>
+                </a:tc>
+                <a:tc>
+                  <a:txBody>
+                    <a:bodyPr/>
+                    <a:lstStyle/>
+                    <a:p>
+                      <a:pPr algn="r">
+                        <a:lnSpc>
+                          <a:spcPct val="106000"/>
+                        </a:lnSpc>
+                        <a:spcAft>
+                          <a:spcPts val="0"/>
+                        </a:spcAft>
+                      </a:pPr>
+                      <a:endParaRPr lang="tr-TR" sz="3000" b="0" dirty="0">
+                        <a:effectLst/>
+                        <a:latin typeface="Calibri" panose="020F0502020204030204" pitchFamily="34" charset="0"/>
+                        <a:ea typeface="Calibri" panose="020F0502020204030204" pitchFamily="34" charset="0"/>
+                        <a:cs typeface="Times New Roman" panose="02020603050405020304" pitchFamily="18" charset="0"/>
+                      </a:endParaRPr>
+                    </a:p>
+                  </a:txBody>
+                  <a:tcPr marL="68580" marR="68580" marT="0" marB="0">
+                    <a:solidFill>
+                      <a:schemeClr val="bg1"/>
+                    </a:solidFill>
+                  </a:tcPr>
+                </a:tc>
+                <a:tc>
+                  <a:txBody>
+                    <a:bodyPr/>
+                    <a:lstStyle/>
+                    <a:p>
+                      <a:pPr algn="l">
+                        <a:lnSpc>
+                          <a:spcPct val="106000"/>
+                        </a:lnSpc>
+                        <a:spcAft>
+                          <a:spcPts val="0"/>
+                        </a:spcAft>
+                      </a:pPr>
+                      <a:r>
+                        <a:rPr lang="en-US" sz="3000" b="0" dirty="0">
+                          <a:effectLst/>
+                        </a:rPr>
+                        <a:t>1 x $6</a:t>
+                      </a:r>
+                      <a:endParaRPr lang="tr-TR" sz="3000" b="0" dirty="0">
+                        <a:effectLst/>
+                        <a:latin typeface="Calibri" panose="020F0502020204030204" pitchFamily="34" charset="0"/>
+                        <a:ea typeface="Calibri" panose="020F0502020204030204" pitchFamily="34" charset="0"/>
+                        <a:cs typeface="Times New Roman" panose="02020603050405020304" pitchFamily="18" charset="0"/>
+                      </a:endParaRPr>
+                    </a:p>
+                  </a:txBody>
+                  <a:tcPr marL="68580" marR="68580" marT="0" marB="0">
+                    <a:solidFill>
+                      <a:schemeClr val="bg1"/>
+                    </a:solidFill>
+                  </a:tcPr>
+                </a:tc>
+                <a:extLst>
+                  <a:ext uri="{0D108BD9-81ED-4DB2-BD59-A6C34878D82A}">
+                    <a16:rowId xmlns:a16="http://schemas.microsoft.com/office/drawing/2014/main" val="1708968803"/>
+                  </a:ext>
+                </a:extLst>
+              </a:tr>
+              <a:tr h="432000">
+                <a:tc>
+                  <a:txBody>
+                    <a:bodyPr/>
+                    <a:lstStyle/>
+                    <a:p>
+                      <a:pPr algn="r">
+                        <a:lnSpc>
+                          <a:spcPct val="106000"/>
+                        </a:lnSpc>
+                        <a:spcAft>
+                          <a:spcPts val="0"/>
+                        </a:spcAft>
+                      </a:pPr>
+                      <a:r>
+                        <a:rPr lang="en-US" sz="3000" b="0" dirty="0">
+                          <a:effectLst/>
+                        </a:rPr>
+                        <a:t>Standard Wheels</a:t>
+                      </a:r>
+                      <a:endParaRPr lang="tr-TR" sz="3000" b="0" dirty="0">
+                        <a:effectLst/>
+                        <a:latin typeface="Calibri" panose="020F0502020204030204" pitchFamily="34" charset="0"/>
+                        <a:ea typeface="Calibri" panose="020F0502020204030204" pitchFamily="34" charset="0"/>
+                        <a:cs typeface="Times New Roman" panose="02020603050405020304" pitchFamily="18" charset="0"/>
+                      </a:endParaRPr>
+                    </a:p>
+                  </a:txBody>
+                  <a:tcPr marL="68580" marR="68580" marT="0" marB="0">
+                    <a:solidFill>
+                      <a:schemeClr val="bg1"/>
+                    </a:solidFill>
+                  </a:tcPr>
+                </a:tc>
+                <a:tc>
+                  <a:txBody>
+                    <a:bodyPr/>
+                    <a:lstStyle/>
+                    <a:p>
+                      <a:pPr algn="r">
+                        <a:lnSpc>
+                          <a:spcPct val="106000"/>
+                        </a:lnSpc>
+                        <a:spcAft>
+                          <a:spcPts val="0"/>
+                        </a:spcAft>
+                      </a:pPr>
+                      <a:endParaRPr lang="tr-TR" sz="3000" b="0" dirty="0">
+                        <a:effectLst/>
+                        <a:latin typeface="Calibri" panose="020F0502020204030204" pitchFamily="34" charset="0"/>
+                        <a:ea typeface="Calibri" panose="020F0502020204030204" pitchFamily="34" charset="0"/>
+                        <a:cs typeface="Times New Roman" panose="02020603050405020304" pitchFamily="18" charset="0"/>
+                      </a:endParaRPr>
+                    </a:p>
+                  </a:txBody>
+                  <a:tcPr marL="68580" marR="68580" marT="0" marB="0">
+                    <a:solidFill>
+                      <a:schemeClr val="bg1"/>
+                    </a:solidFill>
+                  </a:tcPr>
+                </a:tc>
+                <a:tc>
+                  <a:txBody>
+                    <a:bodyPr/>
+                    <a:lstStyle/>
+                    <a:p>
+                      <a:pPr algn="l">
+                        <a:lnSpc>
+                          <a:spcPct val="106000"/>
+                        </a:lnSpc>
+                        <a:spcAft>
+                          <a:spcPts val="0"/>
+                        </a:spcAft>
+                      </a:pPr>
+                      <a:r>
+                        <a:rPr lang="en-US" sz="3000" b="0" dirty="0">
+                          <a:effectLst/>
+                        </a:rPr>
+                        <a:t>2 x $2</a:t>
+                      </a:r>
+                      <a:endParaRPr lang="tr-TR" sz="3000" b="0" dirty="0">
+                        <a:effectLst/>
+                        <a:latin typeface="Calibri" panose="020F0502020204030204" pitchFamily="34" charset="0"/>
+                        <a:ea typeface="Calibri" panose="020F0502020204030204" pitchFamily="34" charset="0"/>
+                        <a:cs typeface="Times New Roman" panose="02020603050405020304" pitchFamily="18" charset="0"/>
+                      </a:endParaRPr>
+                    </a:p>
+                  </a:txBody>
+                  <a:tcPr marL="68580" marR="68580" marT="0" marB="0">
+                    <a:solidFill>
+                      <a:schemeClr val="bg1"/>
+                    </a:solidFill>
+                  </a:tcPr>
+                </a:tc>
+                <a:extLst>
+                  <a:ext uri="{0D108BD9-81ED-4DB2-BD59-A6C34878D82A}">
+                    <a16:rowId xmlns:a16="http://schemas.microsoft.com/office/drawing/2014/main" val="1827726473"/>
+                  </a:ext>
+                </a:extLst>
+              </a:tr>
+              <a:tr h="432000">
+                <a:tc>
+                  <a:txBody>
+                    <a:bodyPr/>
+                    <a:lstStyle/>
+                    <a:p>
+                      <a:pPr algn="r">
+                        <a:lnSpc>
+                          <a:spcPct val="106000"/>
+                        </a:lnSpc>
+                        <a:spcAft>
+                          <a:spcPts val="0"/>
+                        </a:spcAft>
+                      </a:pPr>
+                      <a:r>
+                        <a:rPr lang="en-US" sz="3000" b="0" dirty="0">
+                          <a:effectLst/>
+                        </a:rPr>
+                        <a:t>Ball Wheel</a:t>
+                      </a:r>
+                      <a:endParaRPr lang="tr-TR" sz="3000" b="0" dirty="0">
+                        <a:effectLst/>
+                        <a:latin typeface="Calibri" panose="020F0502020204030204" pitchFamily="34" charset="0"/>
+                        <a:ea typeface="Calibri" panose="020F0502020204030204" pitchFamily="34" charset="0"/>
+                        <a:cs typeface="Times New Roman" panose="02020603050405020304" pitchFamily="18" charset="0"/>
+                      </a:endParaRPr>
+                    </a:p>
+                  </a:txBody>
+                  <a:tcPr marL="68580" marR="68580" marT="0" marB="0">
+                    <a:solidFill>
+                      <a:schemeClr val="bg1"/>
+                    </a:solidFill>
+                  </a:tcPr>
+                </a:tc>
+                <a:tc>
+                  <a:txBody>
+                    <a:bodyPr/>
+                    <a:lstStyle/>
+                    <a:p>
+                      <a:pPr algn="r">
+                        <a:lnSpc>
+                          <a:spcPct val="106000"/>
+                        </a:lnSpc>
+                        <a:spcAft>
+                          <a:spcPts val="0"/>
+                        </a:spcAft>
+                      </a:pPr>
+                      <a:endParaRPr lang="tr-TR" sz="3000" b="0" dirty="0">
+                        <a:effectLst/>
+                        <a:latin typeface="Calibri" panose="020F0502020204030204" pitchFamily="34" charset="0"/>
+                        <a:ea typeface="Calibri" panose="020F0502020204030204" pitchFamily="34" charset="0"/>
+                        <a:cs typeface="Times New Roman" panose="02020603050405020304" pitchFamily="18" charset="0"/>
+                      </a:endParaRPr>
+                    </a:p>
+                  </a:txBody>
+                  <a:tcPr marL="68580" marR="68580" marT="0" marB="0">
+                    <a:solidFill>
+                      <a:schemeClr val="bg1"/>
+                    </a:solidFill>
+                  </a:tcPr>
+                </a:tc>
+                <a:tc>
+                  <a:txBody>
+                    <a:bodyPr/>
+                    <a:lstStyle/>
+                    <a:p>
+                      <a:pPr algn="l">
+                        <a:lnSpc>
+                          <a:spcPct val="106000"/>
+                        </a:lnSpc>
+                        <a:spcAft>
+                          <a:spcPts val="0"/>
+                        </a:spcAft>
+                      </a:pPr>
+                      <a:r>
+                        <a:rPr lang="en-US" sz="3000" b="0" dirty="0">
+                          <a:effectLst/>
+                        </a:rPr>
+                        <a:t>3 x $1</a:t>
+                      </a:r>
+                      <a:endParaRPr lang="tr-TR" sz="3000" b="0" dirty="0">
+                        <a:effectLst/>
+                        <a:latin typeface="Calibri" panose="020F0502020204030204" pitchFamily="34" charset="0"/>
+                        <a:ea typeface="Calibri" panose="020F0502020204030204" pitchFamily="34" charset="0"/>
+                        <a:cs typeface="Times New Roman" panose="02020603050405020304" pitchFamily="18" charset="0"/>
+                      </a:endParaRPr>
+                    </a:p>
+                  </a:txBody>
+                  <a:tcPr marL="68580" marR="68580" marT="0" marB="0">
+                    <a:solidFill>
+                      <a:schemeClr val="bg1"/>
+                    </a:solidFill>
+                  </a:tcPr>
+                </a:tc>
+                <a:extLst>
+                  <a:ext uri="{0D108BD9-81ED-4DB2-BD59-A6C34878D82A}">
+                    <a16:rowId xmlns:a16="http://schemas.microsoft.com/office/drawing/2014/main" val="1203548312"/>
+                  </a:ext>
+                </a:extLst>
+              </a:tr>
+              <a:tr h="432000">
+                <a:tc>
+                  <a:txBody>
+                    <a:bodyPr/>
+                    <a:lstStyle/>
+                    <a:p>
+                      <a:pPr algn="r">
+                        <a:lnSpc>
+                          <a:spcPct val="106000"/>
+                        </a:lnSpc>
+                        <a:spcAft>
+                          <a:spcPts val="0"/>
+                        </a:spcAft>
+                      </a:pPr>
+                      <a:r>
+                        <a:rPr lang="en-US" sz="3000" b="0" dirty="0">
+                          <a:effectLst/>
+                        </a:rPr>
+                        <a:t>Cables &amp; Connectors</a:t>
+                      </a:r>
+                      <a:endParaRPr lang="tr-TR" sz="3000" b="0" dirty="0">
+                        <a:effectLst/>
+                        <a:latin typeface="Calibri" panose="020F0502020204030204" pitchFamily="34" charset="0"/>
+                        <a:ea typeface="Calibri" panose="020F0502020204030204" pitchFamily="34" charset="0"/>
+                        <a:cs typeface="Times New Roman" panose="02020603050405020304" pitchFamily="18" charset="0"/>
+                      </a:endParaRPr>
+                    </a:p>
+                  </a:txBody>
+                  <a:tcPr marL="68580" marR="68580" marT="0" marB="0">
+                    <a:solidFill>
+                      <a:schemeClr val="bg1"/>
+                    </a:solidFill>
+                  </a:tcPr>
+                </a:tc>
+                <a:tc>
+                  <a:txBody>
+                    <a:bodyPr/>
+                    <a:lstStyle/>
+                    <a:p>
+                      <a:pPr algn="r">
+                        <a:lnSpc>
+                          <a:spcPct val="106000"/>
+                        </a:lnSpc>
+                        <a:spcAft>
+                          <a:spcPts val="0"/>
+                        </a:spcAft>
+                      </a:pPr>
+                      <a:endParaRPr lang="tr-TR" sz="3000" b="0" dirty="0">
+                        <a:effectLst/>
+                        <a:latin typeface="Calibri" panose="020F0502020204030204" pitchFamily="34" charset="0"/>
+                        <a:ea typeface="Calibri" panose="020F0502020204030204" pitchFamily="34" charset="0"/>
+                        <a:cs typeface="Times New Roman" panose="02020603050405020304" pitchFamily="18" charset="0"/>
+                      </a:endParaRPr>
+                    </a:p>
+                  </a:txBody>
+                  <a:tcPr marL="68580" marR="68580" marT="0" marB="0">
+                    <a:solidFill>
+                      <a:schemeClr val="bg1"/>
+                    </a:solidFill>
+                  </a:tcPr>
+                </a:tc>
+                <a:tc>
+                  <a:txBody>
+                    <a:bodyPr/>
+                    <a:lstStyle/>
+                    <a:p>
+                      <a:pPr algn="l">
+                        <a:lnSpc>
+                          <a:spcPct val="106000"/>
+                        </a:lnSpc>
+                        <a:spcAft>
+                          <a:spcPts val="0"/>
+                        </a:spcAft>
+                      </a:pPr>
+                      <a:r>
+                        <a:rPr lang="en-US" sz="3000" b="0" dirty="0">
+                          <a:effectLst/>
+                        </a:rPr>
+                        <a:t>      $6</a:t>
+                      </a:r>
+                      <a:endParaRPr lang="tr-TR" sz="3000" b="0" dirty="0">
+                        <a:effectLst/>
+                        <a:latin typeface="Calibri" panose="020F0502020204030204" pitchFamily="34" charset="0"/>
+                        <a:ea typeface="Calibri" panose="020F0502020204030204" pitchFamily="34" charset="0"/>
+                        <a:cs typeface="Times New Roman" panose="02020603050405020304" pitchFamily="18" charset="0"/>
+                      </a:endParaRPr>
+                    </a:p>
+                  </a:txBody>
+                  <a:tcPr marL="68580" marR="68580" marT="0" marB="0">
+                    <a:solidFill>
+                      <a:schemeClr val="bg1"/>
+                    </a:solidFill>
+                  </a:tcPr>
+                </a:tc>
+                <a:extLst>
+                  <a:ext uri="{0D108BD9-81ED-4DB2-BD59-A6C34878D82A}">
+                    <a16:rowId xmlns:a16="http://schemas.microsoft.com/office/drawing/2014/main" val="4198011963"/>
+                  </a:ext>
+                </a:extLst>
+              </a:tr>
+              <a:tr h="432000">
+                <a:tc>
+                  <a:txBody>
+                    <a:bodyPr/>
+                    <a:lstStyle/>
+                    <a:p>
+                      <a:pPr algn="r">
+                        <a:lnSpc>
+                          <a:spcPct val="106000"/>
+                        </a:lnSpc>
+                        <a:spcAft>
+                          <a:spcPts val="0"/>
+                        </a:spcAft>
+                      </a:pPr>
+                      <a:r>
+                        <a:rPr lang="en-US" sz="3000" b="0" dirty="0">
+                          <a:effectLst/>
+                        </a:rPr>
+                        <a:t>Structural connections</a:t>
+                      </a:r>
+                      <a:endParaRPr lang="tr-TR" sz="3000" b="0" dirty="0">
+                        <a:effectLst/>
+                        <a:latin typeface="Calibri" panose="020F0502020204030204" pitchFamily="34" charset="0"/>
+                        <a:ea typeface="Calibri" panose="020F0502020204030204" pitchFamily="34" charset="0"/>
+                        <a:cs typeface="Times New Roman" panose="02020603050405020304" pitchFamily="18" charset="0"/>
+                      </a:endParaRPr>
+                    </a:p>
+                  </a:txBody>
+                  <a:tcPr marL="68580" marR="68580" marT="0" marB="0">
+                    <a:solidFill>
+                      <a:schemeClr val="bg1"/>
+                    </a:solidFill>
+                  </a:tcPr>
+                </a:tc>
+                <a:tc>
+                  <a:txBody>
+                    <a:bodyPr/>
+                    <a:lstStyle/>
+                    <a:p>
+                      <a:pPr algn="r">
+                        <a:lnSpc>
+                          <a:spcPct val="106000"/>
+                        </a:lnSpc>
+                        <a:spcAft>
+                          <a:spcPts val="0"/>
+                        </a:spcAft>
+                      </a:pPr>
+                      <a:endParaRPr lang="tr-TR" sz="3000" b="0" dirty="0">
+                        <a:effectLst/>
+                        <a:latin typeface="Calibri" panose="020F0502020204030204" pitchFamily="34" charset="0"/>
+                        <a:ea typeface="Calibri" panose="020F0502020204030204" pitchFamily="34" charset="0"/>
+                        <a:cs typeface="Times New Roman" panose="02020603050405020304" pitchFamily="18" charset="0"/>
+                      </a:endParaRPr>
+                    </a:p>
+                  </a:txBody>
+                  <a:tcPr marL="68580" marR="68580" marT="0" marB="0">
+                    <a:solidFill>
+                      <a:schemeClr val="bg1"/>
+                    </a:solidFill>
+                  </a:tcPr>
+                </a:tc>
+                <a:tc>
+                  <a:txBody>
+                    <a:bodyPr/>
+                    <a:lstStyle/>
+                    <a:p>
+                      <a:pPr algn="l">
+                        <a:lnSpc>
+                          <a:spcPct val="106000"/>
+                        </a:lnSpc>
+                        <a:spcAft>
+                          <a:spcPts val="0"/>
+                        </a:spcAft>
+                      </a:pPr>
+                      <a:r>
+                        <a:rPr lang="en-US" sz="3000" b="0" dirty="0">
+                          <a:effectLst/>
+                        </a:rPr>
+                        <a:t>      $3</a:t>
+                      </a:r>
+                      <a:endParaRPr lang="tr-TR" sz="3000" b="0" dirty="0">
+                        <a:effectLst/>
+                        <a:latin typeface="Calibri" panose="020F0502020204030204" pitchFamily="34" charset="0"/>
+                        <a:ea typeface="Calibri" panose="020F0502020204030204" pitchFamily="34" charset="0"/>
+                        <a:cs typeface="Times New Roman" panose="02020603050405020304" pitchFamily="18" charset="0"/>
+                      </a:endParaRPr>
+                    </a:p>
+                  </a:txBody>
+                  <a:tcPr marL="68580" marR="68580" marT="0" marB="0">
+                    <a:solidFill>
+                      <a:schemeClr val="bg1"/>
+                    </a:solidFill>
+                  </a:tcPr>
+                </a:tc>
+                <a:extLst>
+                  <a:ext uri="{0D108BD9-81ED-4DB2-BD59-A6C34878D82A}">
+                    <a16:rowId xmlns:a16="http://schemas.microsoft.com/office/drawing/2014/main" val="251129606"/>
+                  </a:ext>
+                </a:extLst>
+              </a:tr>
+              <a:tr h="432000">
+                <a:tc>
+                  <a:txBody>
+                    <a:bodyPr/>
+                    <a:lstStyle/>
+                    <a:p>
+                      <a:pPr algn="r">
+                        <a:lnSpc>
+                          <a:spcPct val="106000"/>
+                        </a:lnSpc>
+                        <a:spcAft>
+                          <a:spcPts val="0"/>
+                        </a:spcAft>
+                      </a:pPr>
+                      <a:r>
+                        <a:rPr lang="en-US" sz="3000" b="0" dirty="0">
+                          <a:effectLst/>
+                        </a:rPr>
+                        <a:t>Dummy Robot</a:t>
+                      </a:r>
+                      <a:endParaRPr lang="tr-TR" sz="3000" b="0" dirty="0">
+                        <a:effectLst/>
+                        <a:latin typeface="Calibri" panose="020F0502020204030204" pitchFamily="34" charset="0"/>
+                        <a:ea typeface="Calibri" panose="020F0502020204030204" pitchFamily="34" charset="0"/>
+                        <a:cs typeface="Times New Roman" panose="02020603050405020304" pitchFamily="18" charset="0"/>
+                      </a:endParaRPr>
+                    </a:p>
+                  </a:txBody>
+                  <a:tcPr marL="68580" marR="68580" marT="0" marB="0">
+                    <a:solidFill>
+                      <a:schemeClr val="bg1"/>
+                    </a:solidFill>
+                  </a:tcPr>
+                </a:tc>
+                <a:tc>
+                  <a:txBody>
+                    <a:bodyPr/>
+                    <a:lstStyle/>
+                    <a:p>
+                      <a:pPr algn="r">
+                        <a:lnSpc>
+                          <a:spcPct val="106000"/>
+                        </a:lnSpc>
+                        <a:spcAft>
+                          <a:spcPts val="0"/>
+                        </a:spcAft>
+                      </a:pPr>
+                      <a:endParaRPr lang="tr-TR" sz="3000" b="0" dirty="0">
+                        <a:effectLst/>
+                        <a:latin typeface="Calibri" panose="020F0502020204030204" pitchFamily="34" charset="0"/>
+                        <a:ea typeface="Calibri" panose="020F0502020204030204" pitchFamily="34" charset="0"/>
+                        <a:cs typeface="Times New Roman" panose="02020603050405020304" pitchFamily="18" charset="0"/>
+                      </a:endParaRPr>
+                    </a:p>
+                  </a:txBody>
+                  <a:tcPr marL="68580" marR="68580" marT="0" marB="0">
+                    <a:solidFill>
+                      <a:schemeClr val="bg1"/>
+                    </a:solidFill>
+                  </a:tcPr>
+                </a:tc>
+                <a:tc>
+                  <a:txBody>
+                    <a:bodyPr/>
+                    <a:lstStyle/>
+                    <a:p>
+                      <a:pPr algn="l">
+                        <a:lnSpc>
+                          <a:spcPct val="106000"/>
+                        </a:lnSpc>
+                        <a:spcAft>
+                          <a:spcPts val="0"/>
+                        </a:spcAft>
+                      </a:pPr>
+                      <a:r>
+                        <a:rPr lang="en-US" sz="3000" b="0" dirty="0">
+                          <a:effectLst/>
+                        </a:rPr>
+                        <a:t>1 x $2</a:t>
+                      </a:r>
+                      <a:endParaRPr lang="tr-TR" sz="3000" b="0" dirty="0">
+                        <a:effectLst/>
+                        <a:latin typeface="Calibri" panose="020F0502020204030204" pitchFamily="34" charset="0"/>
+                        <a:ea typeface="Calibri" panose="020F0502020204030204" pitchFamily="34" charset="0"/>
+                        <a:cs typeface="Times New Roman" panose="02020603050405020304" pitchFamily="18" charset="0"/>
+                      </a:endParaRPr>
+                    </a:p>
+                  </a:txBody>
+                  <a:tcPr marL="68580" marR="68580" marT="0" marB="0">
+                    <a:solidFill>
+                      <a:schemeClr val="bg1"/>
+                    </a:solidFill>
+                  </a:tcPr>
+                </a:tc>
+                <a:extLst>
+                  <a:ext uri="{0D108BD9-81ED-4DB2-BD59-A6C34878D82A}">
+                    <a16:rowId xmlns:a16="http://schemas.microsoft.com/office/drawing/2014/main" val="1496619349"/>
+                  </a:ext>
+                </a:extLst>
+              </a:tr>
+              <a:tr h="432000">
+                <a:tc>
+                  <a:txBody>
+                    <a:bodyPr/>
+                    <a:lstStyle/>
+                    <a:p>
+                      <a:pPr algn="r">
+                        <a:lnSpc>
+                          <a:spcPct val="106000"/>
+                        </a:lnSpc>
+                        <a:spcAft>
+                          <a:spcPts val="0"/>
+                        </a:spcAft>
+                      </a:pPr>
+                      <a:r>
+                        <a:rPr lang="en-US" sz="3000" b="0" dirty="0">
+                          <a:effectLst/>
+                        </a:rPr>
+                        <a:t>Balls</a:t>
+                      </a:r>
+                      <a:endParaRPr lang="tr-TR" sz="3000" b="0" dirty="0">
+                        <a:effectLst/>
+                        <a:latin typeface="Calibri" panose="020F0502020204030204" pitchFamily="34" charset="0"/>
+                        <a:ea typeface="Calibri" panose="020F0502020204030204" pitchFamily="34" charset="0"/>
+                        <a:cs typeface="Times New Roman" panose="02020603050405020304" pitchFamily="18" charset="0"/>
+                      </a:endParaRPr>
+                    </a:p>
+                  </a:txBody>
+                  <a:tcPr marL="68580" marR="68580" marT="0" marB="0">
+                    <a:solidFill>
+                      <a:schemeClr val="bg1"/>
+                    </a:solidFill>
+                  </a:tcPr>
+                </a:tc>
+                <a:tc>
+                  <a:txBody>
+                    <a:bodyPr/>
+                    <a:lstStyle/>
+                    <a:p>
+                      <a:pPr algn="r">
+                        <a:lnSpc>
+                          <a:spcPct val="106000"/>
+                        </a:lnSpc>
+                        <a:spcAft>
+                          <a:spcPts val="0"/>
+                        </a:spcAft>
+                      </a:pPr>
+                      <a:endParaRPr lang="tr-TR" sz="3000" b="0" dirty="0">
+                        <a:effectLst/>
+                        <a:latin typeface="Calibri" panose="020F0502020204030204" pitchFamily="34" charset="0"/>
+                        <a:ea typeface="Calibri" panose="020F0502020204030204" pitchFamily="34" charset="0"/>
+                        <a:cs typeface="Times New Roman" panose="02020603050405020304" pitchFamily="18" charset="0"/>
+                      </a:endParaRPr>
+                    </a:p>
+                  </a:txBody>
+                  <a:tcPr marL="68580" marR="68580" marT="0" marB="0">
+                    <a:solidFill>
+                      <a:schemeClr val="bg1"/>
+                    </a:solidFill>
+                  </a:tcPr>
+                </a:tc>
+                <a:tc>
+                  <a:txBody>
+                    <a:bodyPr/>
+                    <a:lstStyle/>
+                    <a:p>
+                      <a:pPr algn="l">
+                        <a:lnSpc>
+                          <a:spcPct val="106000"/>
+                        </a:lnSpc>
+                        <a:spcAft>
+                          <a:spcPts val="0"/>
+                        </a:spcAft>
+                      </a:pPr>
+                      <a:r>
+                        <a:rPr lang="en-US" sz="3000" b="0" dirty="0">
+                          <a:effectLst/>
+                        </a:rPr>
+                        <a:t>2 x $0.25</a:t>
+                      </a:r>
+                      <a:endParaRPr lang="tr-TR" sz="3000" b="0" dirty="0">
+                        <a:effectLst/>
+                        <a:latin typeface="Calibri" panose="020F0502020204030204" pitchFamily="34" charset="0"/>
+                        <a:ea typeface="Calibri" panose="020F0502020204030204" pitchFamily="34" charset="0"/>
+                        <a:cs typeface="Times New Roman" panose="02020603050405020304" pitchFamily="18" charset="0"/>
+                      </a:endParaRPr>
+                    </a:p>
+                  </a:txBody>
+                  <a:tcPr marL="68580" marR="68580" marT="0" marB="0">
+                    <a:solidFill>
+                      <a:schemeClr val="bg1"/>
+                    </a:solidFill>
+                  </a:tcPr>
+                </a:tc>
+                <a:extLst>
+                  <a:ext uri="{0D108BD9-81ED-4DB2-BD59-A6C34878D82A}">
+                    <a16:rowId xmlns:a16="http://schemas.microsoft.com/office/drawing/2014/main" val="2609281748"/>
+                  </a:ext>
+                </a:extLst>
+              </a:tr>
+              <a:tr h="432000">
+                <a:tc>
+                  <a:txBody>
+                    <a:bodyPr/>
+                    <a:lstStyle/>
+                    <a:p>
+                      <a:pPr algn="r">
+                        <a:lnSpc>
+                          <a:spcPct val="106000"/>
+                        </a:lnSpc>
+                        <a:spcAft>
+                          <a:spcPts val="0"/>
+                        </a:spcAft>
+                      </a:pPr>
+                      <a:r>
+                        <a:rPr lang="en-US" sz="3000" b="0" dirty="0">
+                          <a:effectLst/>
+                        </a:rPr>
+                        <a:t>Play Field Walls</a:t>
+                      </a:r>
+                      <a:endParaRPr lang="tr-TR" sz="3000" b="0" dirty="0">
+                        <a:effectLst/>
+                        <a:latin typeface="Calibri" panose="020F0502020204030204" pitchFamily="34" charset="0"/>
+                        <a:ea typeface="Calibri" panose="020F0502020204030204" pitchFamily="34" charset="0"/>
+                        <a:cs typeface="Times New Roman" panose="02020603050405020304" pitchFamily="18" charset="0"/>
+                      </a:endParaRPr>
+                    </a:p>
+                  </a:txBody>
+                  <a:tcPr marL="68580" marR="68580" marT="0" marB="0">
+                    <a:solidFill>
+                      <a:schemeClr val="bg1"/>
+                    </a:solidFill>
+                  </a:tcPr>
+                </a:tc>
+                <a:tc>
+                  <a:txBody>
+                    <a:bodyPr/>
+                    <a:lstStyle/>
+                    <a:p>
+                      <a:pPr algn="r">
+                        <a:lnSpc>
+                          <a:spcPct val="106000"/>
+                        </a:lnSpc>
+                        <a:spcAft>
+                          <a:spcPts val="0"/>
+                        </a:spcAft>
+                      </a:pPr>
+                      <a:endParaRPr lang="tr-TR" sz="3000" b="0" dirty="0">
+                        <a:effectLst/>
+                        <a:latin typeface="Calibri" panose="020F0502020204030204" pitchFamily="34" charset="0"/>
+                        <a:ea typeface="Calibri" panose="020F0502020204030204" pitchFamily="34" charset="0"/>
+                        <a:cs typeface="Times New Roman" panose="02020603050405020304" pitchFamily="18" charset="0"/>
+                      </a:endParaRPr>
+                    </a:p>
+                  </a:txBody>
+                  <a:tcPr marL="68580" marR="68580" marT="0" marB="0">
+                    <a:solidFill>
+                      <a:schemeClr val="bg1"/>
+                    </a:solidFill>
+                  </a:tcPr>
+                </a:tc>
+                <a:tc>
+                  <a:txBody>
+                    <a:bodyPr/>
+                    <a:lstStyle/>
+                    <a:p>
+                      <a:pPr algn="l">
+                        <a:lnSpc>
+                          <a:spcPct val="106000"/>
+                        </a:lnSpc>
+                        <a:spcAft>
+                          <a:spcPts val="0"/>
+                        </a:spcAft>
+                      </a:pPr>
+                      <a:r>
+                        <a:rPr lang="en-US" sz="3000" b="0" dirty="0">
+                          <a:effectLst/>
+                        </a:rPr>
+                        <a:t>3 x $1</a:t>
+                      </a:r>
+                      <a:endParaRPr lang="tr-TR" sz="3000" b="0" dirty="0">
+                        <a:effectLst/>
+                        <a:latin typeface="Calibri" panose="020F0502020204030204" pitchFamily="34" charset="0"/>
+                        <a:ea typeface="Calibri" panose="020F0502020204030204" pitchFamily="34" charset="0"/>
+                        <a:cs typeface="Times New Roman" panose="02020603050405020304" pitchFamily="18" charset="0"/>
+                      </a:endParaRPr>
+                    </a:p>
+                  </a:txBody>
+                  <a:tcPr marL="68580" marR="68580" marT="0" marB="0">
+                    <a:solidFill>
+                      <a:schemeClr val="bg1"/>
+                    </a:solidFill>
+                  </a:tcPr>
+                </a:tc>
+                <a:extLst>
+                  <a:ext uri="{0D108BD9-81ED-4DB2-BD59-A6C34878D82A}">
+                    <a16:rowId xmlns:a16="http://schemas.microsoft.com/office/drawing/2014/main" val="1824752715"/>
+                  </a:ext>
+                </a:extLst>
+              </a:tr>
+              <a:tr h="432000">
+                <a:tc>
+                  <a:txBody>
+                    <a:bodyPr/>
+                    <a:lstStyle/>
+                    <a:p>
+                      <a:pPr algn="r">
+                        <a:lnSpc>
+                          <a:spcPct val="106000"/>
+                        </a:lnSpc>
+                        <a:spcAft>
+                          <a:spcPts val="0"/>
+                        </a:spcAft>
+                      </a:pPr>
+                      <a:r>
+                        <a:rPr lang="en-US" sz="3000" b="0" dirty="0">
+                          <a:effectLst/>
+                        </a:rPr>
+                        <a:t>Total: </a:t>
+                      </a:r>
+                      <a:endParaRPr lang="tr-TR" sz="3000" b="0" dirty="0">
+                        <a:solidFill>
+                          <a:schemeClr val="bg1"/>
+                        </a:solidFill>
+                        <a:effectLst/>
+                        <a:latin typeface="Calibri" panose="020F0502020204030204" pitchFamily="34" charset="0"/>
+                        <a:ea typeface="Calibri" panose="020F0502020204030204" pitchFamily="34" charset="0"/>
+                        <a:cs typeface="Times New Roman" panose="02020603050405020304" pitchFamily="18" charset="0"/>
+                      </a:endParaRPr>
+                    </a:p>
+                  </a:txBody>
+                  <a:tcPr marL="68580" marR="68580" marT="0" marB="0">
+                    <a:solidFill>
+                      <a:schemeClr val="bg1"/>
+                    </a:solidFill>
+                  </a:tcPr>
+                </a:tc>
+                <a:tc>
+                  <a:txBody>
+                    <a:bodyPr/>
+                    <a:lstStyle/>
+                    <a:p>
+                      <a:pPr algn="r">
+                        <a:lnSpc>
+                          <a:spcPct val="106000"/>
+                        </a:lnSpc>
+                        <a:spcAft>
+                          <a:spcPts val="0"/>
+                        </a:spcAft>
+                      </a:pPr>
+                      <a:endParaRPr lang="tr-TR" sz="3000" b="0" dirty="0">
+                        <a:solidFill>
+                          <a:schemeClr val="bg1"/>
+                        </a:solidFill>
+                        <a:effectLst/>
+                        <a:latin typeface="Calibri" panose="020F0502020204030204" pitchFamily="34" charset="0"/>
+                        <a:ea typeface="Calibri" panose="020F0502020204030204" pitchFamily="34" charset="0"/>
+                        <a:cs typeface="Times New Roman" panose="02020603050405020304" pitchFamily="18" charset="0"/>
+                      </a:endParaRPr>
+                    </a:p>
+                  </a:txBody>
+                  <a:tcPr marL="68580" marR="68580" marT="0" marB="0">
+                    <a:solidFill>
+                      <a:schemeClr val="bg1"/>
+                    </a:solidFill>
+                  </a:tcPr>
+                </a:tc>
+                <a:tc>
+                  <a:txBody>
+                    <a:bodyPr/>
+                    <a:lstStyle/>
+                    <a:p>
+                      <a:pPr algn="l">
+                        <a:lnSpc>
+                          <a:spcPct val="106000"/>
+                        </a:lnSpc>
+                        <a:spcAft>
+                          <a:spcPts val="0"/>
+                        </a:spcAft>
+                      </a:pPr>
+                      <a:r>
+                        <a:rPr lang="tr-TR" sz="3000" b="0" dirty="0">
+                          <a:effectLst/>
+                        </a:rPr>
+                        <a:t>$</a:t>
+                      </a:r>
+                      <a:r>
+                        <a:rPr lang="en-US" sz="3000" b="0" dirty="0">
+                          <a:effectLst/>
+                        </a:rPr>
+                        <a:t>189</a:t>
+                      </a:r>
+                      <a:endParaRPr lang="tr-TR" sz="3000" b="0" dirty="0">
+                        <a:solidFill>
+                          <a:schemeClr val="bg1"/>
+                        </a:solidFill>
+                        <a:effectLst/>
+                        <a:latin typeface="Calibri" panose="020F0502020204030204" pitchFamily="34" charset="0"/>
+                        <a:ea typeface="Calibri" panose="020F0502020204030204" pitchFamily="34" charset="0"/>
+                        <a:cs typeface="Times New Roman" panose="02020603050405020304" pitchFamily="18" charset="0"/>
+                      </a:endParaRPr>
+                    </a:p>
+                  </a:txBody>
+                  <a:tcPr marL="68580" marR="68580" marT="0" marB="0">
+                    <a:solidFill>
+                      <a:schemeClr val="bg1"/>
+                    </a:solidFill>
+                  </a:tcPr>
+                </a:tc>
+                <a:extLst>
+                  <a:ext uri="{0D108BD9-81ED-4DB2-BD59-A6C34878D82A}">
+                    <a16:rowId xmlns:a16="http://schemas.microsoft.com/office/drawing/2014/main" val="2549654190"/>
+                  </a:ext>
+                </a:extLst>
+              </a:tr>
+            </a:tbl>
+          </a:graphicData>
+        </a:graphic>
+      </p:graphicFrame>
       <p:sp>
         <p:nvSpPr>
-          <p:cNvPr id="9" name="Rectangle 8">
+          <p:cNvPr id="19" name="Rectangle 18">
             <a:extLst>
               <a:ext uri="{FF2B5EF4-FFF2-40B4-BE49-F238E27FC236}">
-                <a16:creationId xmlns:a16="http://schemas.microsoft.com/office/drawing/2014/main" id="{89E4A5B2-9D73-4109-B8D0-EC81F517FD2E}"/>
+                <a16:creationId xmlns:a16="http://schemas.microsoft.com/office/drawing/2014/main" id="{9EBE0416-E31E-4B53-AC12-D71A61CF3F0B}"/>
               </a:ext>
             </a:extLst>
           </p:cNvPr>
@@ -3763,17 +6856,14 @@
         </p:nvSpPr>
         <p:spPr>
           <a:xfrm>
-            <a:off x="404812" y="4798367"/>
-            <a:ext cx="9417614" cy="589935"/>
+            <a:off x="13992584" y="4739375"/>
+            <a:ext cx="6767719" cy="589935"/>
           </a:xfrm>
           <a:prstGeom prst="rect">
             <a:avLst/>
           </a:prstGeom>
           <a:solidFill>
-            <a:schemeClr val="accent4">
-              <a:lumMod val="60000"/>
-              <a:lumOff val="40000"/>
-            </a:schemeClr>
+            <a:schemeClr val="accent2"/>
           </a:solidFill>
           <a:ln>
             <a:solidFill>
@@ -3808,157 +6898,4473 @@
             <a:r>
               <a:rPr lang="tr-TR" sz="3600" b="1" dirty="0">
                 <a:solidFill>
-                  <a:schemeClr val="tx1"/>
+                  <a:schemeClr val="bg1"/>
                 </a:solidFill>
               </a:rPr>
-              <a:t>Shareholders</a:t>
+              <a:t>BUDGET</a:t>
             </a:r>
             <a:endParaRPr lang="en-US" sz="3600" b="1" dirty="0">
               <a:solidFill>
-                <a:schemeClr val="tx1"/>
+                <a:schemeClr val="bg1"/>
               </a:solidFill>
             </a:endParaRPr>
           </a:p>
         </p:txBody>
       </p:sp>
-      <p:grpSp>
-        <p:nvGrpSpPr>
-          <p:cNvPr id="12" name="Group 11">
+      <p:graphicFrame>
+        <p:nvGraphicFramePr>
+          <p:cNvPr id="20" name="Tablo 12">
             <a:extLst>
               <a:ext uri="{FF2B5EF4-FFF2-40B4-BE49-F238E27FC236}">
-                <a16:creationId xmlns:a16="http://schemas.microsoft.com/office/drawing/2014/main" id="{0EFE694A-EBBE-4BB4-AA2D-4DC544976DC7}"/>
+                <a16:creationId xmlns:a16="http://schemas.microsoft.com/office/drawing/2014/main" id="{A01F7DAA-8BF2-43E2-868A-818554317294}"/>
               </a:ext>
             </a:extLst>
           </p:cNvPr>
-          <p:cNvGrpSpPr/>
+          <p:cNvGraphicFramePr>
+            <a:graphicFrameLocks noGrp="1"/>
+          </p:cNvGraphicFramePr>
+          <p:nvPr>
+            <p:extLst>
+              <p:ext uri="{D42A27DB-BD31-4B8C-83A1-F6EECF244321}">
+                <p14:modId xmlns:p14="http://schemas.microsoft.com/office/powerpoint/2010/main" val="3642212229"/>
+              </p:ext>
+            </p:extLst>
+          </p:nvPr>
+        </p:nvGraphicFramePr>
+        <p:xfrm>
+          <a:off x="428293" y="16740353"/>
+          <a:ext cx="8420740" cy="5104638"/>
+        </p:xfrm>
+        <a:graphic>
+          <a:graphicData uri="http://schemas.openxmlformats.org/drawingml/2006/table">
+            <a:tbl>
+              <a:tblPr firstRow="1" firstCol="1" bandRow="1">
+                <a:tableStyleId>{7E9639D4-E3E2-4D34-9284-5A2195B3D0D7}</a:tableStyleId>
+              </a:tblPr>
+              <a:tblGrid>
+                <a:gridCol w="5482862">
+                  <a:extLst>
+                    <a:ext uri="{9D8B030D-6E8A-4147-A177-3AD203B41FA5}">
+                      <a16:colId xmlns:a16="http://schemas.microsoft.com/office/drawing/2014/main" val="2091407129"/>
+                    </a:ext>
+                  </a:extLst>
+                </a:gridCol>
+                <a:gridCol w="2937878">
+                  <a:extLst>
+                    <a:ext uri="{9D8B030D-6E8A-4147-A177-3AD203B41FA5}">
+                      <a16:colId xmlns:a16="http://schemas.microsoft.com/office/drawing/2014/main" val="2287592789"/>
+                    </a:ext>
+                  </a:extLst>
+                </a:gridCol>
+              </a:tblGrid>
+              <a:tr h="0">
+                <a:tc>
+                  <a:txBody>
+                    <a:bodyPr/>
+                    <a:lstStyle/>
+                    <a:p>
+                      <a:pPr marL="0" algn="l" defTabSz="2138324" rtl="0" eaLnBrk="1" latinLnBrk="0" hangingPunct="1">
+                        <a:lnSpc>
+                          <a:spcPct val="106000"/>
+                        </a:lnSpc>
+                        <a:spcAft>
+                          <a:spcPts val="0"/>
+                        </a:spcAft>
+                      </a:pPr>
+                      <a:r>
+                        <a:rPr lang="en-US" sz="3000" b="1" kern="1200" dirty="0">
+                          <a:solidFill>
+                            <a:schemeClr val="bg1"/>
+                          </a:solidFill>
+                          <a:effectLst/>
+                        </a:rPr>
+                        <a:t>Telecontroller</a:t>
+                      </a:r>
+                      <a:r>
+                        <a:rPr lang="tr-TR" sz="3000" b="1" kern="1200" dirty="0">
+                          <a:solidFill>
+                            <a:schemeClr val="bg1"/>
+                          </a:solidFill>
+                          <a:effectLst/>
+                        </a:rPr>
+                        <a:t> Side</a:t>
+                      </a:r>
+                      <a:endParaRPr lang="tr-TR" sz="3000" b="1" kern="1200" dirty="0">
+                        <a:solidFill>
+                          <a:schemeClr val="bg1"/>
+                        </a:solidFill>
+                        <a:effectLst/>
+                        <a:latin typeface="+mn-lt"/>
+                        <a:ea typeface="+mn-ea"/>
+                        <a:cs typeface="+mn-cs"/>
+                      </a:endParaRPr>
+                    </a:p>
+                  </a:txBody>
+                  <a:tcPr marL="68580" marR="68580" marT="0" marB="0">
+                    <a:lnL w="12700" cap="flat" cmpd="sng" algn="ctr">
+                      <a:solidFill>
+                        <a:schemeClr val="accent2"/>
+                      </a:solidFill>
+                      <a:prstDash val="solid"/>
+                      <a:round/>
+                      <a:headEnd type="none" w="med" len="med"/>
+                      <a:tailEnd type="none" w="med" len="med"/>
+                    </a:lnL>
+                    <a:lnR w="12700" cap="flat" cmpd="sng" algn="ctr">
+                      <a:solidFill>
+                        <a:schemeClr val="accent2"/>
+                      </a:solidFill>
+                      <a:prstDash val="solid"/>
+                      <a:round/>
+                      <a:headEnd type="none" w="med" len="med"/>
+                      <a:tailEnd type="none" w="med" len="med"/>
+                    </a:lnR>
+                    <a:lnT w="12700" cap="flat" cmpd="sng" algn="ctr">
+                      <a:solidFill>
+                        <a:schemeClr val="accent2"/>
+                      </a:solidFill>
+                      <a:prstDash val="solid"/>
+                      <a:round/>
+                      <a:headEnd type="none" w="med" len="med"/>
+                      <a:tailEnd type="none" w="med" len="med"/>
+                    </a:lnT>
+                    <a:lnB w="12700" cap="flat" cmpd="sng" algn="ctr">
+                      <a:solidFill>
+                        <a:schemeClr val="accent2"/>
+                      </a:solidFill>
+                      <a:prstDash val="solid"/>
+                      <a:round/>
+                      <a:headEnd type="none" w="med" len="med"/>
+                      <a:tailEnd type="none" w="med" len="med"/>
+                    </a:lnB>
+                    <a:solidFill>
+                      <a:schemeClr val="accent2"/>
+                    </a:solidFill>
+                  </a:tcPr>
+                </a:tc>
+                <a:tc>
+                  <a:txBody>
+                    <a:bodyPr/>
+                    <a:lstStyle/>
+                    <a:p>
+                      <a:pPr marL="0" algn="r" defTabSz="2138324" rtl="0" eaLnBrk="1" latinLnBrk="0" hangingPunct="1">
+                        <a:lnSpc>
+                          <a:spcPct val="106000"/>
+                        </a:lnSpc>
+                        <a:spcAft>
+                          <a:spcPts val="0"/>
+                        </a:spcAft>
+                      </a:pPr>
+                      <a:r>
+                        <a:rPr lang="en-US" sz="3000" b="1" kern="1200" dirty="0">
+                          <a:solidFill>
+                            <a:schemeClr val="bg1"/>
+                          </a:solidFill>
+                          <a:effectLst/>
+                        </a:rPr>
+                        <a:t> </a:t>
+                      </a:r>
+                      <a:endParaRPr lang="tr-TR" sz="3000" b="1" kern="1200" dirty="0">
+                        <a:solidFill>
+                          <a:schemeClr val="bg1"/>
+                        </a:solidFill>
+                        <a:effectLst/>
+                        <a:latin typeface="+mn-lt"/>
+                        <a:ea typeface="+mn-ea"/>
+                        <a:cs typeface="+mn-cs"/>
+                      </a:endParaRPr>
+                    </a:p>
+                  </a:txBody>
+                  <a:tcPr marL="68580" marR="68580" marT="0" marB="0">
+                    <a:lnL w="12700" cap="flat" cmpd="sng" algn="ctr">
+                      <a:solidFill>
+                        <a:schemeClr val="accent2"/>
+                      </a:solidFill>
+                      <a:prstDash val="solid"/>
+                      <a:round/>
+                      <a:headEnd type="none" w="med" len="med"/>
+                      <a:tailEnd type="none" w="med" len="med"/>
+                    </a:lnL>
+                    <a:lnR w="12700" cap="flat" cmpd="sng" algn="ctr">
+                      <a:solidFill>
+                        <a:schemeClr val="accent2"/>
+                      </a:solidFill>
+                      <a:prstDash val="solid"/>
+                      <a:round/>
+                      <a:headEnd type="none" w="med" len="med"/>
+                      <a:tailEnd type="none" w="med" len="med"/>
+                    </a:lnR>
+                    <a:lnT w="12700" cap="flat" cmpd="sng" algn="ctr">
+                      <a:solidFill>
+                        <a:schemeClr val="accent2"/>
+                      </a:solidFill>
+                      <a:prstDash val="solid"/>
+                      <a:round/>
+                      <a:headEnd type="none" w="med" len="med"/>
+                      <a:tailEnd type="none" w="med" len="med"/>
+                    </a:lnT>
+                    <a:lnB w="12700" cap="flat" cmpd="sng" algn="ctr">
+                      <a:solidFill>
+                        <a:schemeClr val="accent2"/>
+                      </a:solidFill>
+                      <a:prstDash val="solid"/>
+                      <a:round/>
+                      <a:headEnd type="none" w="med" len="med"/>
+                      <a:tailEnd type="none" w="med" len="med"/>
+                    </a:lnB>
+                    <a:solidFill>
+                      <a:schemeClr val="accent2"/>
+                    </a:solidFill>
+                  </a:tcPr>
+                </a:tc>
+                <a:extLst>
+                  <a:ext uri="{0D108BD9-81ED-4DB2-BD59-A6C34878D82A}">
+                    <a16:rowId xmlns:a16="http://schemas.microsoft.com/office/drawing/2014/main" val="418224015"/>
+                  </a:ext>
+                </a:extLst>
+              </a:tr>
+              <a:tr h="0">
+                <a:tc>
+                  <a:txBody>
+                    <a:bodyPr/>
+                    <a:lstStyle/>
+                    <a:p>
+                      <a:pPr marL="0" algn="l" defTabSz="2138324" rtl="0" eaLnBrk="1" latinLnBrk="0" hangingPunct="1">
+                        <a:lnSpc>
+                          <a:spcPct val="106000"/>
+                        </a:lnSpc>
+                        <a:spcAft>
+                          <a:spcPts val="0"/>
+                        </a:spcAft>
+                      </a:pPr>
+                      <a:r>
+                        <a:rPr lang="en-US" sz="3000" b="0" kern="1200" dirty="0">
+                          <a:effectLst/>
+                        </a:rPr>
+                        <a:t>Physical specifications</a:t>
+                      </a:r>
+                      <a:endParaRPr lang="tr-TR" sz="3000" b="0" kern="1200" dirty="0">
+                        <a:solidFill>
+                          <a:schemeClr val="tx1"/>
+                        </a:solidFill>
+                        <a:effectLst/>
+                        <a:latin typeface="+mn-lt"/>
+                        <a:ea typeface="+mn-ea"/>
+                        <a:cs typeface="+mn-cs"/>
+                      </a:endParaRPr>
+                    </a:p>
+                  </a:txBody>
+                  <a:tcPr marL="68580" marR="68580" marT="0" marB="0">
+                    <a:lnL w="12700" cap="flat" cmpd="sng" algn="ctr">
+                      <a:solidFill>
+                        <a:schemeClr val="accent2"/>
+                      </a:solidFill>
+                      <a:prstDash val="solid"/>
+                      <a:round/>
+                      <a:headEnd type="none" w="med" len="med"/>
+                      <a:tailEnd type="none" w="med" len="med"/>
+                    </a:lnL>
+                    <a:lnR w="12700" cap="flat" cmpd="sng" algn="ctr">
+                      <a:solidFill>
+                        <a:schemeClr val="accent2"/>
+                      </a:solidFill>
+                      <a:prstDash val="solid"/>
+                      <a:round/>
+                      <a:headEnd type="none" w="med" len="med"/>
+                      <a:tailEnd type="none" w="med" len="med"/>
+                    </a:lnR>
+                    <a:lnT w="12700" cap="flat" cmpd="sng" algn="ctr">
+                      <a:solidFill>
+                        <a:schemeClr val="accent2"/>
+                      </a:solidFill>
+                      <a:prstDash val="solid"/>
+                      <a:round/>
+                      <a:headEnd type="none" w="med" len="med"/>
+                      <a:tailEnd type="none" w="med" len="med"/>
+                    </a:lnT>
+                    <a:lnB w="12700" cap="flat" cmpd="sng" algn="ctr">
+                      <a:solidFill>
+                        <a:schemeClr val="accent2"/>
+                      </a:solidFill>
+                      <a:prstDash val="solid"/>
+                      <a:round/>
+                      <a:headEnd type="none" w="med" len="med"/>
+                      <a:tailEnd type="none" w="med" len="med"/>
+                    </a:lnB>
+                    <a:lnTlToBr w="12700" cmpd="sng">
+                      <a:noFill/>
+                      <a:prstDash val="solid"/>
+                    </a:lnTlToBr>
+                    <a:lnBlToTr w="12700" cmpd="sng">
+                      <a:noFill/>
+                      <a:prstDash val="solid"/>
+                    </a:lnBlToTr>
+                    <a:solidFill>
+                      <a:schemeClr val="bg1"/>
+                    </a:solidFill>
+                  </a:tcPr>
+                </a:tc>
+                <a:tc>
+                  <a:txBody>
+                    <a:bodyPr/>
+                    <a:lstStyle/>
+                    <a:p>
+                      <a:pPr marL="0" algn="r" defTabSz="2138324" rtl="0" eaLnBrk="1" latinLnBrk="0" hangingPunct="1">
+                        <a:lnSpc>
+                          <a:spcPct val="106000"/>
+                        </a:lnSpc>
+                        <a:spcAft>
+                          <a:spcPts val="0"/>
+                        </a:spcAft>
+                      </a:pPr>
+                      <a:r>
+                        <a:rPr lang="en-US" sz="3000" kern="1200" dirty="0">
+                          <a:effectLst/>
+                        </a:rPr>
+                        <a:t> </a:t>
+                      </a:r>
+                      <a:endParaRPr lang="tr-TR" sz="3000" b="1" kern="1200" dirty="0">
+                        <a:solidFill>
+                          <a:schemeClr val="tx1"/>
+                        </a:solidFill>
+                        <a:effectLst/>
+                        <a:latin typeface="+mn-lt"/>
+                        <a:ea typeface="+mn-ea"/>
+                        <a:cs typeface="+mn-cs"/>
+                      </a:endParaRPr>
+                    </a:p>
+                  </a:txBody>
+                  <a:tcPr marL="68580" marR="68580" marT="0" marB="0">
+                    <a:lnL w="12700" cap="flat" cmpd="sng" algn="ctr">
+                      <a:solidFill>
+                        <a:schemeClr val="accent2"/>
+                      </a:solidFill>
+                      <a:prstDash val="solid"/>
+                      <a:round/>
+                      <a:headEnd type="none" w="med" len="med"/>
+                      <a:tailEnd type="none" w="med" len="med"/>
+                    </a:lnL>
+                    <a:lnR w="12700" cap="flat" cmpd="sng" algn="ctr">
+                      <a:solidFill>
+                        <a:schemeClr val="accent2"/>
+                      </a:solidFill>
+                      <a:prstDash val="solid"/>
+                      <a:round/>
+                      <a:headEnd type="none" w="med" len="med"/>
+                      <a:tailEnd type="none" w="med" len="med"/>
+                    </a:lnR>
+                    <a:lnT w="12700" cap="flat" cmpd="sng" algn="ctr">
+                      <a:solidFill>
+                        <a:schemeClr val="accent2"/>
+                      </a:solidFill>
+                      <a:prstDash val="solid"/>
+                      <a:round/>
+                      <a:headEnd type="none" w="med" len="med"/>
+                      <a:tailEnd type="none" w="med" len="med"/>
+                    </a:lnT>
+                    <a:lnB w="12700" cap="flat" cmpd="sng" algn="ctr">
+                      <a:solidFill>
+                        <a:schemeClr val="accent2"/>
+                      </a:solidFill>
+                      <a:prstDash val="solid"/>
+                      <a:round/>
+                      <a:headEnd type="none" w="med" len="med"/>
+                      <a:tailEnd type="none" w="med" len="med"/>
+                    </a:lnB>
+                    <a:lnTlToBr w="12700" cmpd="sng">
+                      <a:noFill/>
+                      <a:prstDash val="solid"/>
+                    </a:lnTlToBr>
+                    <a:lnBlToTr w="12700" cmpd="sng">
+                      <a:noFill/>
+                      <a:prstDash val="solid"/>
+                    </a:lnBlToTr>
+                    <a:solidFill>
+                      <a:schemeClr val="bg1"/>
+                    </a:solidFill>
+                  </a:tcPr>
+                </a:tc>
+                <a:extLst>
+                  <a:ext uri="{0D108BD9-81ED-4DB2-BD59-A6C34878D82A}">
+                    <a16:rowId xmlns:a16="http://schemas.microsoft.com/office/drawing/2014/main" val="3737850577"/>
+                  </a:ext>
+                </a:extLst>
+              </a:tr>
+              <a:tr h="0">
+                <a:tc>
+                  <a:txBody>
+                    <a:bodyPr/>
+                    <a:lstStyle/>
+                    <a:p>
+                      <a:pPr marL="0" algn="r" defTabSz="2138324" rtl="0" eaLnBrk="1" latinLnBrk="0" hangingPunct="1">
+                        <a:lnSpc>
+                          <a:spcPct val="106000"/>
+                        </a:lnSpc>
+                        <a:spcAft>
+                          <a:spcPts val="0"/>
+                        </a:spcAft>
+                      </a:pPr>
+                      <a:r>
+                        <a:rPr lang="tr-TR" sz="3000" b="0" kern="1200" dirty="0">
+                          <a:solidFill>
+                            <a:schemeClr val="tx1"/>
+                          </a:solidFill>
+                          <a:effectLst/>
+                          <a:latin typeface="+mn-lt"/>
+                          <a:ea typeface="+mn-ea"/>
+                          <a:cs typeface="+mn-cs"/>
+                        </a:rPr>
+                        <a:t>Size</a:t>
+                      </a:r>
+                    </a:p>
+                  </a:txBody>
+                  <a:tcPr marL="68580" marR="68580" marT="0" marB="0">
+                    <a:lnL w="12700" cap="flat" cmpd="sng" algn="ctr">
+                      <a:solidFill>
+                        <a:schemeClr val="accent2"/>
+                      </a:solidFill>
+                      <a:prstDash val="solid"/>
+                      <a:round/>
+                      <a:headEnd type="none" w="med" len="med"/>
+                      <a:tailEnd type="none" w="med" len="med"/>
+                    </a:lnL>
+                    <a:lnR w="12700" cap="flat" cmpd="sng" algn="ctr">
+                      <a:solidFill>
+                        <a:schemeClr val="accent2"/>
+                      </a:solidFill>
+                      <a:prstDash val="solid"/>
+                      <a:round/>
+                      <a:headEnd type="none" w="med" len="med"/>
+                      <a:tailEnd type="none" w="med" len="med"/>
+                    </a:lnR>
+                    <a:lnT w="12700" cap="flat" cmpd="sng" algn="ctr">
+                      <a:solidFill>
+                        <a:schemeClr val="accent2"/>
+                      </a:solidFill>
+                      <a:prstDash val="solid"/>
+                      <a:round/>
+                      <a:headEnd type="none" w="med" len="med"/>
+                      <a:tailEnd type="none" w="med" len="med"/>
+                    </a:lnT>
+                    <a:lnB w="12700" cap="flat" cmpd="sng" algn="ctr">
+                      <a:solidFill>
+                        <a:schemeClr val="accent2"/>
+                      </a:solidFill>
+                      <a:prstDash val="solid"/>
+                      <a:round/>
+                      <a:headEnd type="none" w="med" len="med"/>
+                      <a:tailEnd type="none" w="med" len="med"/>
+                    </a:lnB>
+                    <a:lnTlToBr w="12700" cmpd="sng">
+                      <a:noFill/>
+                      <a:prstDash val="solid"/>
+                    </a:lnTlToBr>
+                    <a:lnBlToTr w="12700" cmpd="sng">
+                      <a:noFill/>
+                      <a:prstDash val="solid"/>
+                    </a:lnBlToTr>
+                    <a:solidFill>
+                      <a:schemeClr val="bg1"/>
+                    </a:solidFill>
+                  </a:tcPr>
+                </a:tc>
+                <a:tc>
+                  <a:txBody>
+                    <a:bodyPr/>
+                    <a:lstStyle/>
+                    <a:p>
+                      <a:pPr marL="0" algn="r" defTabSz="2138324" rtl="0" eaLnBrk="1" latinLnBrk="0" hangingPunct="1">
+                        <a:lnSpc>
+                          <a:spcPct val="106000"/>
+                        </a:lnSpc>
+                        <a:spcAft>
+                          <a:spcPts val="0"/>
+                        </a:spcAft>
+                      </a:pPr>
+                      <a:r>
+                        <a:rPr lang="en-US" sz="3000" kern="1200" dirty="0">
+                          <a:effectLst/>
+                        </a:rPr>
+                        <a:t> </a:t>
+                      </a:r>
+                      <a:endParaRPr lang="tr-TR" sz="3000" b="1" kern="1200" dirty="0">
+                        <a:solidFill>
+                          <a:schemeClr val="tx1"/>
+                        </a:solidFill>
+                        <a:effectLst/>
+                        <a:latin typeface="+mn-lt"/>
+                        <a:ea typeface="+mn-ea"/>
+                        <a:cs typeface="+mn-cs"/>
+                      </a:endParaRPr>
+                    </a:p>
+                  </a:txBody>
+                  <a:tcPr marL="68580" marR="68580" marT="0" marB="0">
+                    <a:lnL w="12700" cap="flat" cmpd="sng" algn="ctr">
+                      <a:solidFill>
+                        <a:schemeClr val="accent2"/>
+                      </a:solidFill>
+                      <a:prstDash val="solid"/>
+                      <a:round/>
+                      <a:headEnd type="none" w="med" len="med"/>
+                      <a:tailEnd type="none" w="med" len="med"/>
+                    </a:lnL>
+                    <a:lnR w="12700" cap="flat" cmpd="sng" algn="ctr">
+                      <a:solidFill>
+                        <a:schemeClr val="accent2"/>
+                      </a:solidFill>
+                      <a:prstDash val="solid"/>
+                      <a:round/>
+                      <a:headEnd type="none" w="med" len="med"/>
+                      <a:tailEnd type="none" w="med" len="med"/>
+                    </a:lnR>
+                    <a:lnT w="12700" cap="flat" cmpd="sng" algn="ctr">
+                      <a:solidFill>
+                        <a:schemeClr val="accent2"/>
+                      </a:solidFill>
+                      <a:prstDash val="solid"/>
+                      <a:round/>
+                      <a:headEnd type="none" w="med" len="med"/>
+                      <a:tailEnd type="none" w="med" len="med"/>
+                    </a:lnT>
+                    <a:lnB w="12700" cap="flat" cmpd="sng" algn="ctr">
+                      <a:solidFill>
+                        <a:schemeClr val="accent2"/>
+                      </a:solidFill>
+                      <a:prstDash val="solid"/>
+                      <a:round/>
+                      <a:headEnd type="none" w="med" len="med"/>
+                      <a:tailEnd type="none" w="med" len="med"/>
+                    </a:lnB>
+                    <a:lnTlToBr w="12700" cmpd="sng">
+                      <a:noFill/>
+                      <a:prstDash val="solid"/>
+                    </a:lnTlToBr>
+                    <a:lnBlToTr w="12700" cmpd="sng">
+                      <a:noFill/>
+                      <a:prstDash val="solid"/>
+                    </a:lnBlToTr>
+                    <a:solidFill>
+                      <a:schemeClr val="bg1"/>
+                    </a:solidFill>
+                  </a:tcPr>
+                </a:tc>
+                <a:extLst>
+                  <a:ext uri="{0D108BD9-81ED-4DB2-BD59-A6C34878D82A}">
+                    <a16:rowId xmlns:a16="http://schemas.microsoft.com/office/drawing/2014/main" val="2987050130"/>
+                  </a:ext>
+                </a:extLst>
+              </a:tr>
+              <a:tr h="0">
+                <a:tc>
+                  <a:txBody>
+                    <a:bodyPr/>
+                    <a:lstStyle/>
+                    <a:p>
+                      <a:pPr marL="0" algn="r" defTabSz="2138324" rtl="0" eaLnBrk="1" latinLnBrk="0" hangingPunct="1">
+                        <a:lnSpc>
+                          <a:spcPct val="106000"/>
+                        </a:lnSpc>
+                        <a:spcAft>
+                          <a:spcPts val="0"/>
+                        </a:spcAft>
+                      </a:pPr>
+                      <a:r>
+                        <a:rPr lang="en-US" sz="3000" b="0" kern="1200" dirty="0">
+                          <a:effectLst/>
+                        </a:rPr>
+                        <a:t>Weight</a:t>
+                      </a:r>
+                      <a:endParaRPr lang="tr-TR" sz="3000" b="0" kern="1200" dirty="0">
+                        <a:solidFill>
+                          <a:schemeClr val="tx1"/>
+                        </a:solidFill>
+                        <a:effectLst/>
+                        <a:latin typeface="+mn-lt"/>
+                        <a:ea typeface="+mn-ea"/>
+                        <a:cs typeface="+mn-cs"/>
+                      </a:endParaRPr>
+                    </a:p>
+                  </a:txBody>
+                  <a:tcPr marL="68580" marR="68580" marT="0" marB="0">
+                    <a:lnL w="12700" cap="flat" cmpd="sng" algn="ctr">
+                      <a:solidFill>
+                        <a:schemeClr val="accent2"/>
+                      </a:solidFill>
+                      <a:prstDash val="solid"/>
+                      <a:round/>
+                      <a:headEnd type="none" w="med" len="med"/>
+                      <a:tailEnd type="none" w="med" len="med"/>
+                    </a:lnL>
+                    <a:lnR w="12700" cap="flat" cmpd="sng" algn="ctr">
+                      <a:solidFill>
+                        <a:schemeClr val="accent2"/>
+                      </a:solidFill>
+                      <a:prstDash val="solid"/>
+                      <a:round/>
+                      <a:headEnd type="none" w="med" len="med"/>
+                      <a:tailEnd type="none" w="med" len="med"/>
+                    </a:lnR>
+                    <a:lnT w="12700" cap="flat" cmpd="sng" algn="ctr">
+                      <a:solidFill>
+                        <a:schemeClr val="accent2"/>
+                      </a:solidFill>
+                      <a:prstDash val="solid"/>
+                      <a:round/>
+                      <a:headEnd type="none" w="med" len="med"/>
+                      <a:tailEnd type="none" w="med" len="med"/>
+                    </a:lnT>
+                    <a:lnB w="12700" cap="flat" cmpd="sng" algn="ctr">
+                      <a:solidFill>
+                        <a:schemeClr val="accent2"/>
+                      </a:solidFill>
+                      <a:prstDash val="solid"/>
+                      <a:round/>
+                      <a:headEnd type="none" w="med" len="med"/>
+                      <a:tailEnd type="none" w="med" len="med"/>
+                    </a:lnB>
+                    <a:lnTlToBr w="12700" cmpd="sng">
+                      <a:noFill/>
+                      <a:prstDash val="solid"/>
+                    </a:lnTlToBr>
+                    <a:lnBlToTr w="12700" cmpd="sng">
+                      <a:noFill/>
+                      <a:prstDash val="solid"/>
+                    </a:lnBlToTr>
+                    <a:solidFill>
+                      <a:schemeClr val="bg1"/>
+                    </a:solidFill>
+                  </a:tcPr>
+                </a:tc>
+                <a:tc>
+                  <a:txBody>
+                    <a:bodyPr/>
+                    <a:lstStyle/>
+                    <a:p>
+                      <a:pPr marL="0" algn="r" defTabSz="2138324" rtl="0" eaLnBrk="1" latinLnBrk="0" hangingPunct="1">
+                        <a:lnSpc>
+                          <a:spcPct val="106000"/>
+                        </a:lnSpc>
+                        <a:spcAft>
+                          <a:spcPts val="0"/>
+                        </a:spcAft>
+                      </a:pPr>
+                      <a:r>
+                        <a:rPr lang="en-US" sz="3000" kern="1200" dirty="0">
+                          <a:effectLst/>
+                        </a:rPr>
+                        <a:t> </a:t>
+                      </a:r>
+                      <a:endParaRPr lang="tr-TR" sz="3000" b="1" kern="1200" dirty="0">
+                        <a:solidFill>
+                          <a:schemeClr val="tx1"/>
+                        </a:solidFill>
+                        <a:effectLst/>
+                        <a:latin typeface="+mn-lt"/>
+                        <a:ea typeface="+mn-ea"/>
+                        <a:cs typeface="+mn-cs"/>
+                      </a:endParaRPr>
+                    </a:p>
+                  </a:txBody>
+                  <a:tcPr marL="68580" marR="68580" marT="0" marB="0">
+                    <a:lnL w="12700" cap="flat" cmpd="sng" algn="ctr">
+                      <a:solidFill>
+                        <a:schemeClr val="accent2"/>
+                      </a:solidFill>
+                      <a:prstDash val="solid"/>
+                      <a:round/>
+                      <a:headEnd type="none" w="med" len="med"/>
+                      <a:tailEnd type="none" w="med" len="med"/>
+                    </a:lnL>
+                    <a:lnR w="12700" cap="flat" cmpd="sng" algn="ctr">
+                      <a:solidFill>
+                        <a:schemeClr val="accent2"/>
+                      </a:solidFill>
+                      <a:prstDash val="solid"/>
+                      <a:round/>
+                      <a:headEnd type="none" w="med" len="med"/>
+                      <a:tailEnd type="none" w="med" len="med"/>
+                    </a:lnR>
+                    <a:lnT w="12700" cap="flat" cmpd="sng" algn="ctr">
+                      <a:solidFill>
+                        <a:schemeClr val="accent2"/>
+                      </a:solidFill>
+                      <a:prstDash val="solid"/>
+                      <a:round/>
+                      <a:headEnd type="none" w="med" len="med"/>
+                      <a:tailEnd type="none" w="med" len="med"/>
+                    </a:lnT>
+                    <a:lnB w="12700" cap="flat" cmpd="sng" algn="ctr">
+                      <a:solidFill>
+                        <a:schemeClr val="accent2"/>
+                      </a:solidFill>
+                      <a:prstDash val="solid"/>
+                      <a:round/>
+                      <a:headEnd type="none" w="med" len="med"/>
+                      <a:tailEnd type="none" w="med" len="med"/>
+                    </a:lnB>
+                    <a:lnTlToBr w="12700" cmpd="sng">
+                      <a:noFill/>
+                      <a:prstDash val="solid"/>
+                    </a:lnTlToBr>
+                    <a:lnBlToTr w="12700" cmpd="sng">
+                      <a:noFill/>
+                      <a:prstDash val="solid"/>
+                    </a:lnBlToTr>
+                    <a:solidFill>
+                      <a:schemeClr val="bg1"/>
+                    </a:solidFill>
+                  </a:tcPr>
+                </a:tc>
+                <a:extLst>
+                  <a:ext uri="{0D108BD9-81ED-4DB2-BD59-A6C34878D82A}">
+                    <a16:rowId xmlns:a16="http://schemas.microsoft.com/office/drawing/2014/main" val="4234202644"/>
+                  </a:ext>
+                </a:extLst>
+              </a:tr>
+              <a:tr h="108200">
+                <a:tc>
+                  <a:txBody>
+                    <a:bodyPr/>
+                    <a:lstStyle/>
+                    <a:p>
+                      <a:pPr marL="0" algn="l" defTabSz="2138324" rtl="0" eaLnBrk="1" latinLnBrk="0" hangingPunct="1">
+                        <a:lnSpc>
+                          <a:spcPct val="106000"/>
+                        </a:lnSpc>
+                        <a:spcAft>
+                          <a:spcPts val="0"/>
+                        </a:spcAft>
+                      </a:pPr>
+                      <a:r>
+                        <a:rPr lang="en-US" sz="3000" b="0" kern="1200" dirty="0">
+                          <a:effectLst/>
+                        </a:rPr>
+                        <a:t>Power Specifications</a:t>
+                      </a:r>
+                      <a:endParaRPr lang="tr-TR" sz="3000" b="0" kern="1200" dirty="0">
+                        <a:solidFill>
+                          <a:schemeClr val="tx1"/>
+                        </a:solidFill>
+                        <a:effectLst/>
+                        <a:latin typeface="+mn-lt"/>
+                        <a:ea typeface="+mn-ea"/>
+                        <a:cs typeface="+mn-cs"/>
+                      </a:endParaRPr>
+                    </a:p>
+                  </a:txBody>
+                  <a:tcPr marL="68580" marR="68580" marT="0" marB="0">
+                    <a:lnL w="12700" cap="flat" cmpd="sng" algn="ctr">
+                      <a:solidFill>
+                        <a:schemeClr val="accent2"/>
+                      </a:solidFill>
+                      <a:prstDash val="solid"/>
+                      <a:round/>
+                      <a:headEnd type="none" w="med" len="med"/>
+                      <a:tailEnd type="none" w="med" len="med"/>
+                    </a:lnL>
+                    <a:lnR w="12700" cap="flat" cmpd="sng" algn="ctr">
+                      <a:solidFill>
+                        <a:schemeClr val="accent2"/>
+                      </a:solidFill>
+                      <a:prstDash val="solid"/>
+                      <a:round/>
+                      <a:headEnd type="none" w="med" len="med"/>
+                      <a:tailEnd type="none" w="med" len="med"/>
+                    </a:lnR>
+                    <a:lnT w="12700" cap="flat" cmpd="sng" algn="ctr">
+                      <a:solidFill>
+                        <a:schemeClr val="accent2"/>
+                      </a:solidFill>
+                      <a:prstDash val="solid"/>
+                      <a:round/>
+                      <a:headEnd type="none" w="med" len="med"/>
+                      <a:tailEnd type="none" w="med" len="med"/>
+                    </a:lnT>
+                    <a:lnB w="12700" cap="flat" cmpd="sng" algn="ctr">
+                      <a:solidFill>
+                        <a:schemeClr val="accent2"/>
+                      </a:solidFill>
+                      <a:prstDash val="solid"/>
+                      <a:round/>
+                      <a:headEnd type="none" w="med" len="med"/>
+                      <a:tailEnd type="none" w="med" len="med"/>
+                    </a:lnB>
+                    <a:lnTlToBr w="12700" cmpd="sng">
+                      <a:noFill/>
+                      <a:prstDash val="solid"/>
+                    </a:lnTlToBr>
+                    <a:lnBlToTr w="12700" cmpd="sng">
+                      <a:noFill/>
+                      <a:prstDash val="solid"/>
+                    </a:lnBlToTr>
+                    <a:solidFill>
+                      <a:schemeClr val="bg1"/>
+                    </a:solidFill>
+                  </a:tcPr>
+                </a:tc>
+                <a:tc>
+                  <a:txBody>
+                    <a:bodyPr/>
+                    <a:lstStyle/>
+                    <a:p>
+                      <a:pPr marL="0" algn="r" defTabSz="2138324" rtl="0" eaLnBrk="1" latinLnBrk="0" hangingPunct="1">
+                        <a:lnSpc>
+                          <a:spcPct val="106000"/>
+                        </a:lnSpc>
+                        <a:spcAft>
+                          <a:spcPts val="0"/>
+                        </a:spcAft>
+                      </a:pPr>
+                      <a:r>
+                        <a:rPr lang="en-US" sz="3000" b="0" kern="1200" dirty="0">
+                          <a:effectLst/>
+                        </a:rPr>
+                        <a:t> </a:t>
+                      </a:r>
+                      <a:endParaRPr lang="tr-TR" sz="3000" b="0" kern="1200" dirty="0">
+                        <a:solidFill>
+                          <a:schemeClr val="tx1"/>
+                        </a:solidFill>
+                        <a:effectLst/>
+                        <a:latin typeface="+mn-lt"/>
+                        <a:ea typeface="+mn-ea"/>
+                        <a:cs typeface="+mn-cs"/>
+                      </a:endParaRPr>
+                    </a:p>
+                  </a:txBody>
+                  <a:tcPr marL="68580" marR="68580" marT="0" marB="0">
+                    <a:lnL w="12700" cap="flat" cmpd="sng" algn="ctr">
+                      <a:solidFill>
+                        <a:schemeClr val="accent2"/>
+                      </a:solidFill>
+                      <a:prstDash val="solid"/>
+                      <a:round/>
+                      <a:headEnd type="none" w="med" len="med"/>
+                      <a:tailEnd type="none" w="med" len="med"/>
+                    </a:lnL>
+                    <a:lnR w="12700" cap="flat" cmpd="sng" algn="ctr">
+                      <a:solidFill>
+                        <a:schemeClr val="accent2"/>
+                      </a:solidFill>
+                      <a:prstDash val="solid"/>
+                      <a:round/>
+                      <a:headEnd type="none" w="med" len="med"/>
+                      <a:tailEnd type="none" w="med" len="med"/>
+                    </a:lnR>
+                    <a:lnT w="12700" cap="flat" cmpd="sng" algn="ctr">
+                      <a:solidFill>
+                        <a:schemeClr val="accent2"/>
+                      </a:solidFill>
+                      <a:prstDash val="solid"/>
+                      <a:round/>
+                      <a:headEnd type="none" w="med" len="med"/>
+                      <a:tailEnd type="none" w="med" len="med"/>
+                    </a:lnT>
+                    <a:lnB w="12700" cap="flat" cmpd="sng" algn="ctr">
+                      <a:solidFill>
+                        <a:schemeClr val="accent2"/>
+                      </a:solidFill>
+                      <a:prstDash val="solid"/>
+                      <a:round/>
+                      <a:headEnd type="none" w="med" len="med"/>
+                      <a:tailEnd type="none" w="med" len="med"/>
+                    </a:lnB>
+                    <a:lnTlToBr w="12700" cmpd="sng">
+                      <a:noFill/>
+                      <a:prstDash val="solid"/>
+                    </a:lnTlToBr>
+                    <a:lnBlToTr w="12700" cmpd="sng">
+                      <a:noFill/>
+                      <a:prstDash val="solid"/>
+                    </a:lnBlToTr>
+                    <a:solidFill>
+                      <a:schemeClr val="bg1"/>
+                    </a:solidFill>
+                  </a:tcPr>
+                </a:tc>
+                <a:extLst>
+                  <a:ext uri="{0D108BD9-81ED-4DB2-BD59-A6C34878D82A}">
+                    <a16:rowId xmlns:a16="http://schemas.microsoft.com/office/drawing/2014/main" val="2872124409"/>
+                  </a:ext>
+                </a:extLst>
+              </a:tr>
+              <a:tr h="0">
+                <a:tc>
+                  <a:txBody>
+                    <a:bodyPr/>
+                    <a:lstStyle/>
+                    <a:p>
+                      <a:pPr marL="0" algn="r" defTabSz="2138324" rtl="0" eaLnBrk="1" latinLnBrk="0" hangingPunct="1">
+                        <a:lnSpc>
+                          <a:spcPct val="106000"/>
+                        </a:lnSpc>
+                        <a:spcAft>
+                          <a:spcPts val="0"/>
+                        </a:spcAft>
+                      </a:pPr>
+                      <a:r>
+                        <a:rPr lang="en-US" sz="3000" b="0" kern="1200" dirty="0">
+                          <a:effectLst/>
+                        </a:rPr>
+                        <a:t>Idle Power</a:t>
+                      </a:r>
+                      <a:endParaRPr lang="tr-TR" sz="3000" b="0" kern="1200" dirty="0">
+                        <a:solidFill>
+                          <a:schemeClr val="tx1"/>
+                        </a:solidFill>
+                        <a:effectLst/>
+                        <a:latin typeface="+mn-lt"/>
+                        <a:ea typeface="+mn-ea"/>
+                        <a:cs typeface="+mn-cs"/>
+                      </a:endParaRPr>
+                    </a:p>
+                  </a:txBody>
+                  <a:tcPr marL="68580" marR="68580" marT="0" marB="0">
+                    <a:lnL w="12700" cap="flat" cmpd="sng" algn="ctr">
+                      <a:solidFill>
+                        <a:schemeClr val="accent2"/>
+                      </a:solidFill>
+                      <a:prstDash val="solid"/>
+                      <a:round/>
+                      <a:headEnd type="none" w="med" len="med"/>
+                      <a:tailEnd type="none" w="med" len="med"/>
+                    </a:lnL>
+                    <a:lnR w="12700" cap="flat" cmpd="sng" algn="ctr">
+                      <a:solidFill>
+                        <a:schemeClr val="accent2"/>
+                      </a:solidFill>
+                      <a:prstDash val="solid"/>
+                      <a:round/>
+                      <a:headEnd type="none" w="med" len="med"/>
+                      <a:tailEnd type="none" w="med" len="med"/>
+                    </a:lnR>
+                    <a:lnT w="12700" cap="flat" cmpd="sng" algn="ctr">
+                      <a:solidFill>
+                        <a:schemeClr val="accent2"/>
+                      </a:solidFill>
+                      <a:prstDash val="solid"/>
+                      <a:round/>
+                      <a:headEnd type="none" w="med" len="med"/>
+                      <a:tailEnd type="none" w="med" len="med"/>
+                    </a:lnT>
+                    <a:lnB w="12700" cap="flat" cmpd="sng" algn="ctr">
+                      <a:solidFill>
+                        <a:schemeClr val="accent2"/>
+                      </a:solidFill>
+                      <a:prstDash val="solid"/>
+                      <a:round/>
+                      <a:headEnd type="none" w="med" len="med"/>
+                      <a:tailEnd type="none" w="med" len="med"/>
+                    </a:lnB>
+                    <a:lnTlToBr w="12700" cmpd="sng">
+                      <a:noFill/>
+                      <a:prstDash val="solid"/>
+                    </a:lnTlToBr>
+                    <a:lnBlToTr w="12700" cmpd="sng">
+                      <a:noFill/>
+                      <a:prstDash val="solid"/>
+                    </a:lnBlToTr>
+                    <a:solidFill>
+                      <a:schemeClr val="bg1"/>
+                    </a:solidFill>
+                  </a:tcPr>
+                </a:tc>
+                <a:tc>
+                  <a:txBody>
+                    <a:bodyPr/>
+                    <a:lstStyle/>
+                    <a:p>
+                      <a:pPr marL="0" algn="r" defTabSz="2138324" rtl="0" eaLnBrk="1" latinLnBrk="0" hangingPunct="1">
+                        <a:lnSpc>
+                          <a:spcPct val="106000"/>
+                        </a:lnSpc>
+                        <a:spcAft>
+                          <a:spcPts val="0"/>
+                        </a:spcAft>
+                      </a:pPr>
+                      <a:r>
+                        <a:rPr lang="en-US" sz="3000" b="0" kern="1200" dirty="0">
+                          <a:effectLst/>
+                        </a:rPr>
+                        <a:t> </a:t>
+                      </a:r>
+                      <a:endParaRPr lang="tr-TR" sz="3000" b="0" kern="1200" dirty="0">
+                        <a:solidFill>
+                          <a:schemeClr val="tx1"/>
+                        </a:solidFill>
+                        <a:effectLst/>
+                        <a:latin typeface="+mn-lt"/>
+                        <a:ea typeface="+mn-ea"/>
+                        <a:cs typeface="+mn-cs"/>
+                      </a:endParaRPr>
+                    </a:p>
+                  </a:txBody>
+                  <a:tcPr marL="68580" marR="68580" marT="0" marB="0">
+                    <a:lnL w="12700" cap="flat" cmpd="sng" algn="ctr">
+                      <a:solidFill>
+                        <a:schemeClr val="accent2"/>
+                      </a:solidFill>
+                      <a:prstDash val="solid"/>
+                      <a:round/>
+                      <a:headEnd type="none" w="med" len="med"/>
+                      <a:tailEnd type="none" w="med" len="med"/>
+                    </a:lnL>
+                    <a:lnR w="12700" cap="flat" cmpd="sng" algn="ctr">
+                      <a:solidFill>
+                        <a:schemeClr val="accent2"/>
+                      </a:solidFill>
+                      <a:prstDash val="solid"/>
+                      <a:round/>
+                      <a:headEnd type="none" w="med" len="med"/>
+                      <a:tailEnd type="none" w="med" len="med"/>
+                    </a:lnR>
+                    <a:lnT w="12700" cap="flat" cmpd="sng" algn="ctr">
+                      <a:solidFill>
+                        <a:schemeClr val="accent2"/>
+                      </a:solidFill>
+                      <a:prstDash val="solid"/>
+                      <a:round/>
+                      <a:headEnd type="none" w="med" len="med"/>
+                      <a:tailEnd type="none" w="med" len="med"/>
+                    </a:lnT>
+                    <a:lnB w="12700" cap="flat" cmpd="sng" algn="ctr">
+                      <a:solidFill>
+                        <a:schemeClr val="accent2"/>
+                      </a:solidFill>
+                      <a:prstDash val="solid"/>
+                      <a:round/>
+                      <a:headEnd type="none" w="med" len="med"/>
+                      <a:tailEnd type="none" w="med" len="med"/>
+                    </a:lnB>
+                    <a:lnTlToBr w="12700" cmpd="sng">
+                      <a:noFill/>
+                      <a:prstDash val="solid"/>
+                    </a:lnTlToBr>
+                    <a:lnBlToTr w="12700" cmpd="sng">
+                      <a:noFill/>
+                      <a:prstDash val="solid"/>
+                    </a:lnBlToTr>
+                    <a:solidFill>
+                      <a:schemeClr val="bg1"/>
+                    </a:solidFill>
+                  </a:tcPr>
+                </a:tc>
+                <a:extLst>
+                  <a:ext uri="{0D108BD9-81ED-4DB2-BD59-A6C34878D82A}">
+                    <a16:rowId xmlns:a16="http://schemas.microsoft.com/office/drawing/2014/main" val="79325875"/>
+                  </a:ext>
+                </a:extLst>
+              </a:tr>
+              <a:tr h="0">
+                <a:tc>
+                  <a:txBody>
+                    <a:bodyPr/>
+                    <a:lstStyle/>
+                    <a:p>
+                      <a:pPr marL="0" algn="r" defTabSz="2138324" rtl="0" eaLnBrk="1" latinLnBrk="0" hangingPunct="1">
+                        <a:lnSpc>
+                          <a:spcPct val="106000"/>
+                        </a:lnSpc>
+                        <a:spcAft>
+                          <a:spcPts val="0"/>
+                        </a:spcAft>
+                      </a:pPr>
+                      <a:r>
+                        <a:rPr lang="en-US" sz="3000" b="0" kern="1200" dirty="0">
+                          <a:effectLst/>
+                        </a:rPr>
+                        <a:t>Max Power</a:t>
+                      </a:r>
+                      <a:endParaRPr lang="tr-TR" sz="3000" b="0" kern="1200" dirty="0">
+                        <a:solidFill>
+                          <a:schemeClr val="tx1"/>
+                        </a:solidFill>
+                        <a:effectLst/>
+                        <a:latin typeface="+mn-lt"/>
+                        <a:ea typeface="+mn-ea"/>
+                        <a:cs typeface="+mn-cs"/>
+                      </a:endParaRPr>
+                    </a:p>
+                  </a:txBody>
+                  <a:tcPr marL="68580" marR="68580" marT="0" marB="0">
+                    <a:lnL w="12700" cap="flat" cmpd="sng" algn="ctr">
+                      <a:solidFill>
+                        <a:schemeClr val="accent2"/>
+                      </a:solidFill>
+                      <a:prstDash val="solid"/>
+                      <a:round/>
+                      <a:headEnd type="none" w="med" len="med"/>
+                      <a:tailEnd type="none" w="med" len="med"/>
+                    </a:lnL>
+                    <a:lnR w="12700" cap="flat" cmpd="sng" algn="ctr">
+                      <a:solidFill>
+                        <a:schemeClr val="accent2"/>
+                      </a:solidFill>
+                      <a:prstDash val="solid"/>
+                      <a:round/>
+                      <a:headEnd type="none" w="med" len="med"/>
+                      <a:tailEnd type="none" w="med" len="med"/>
+                    </a:lnR>
+                    <a:lnT w="12700" cap="flat" cmpd="sng" algn="ctr">
+                      <a:solidFill>
+                        <a:schemeClr val="accent2"/>
+                      </a:solidFill>
+                      <a:prstDash val="solid"/>
+                      <a:round/>
+                      <a:headEnd type="none" w="med" len="med"/>
+                      <a:tailEnd type="none" w="med" len="med"/>
+                    </a:lnT>
+                    <a:lnB w="12700" cap="flat" cmpd="sng" algn="ctr">
+                      <a:solidFill>
+                        <a:schemeClr val="accent2"/>
+                      </a:solidFill>
+                      <a:prstDash val="solid"/>
+                      <a:round/>
+                      <a:headEnd type="none" w="med" len="med"/>
+                      <a:tailEnd type="none" w="med" len="med"/>
+                    </a:lnB>
+                    <a:lnTlToBr w="12700" cmpd="sng">
+                      <a:noFill/>
+                      <a:prstDash val="solid"/>
+                    </a:lnTlToBr>
+                    <a:lnBlToTr w="12700" cmpd="sng">
+                      <a:noFill/>
+                      <a:prstDash val="solid"/>
+                    </a:lnBlToTr>
+                    <a:solidFill>
+                      <a:schemeClr val="bg1"/>
+                    </a:solidFill>
+                  </a:tcPr>
+                </a:tc>
+                <a:tc>
+                  <a:txBody>
+                    <a:bodyPr/>
+                    <a:lstStyle/>
+                    <a:p>
+                      <a:pPr marL="0" algn="r" defTabSz="2138324" rtl="0" eaLnBrk="1" latinLnBrk="0" hangingPunct="1">
+                        <a:lnSpc>
+                          <a:spcPct val="106000"/>
+                        </a:lnSpc>
+                        <a:spcAft>
+                          <a:spcPts val="0"/>
+                        </a:spcAft>
+                      </a:pPr>
+                      <a:r>
+                        <a:rPr lang="en-US" sz="3000" b="0" kern="1200" dirty="0">
+                          <a:effectLst/>
+                        </a:rPr>
+                        <a:t> </a:t>
+                      </a:r>
+                      <a:endParaRPr lang="tr-TR" sz="3000" b="0" kern="1200" dirty="0">
+                        <a:solidFill>
+                          <a:schemeClr val="tx1"/>
+                        </a:solidFill>
+                        <a:effectLst/>
+                        <a:latin typeface="+mn-lt"/>
+                        <a:ea typeface="+mn-ea"/>
+                        <a:cs typeface="+mn-cs"/>
+                      </a:endParaRPr>
+                    </a:p>
+                  </a:txBody>
+                  <a:tcPr marL="68580" marR="68580" marT="0" marB="0">
+                    <a:lnL w="12700" cap="flat" cmpd="sng" algn="ctr">
+                      <a:solidFill>
+                        <a:schemeClr val="accent2"/>
+                      </a:solidFill>
+                      <a:prstDash val="solid"/>
+                      <a:round/>
+                      <a:headEnd type="none" w="med" len="med"/>
+                      <a:tailEnd type="none" w="med" len="med"/>
+                    </a:lnL>
+                    <a:lnR w="12700" cap="flat" cmpd="sng" algn="ctr">
+                      <a:solidFill>
+                        <a:schemeClr val="accent2"/>
+                      </a:solidFill>
+                      <a:prstDash val="solid"/>
+                      <a:round/>
+                      <a:headEnd type="none" w="med" len="med"/>
+                      <a:tailEnd type="none" w="med" len="med"/>
+                    </a:lnR>
+                    <a:lnT w="12700" cap="flat" cmpd="sng" algn="ctr">
+                      <a:solidFill>
+                        <a:schemeClr val="accent2"/>
+                      </a:solidFill>
+                      <a:prstDash val="solid"/>
+                      <a:round/>
+                      <a:headEnd type="none" w="med" len="med"/>
+                      <a:tailEnd type="none" w="med" len="med"/>
+                    </a:lnT>
+                    <a:lnB w="12700" cap="flat" cmpd="sng" algn="ctr">
+                      <a:solidFill>
+                        <a:schemeClr val="accent2"/>
+                      </a:solidFill>
+                      <a:prstDash val="solid"/>
+                      <a:round/>
+                      <a:headEnd type="none" w="med" len="med"/>
+                      <a:tailEnd type="none" w="med" len="med"/>
+                    </a:lnB>
+                    <a:lnTlToBr w="12700" cmpd="sng">
+                      <a:noFill/>
+                      <a:prstDash val="solid"/>
+                    </a:lnTlToBr>
+                    <a:lnBlToTr w="12700" cmpd="sng">
+                      <a:noFill/>
+                      <a:prstDash val="solid"/>
+                    </a:lnBlToTr>
+                    <a:solidFill>
+                      <a:schemeClr val="bg1"/>
+                    </a:solidFill>
+                  </a:tcPr>
+                </a:tc>
+                <a:extLst>
+                  <a:ext uri="{0D108BD9-81ED-4DB2-BD59-A6C34878D82A}">
+                    <a16:rowId xmlns:a16="http://schemas.microsoft.com/office/drawing/2014/main" val="4040177552"/>
+                  </a:ext>
+                </a:extLst>
+              </a:tr>
+              <a:tr h="0">
+                <a:tc>
+                  <a:txBody>
+                    <a:bodyPr/>
+                    <a:lstStyle/>
+                    <a:p>
+                      <a:pPr marL="0" algn="r" defTabSz="2138324" rtl="0" eaLnBrk="1" latinLnBrk="0" hangingPunct="1">
+                        <a:lnSpc>
+                          <a:spcPct val="106000"/>
+                        </a:lnSpc>
+                        <a:spcAft>
+                          <a:spcPts val="0"/>
+                        </a:spcAft>
+                      </a:pPr>
+                      <a:r>
+                        <a:rPr lang="en-US" sz="3000" b="0" kern="1200" dirty="0">
+                          <a:effectLst/>
+                        </a:rPr>
+                        <a:t>Operation Time</a:t>
+                      </a:r>
+                      <a:endParaRPr lang="tr-TR" sz="3000" b="0" kern="1200" dirty="0">
+                        <a:solidFill>
+                          <a:schemeClr val="tx1"/>
+                        </a:solidFill>
+                        <a:effectLst/>
+                        <a:latin typeface="+mn-lt"/>
+                        <a:ea typeface="+mn-ea"/>
+                        <a:cs typeface="+mn-cs"/>
+                      </a:endParaRPr>
+                    </a:p>
+                  </a:txBody>
+                  <a:tcPr marL="68580" marR="68580" marT="0" marB="0">
+                    <a:lnL w="12700" cap="flat" cmpd="sng" algn="ctr">
+                      <a:solidFill>
+                        <a:schemeClr val="accent2"/>
+                      </a:solidFill>
+                      <a:prstDash val="solid"/>
+                      <a:round/>
+                      <a:headEnd type="none" w="med" len="med"/>
+                      <a:tailEnd type="none" w="med" len="med"/>
+                    </a:lnL>
+                    <a:lnR w="12700" cap="flat" cmpd="sng" algn="ctr">
+                      <a:solidFill>
+                        <a:schemeClr val="accent2"/>
+                      </a:solidFill>
+                      <a:prstDash val="solid"/>
+                      <a:round/>
+                      <a:headEnd type="none" w="med" len="med"/>
+                      <a:tailEnd type="none" w="med" len="med"/>
+                    </a:lnR>
+                    <a:lnT w="12700" cap="flat" cmpd="sng" algn="ctr">
+                      <a:solidFill>
+                        <a:schemeClr val="accent2"/>
+                      </a:solidFill>
+                      <a:prstDash val="solid"/>
+                      <a:round/>
+                      <a:headEnd type="none" w="med" len="med"/>
+                      <a:tailEnd type="none" w="med" len="med"/>
+                    </a:lnT>
+                    <a:lnB w="12700" cap="flat" cmpd="sng" algn="ctr">
+                      <a:solidFill>
+                        <a:schemeClr val="accent2"/>
+                      </a:solidFill>
+                      <a:prstDash val="solid"/>
+                      <a:round/>
+                      <a:headEnd type="none" w="med" len="med"/>
+                      <a:tailEnd type="none" w="med" len="med"/>
+                    </a:lnB>
+                    <a:lnTlToBr w="12700" cmpd="sng">
+                      <a:noFill/>
+                      <a:prstDash val="solid"/>
+                    </a:lnTlToBr>
+                    <a:lnBlToTr w="12700" cmpd="sng">
+                      <a:noFill/>
+                      <a:prstDash val="solid"/>
+                    </a:lnBlToTr>
+                    <a:solidFill>
+                      <a:schemeClr val="bg1"/>
+                    </a:solidFill>
+                  </a:tcPr>
+                </a:tc>
+                <a:tc>
+                  <a:txBody>
+                    <a:bodyPr/>
+                    <a:lstStyle/>
+                    <a:p>
+                      <a:pPr marL="0" algn="r" defTabSz="2138324" rtl="0" eaLnBrk="1" latinLnBrk="0" hangingPunct="1">
+                        <a:lnSpc>
+                          <a:spcPct val="106000"/>
+                        </a:lnSpc>
+                        <a:spcAft>
+                          <a:spcPts val="0"/>
+                        </a:spcAft>
+                      </a:pPr>
+                      <a:r>
+                        <a:rPr lang="en-US" sz="3000" b="0" kern="1200" dirty="0">
+                          <a:effectLst/>
+                        </a:rPr>
+                        <a:t> </a:t>
+                      </a:r>
+                      <a:endParaRPr lang="tr-TR" sz="3000" b="0" kern="1200" dirty="0">
+                        <a:solidFill>
+                          <a:schemeClr val="tx1"/>
+                        </a:solidFill>
+                        <a:effectLst/>
+                        <a:latin typeface="+mn-lt"/>
+                        <a:ea typeface="+mn-ea"/>
+                        <a:cs typeface="+mn-cs"/>
+                      </a:endParaRPr>
+                    </a:p>
+                  </a:txBody>
+                  <a:tcPr marL="68580" marR="68580" marT="0" marB="0">
+                    <a:lnL w="12700" cap="flat" cmpd="sng" algn="ctr">
+                      <a:solidFill>
+                        <a:schemeClr val="accent2"/>
+                      </a:solidFill>
+                      <a:prstDash val="solid"/>
+                      <a:round/>
+                      <a:headEnd type="none" w="med" len="med"/>
+                      <a:tailEnd type="none" w="med" len="med"/>
+                    </a:lnL>
+                    <a:lnR w="12700" cap="flat" cmpd="sng" algn="ctr">
+                      <a:solidFill>
+                        <a:schemeClr val="accent2"/>
+                      </a:solidFill>
+                      <a:prstDash val="solid"/>
+                      <a:round/>
+                      <a:headEnd type="none" w="med" len="med"/>
+                      <a:tailEnd type="none" w="med" len="med"/>
+                    </a:lnR>
+                    <a:lnT w="12700" cap="flat" cmpd="sng" algn="ctr">
+                      <a:solidFill>
+                        <a:schemeClr val="accent2"/>
+                      </a:solidFill>
+                      <a:prstDash val="solid"/>
+                      <a:round/>
+                      <a:headEnd type="none" w="med" len="med"/>
+                      <a:tailEnd type="none" w="med" len="med"/>
+                    </a:lnT>
+                    <a:lnB w="12700" cap="flat" cmpd="sng" algn="ctr">
+                      <a:solidFill>
+                        <a:schemeClr val="accent2"/>
+                      </a:solidFill>
+                      <a:prstDash val="solid"/>
+                      <a:round/>
+                      <a:headEnd type="none" w="med" len="med"/>
+                      <a:tailEnd type="none" w="med" len="med"/>
+                    </a:lnB>
+                    <a:lnTlToBr w="12700" cmpd="sng">
+                      <a:noFill/>
+                      <a:prstDash val="solid"/>
+                    </a:lnTlToBr>
+                    <a:lnBlToTr w="12700" cmpd="sng">
+                      <a:noFill/>
+                      <a:prstDash val="solid"/>
+                    </a:lnBlToTr>
+                    <a:solidFill>
+                      <a:schemeClr val="bg1"/>
+                    </a:solidFill>
+                  </a:tcPr>
+                </a:tc>
+                <a:extLst>
+                  <a:ext uri="{0D108BD9-81ED-4DB2-BD59-A6C34878D82A}">
+                    <a16:rowId xmlns:a16="http://schemas.microsoft.com/office/drawing/2014/main" val="2221603061"/>
+                  </a:ext>
+                </a:extLst>
+              </a:tr>
+              <a:tr h="0">
+                <a:tc>
+                  <a:txBody>
+                    <a:bodyPr/>
+                    <a:lstStyle/>
+                    <a:p>
+                      <a:pPr marL="0" algn="l" defTabSz="2138324" rtl="0" eaLnBrk="1" latinLnBrk="0" hangingPunct="1">
+                        <a:lnSpc>
+                          <a:spcPct val="106000"/>
+                        </a:lnSpc>
+                        <a:spcAft>
+                          <a:spcPts val="0"/>
+                        </a:spcAft>
+                      </a:pPr>
+                      <a:r>
+                        <a:rPr lang="en-US" sz="3000" b="0" kern="1200" dirty="0">
+                          <a:effectLst/>
+                        </a:rPr>
+                        <a:t>Operational Specifications</a:t>
+                      </a:r>
+                      <a:endParaRPr lang="tr-TR" sz="3000" b="0" kern="1200" dirty="0">
+                        <a:solidFill>
+                          <a:schemeClr val="tx1"/>
+                        </a:solidFill>
+                        <a:effectLst/>
+                        <a:latin typeface="+mn-lt"/>
+                        <a:ea typeface="+mn-ea"/>
+                        <a:cs typeface="+mn-cs"/>
+                      </a:endParaRPr>
+                    </a:p>
+                  </a:txBody>
+                  <a:tcPr marL="68580" marR="68580" marT="0" marB="0">
+                    <a:lnL w="12700" cap="flat" cmpd="sng" algn="ctr">
+                      <a:solidFill>
+                        <a:schemeClr val="accent2"/>
+                      </a:solidFill>
+                      <a:prstDash val="solid"/>
+                      <a:round/>
+                      <a:headEnd type="none" w="med" len="med"/>
+                      <a:tailEnd type="none" w="med" len="med"/>
+                    </a:lnL>
+                    <a:lnR w="12700" cap="flat" cmpd="sng" algn="ctr">
+                      <a:solidFill>
+                        <a:schemeClr val="accent2"/>
+                      </a:solidFill>
+                      <a:prstDash val="solid"/>
+                      <a:round/>
+                      <a:headEnd type="none" w="med" len="med"/>
+                      <a:tailEnd type="none" w="med" len="med"/>
+                    </a:lnR>
+                    <a:lnT w="12700" cap="flat" cmpd="sng" algn="ctr">
+                      <a:solidFill>
+                        <a:schemeClr val="accent2"/>
+                      </a:solidFill>
+                      <a:prstDash val="solid"/>
+                      <a:round/>
+                      <a:headEnd type="none" w="med" len="med"/>
+                      <a:tailEnd type="none" w="med" len="med"/>
+                    </a:lnT>
+                    <a:lnB w="12700" cap="flat" cmpd="sng" algn="ctr">
+                      <a:solidFill>
+                        <a:schemeClr val="accent2"/>
+                      </a:solidFill>
+                      <a:prstDash val="solid"/>
+                      <a:round/>
+                      <a:headEnd type="none" w="med" len="med"/>
+                      <a:tailEnd type="none" w="med" len="med"/>
+                    </a:lnB>
+                    <a:lnTlToBr w="12700" cmpd="sng">
+                      <a:noFill/>
+                      <a:prstDash val="solid"/>
+                    </a:lnTlToBr>
+                    <a:lnBlToTr w="12700" cmpd="sng">
+                      <a:noFill/>
+                      <a:prstDash val="solid"/>
+                    </a:lnBlToTr>
+                    <a:solidFill>
+                      <a:schemeClr val="bg1"/>
+                    </a:solidFill>
+                  </a:tcPr>
+                </a:tc>
+                <a:tc>
+                  <a:txBody>
+                    <a:bodyPr/>
+                    <a:lstStyle/>
+                    <a:p>
+                      <a:pPr marL="0" algn="r" defTabSz="2138324" rtl="0" eaLnBrk="1" latinLnBrk="0" hangingPunct="1">
+                        <a:lnSpc>
+                          <a:spcPct val="106000"/>
+                        </a:lnSpc>
+                        <a:spcAft>
+                          <a:spcPts val="0"/>
+                        </a:spcAft>
+                      </a:pPr>
+                      <a:r>
+                        <a:rPr lang="en-US" sz="3000" b="0" kern="1200" dirty="0">
+                          <a:effectLst/>
+                        </a:rPr>
+                        <a:t> </a:t>
+                      </a:r>
+                      <a:endParaRPr lang="tr-TR" sz="3000" b="0" kern="1200" dirty="0">
+                        <a:solidFill>
+                          <a:schemeClr val="tx1"/>
+                        </a:solidFill>
+                        <a:effectLst/>
+                        <a:latin typeface="+mn-lt"/>
+                        <a:ea typeface="+mn-ea"/>
+                        <a:cs typeface="+mn-cs"/>
+                      </a:endParaRPr>
+                    </a:p>
+                  </a:txBody>
+                  <a:tcPr marL="68580" marR="68580" marT="0" marB="0">
+                    <a:lnL w="12700" cap="flat" cmpd="sng" algn="ctr">
+                      <a:solidFill>
+                        <a:schemeClr val="accent2"/>
+                      </a:solidFill>
+                      <a:prstDash val="solid"/>
+                      <a:round/>
+                      <a:headEnd type="none" w="med" len="med"/>
+                      <a:tailEnd type="none" w="med" len="med"/>
+                    </a:lnL>
+                    <a:lnR w="12700" cap="flat" cmpd="sng" algn="ctr">
+                      <a:solidFill>
+                        <a:schemeClr val="accent2"/>
+                      </a:solidFill>
+                      <a:prstDash val="solid"/>
+                      <a:round/>
+                      <a:headEnd type="none" w="med" len="med"/>
+                      <a:tailEnd type="none" w="med" len="med"/>
+                    </a:lnR>
+                    <a:lnT w="12700" cap="flat" cmpd="sng" algn="ctr">
+                      <a:solidFill>
+                        <a:schemeClr val="accent2"/>
+                      </a:solidFill>
+                      <a:prstDash val="solid"/>
+                      <a:round/>
+                      <a:headEnd type="none" w="med" len="med"/>
+                      <a:tailEnd type="none" w="med" len="med"/>
+                    </a:lnT>
+                    <a:lnB w="12700" cap="flat" cmpd="sng" algn="ctr">
+                      <a:solidFill>
+                        <a:schemeClr val="accent2"/>
+                      </a:solidFill>
+                      <a:prstDash val="solid"/>
+                      <a:round/>
+                      <a:headEnd type="none" w="med" len="med"/>
+                      <a:tailEnd type="none" w="med" len="med"/>
+                    </a:lnB>
+                    <a:lnTlToBr w="12700" cmpd="sng">
+                      <a:noFill/>
+                      <a:prstDash val="solid"/>
+                    </a:lnTlToBr>
+                    <a:lnBlToTr w="12700" cmpd="sng">
+                      <a:noFill/>
+                      <a:prstDash val="solid"/>
+                    </a:lnBlToTr>
+                    <a:solidFill>
+                      <a:schemeClr val="bg1"/>
+                    </a:solidFill>
+                  </a:tcPr>
+                </a:tc>
+                <a:extLst>
+                  <a:ext uri="{0D108BD9-81ED-4DB2-BD59-A6C34878D82A}">
+                    <a16:rowId xmlns:a16="http://schemas.microsoft.com/office/drawing/2014/main" val="2195301336"/>
+                  </a:ext>
+                </a:extLst>
+              </a:tr>
+              <a:tr h="0">
+                <a:tc>
+                  <a:txBody>
+                    <a:bodyPr/>
+                    <a:lstStyle/>
+                    <a:p>
+                      <a:pPr marL="0" algn="r" defTabSz="2138324" rtl="0" eaLnBrk="1" latinLnBrk="0" hangingPunct="1">
+                        <a:lnSpc>
+                          <a:spcPct val="106000"/>
+                        </a:lnSpc>
+                        <a:spcAft>
+                          <a:spcPts val="0"/>
+                        </a:spcAft>
+                      </a:pPr>
+                      <a:r>
+                        <a:rPr lang="en-US" sz="3000" b="0" kern="1200" dirty="0">
+                          <a:effectLst/>
+                        </a:rPr>
+                        <a:t>Screen Resolution</a:t>
+                      </a:r>
+                      <a:endParaRPr lang="tr-TR" sz="3000" b="0" kern="1200" dirty="0">
+                        <a:solidFill>
+                          <a:schemeClr val="tx1"/>
+                        </a:solidFill>
+                        <a:effectLst/>
+                        <a:latin typeface="+mn-lt"/>
+                        <a:ea typeface="+mn-ea"/>
+                        <a:cs typeface="+mn-cs"/>
+                      </a:endParaRPr>
+                    </a:p>
+                  </a:txBody>
+                  <a:tcPr marL="68580" marR="68580" marT="0" marB="0">
+                    <a:lnL w="12700" cap="flat" cmpd="sng" algn="ctr">
+                      <a:solidFill>
+                        <a:schemeClr val="accent2"/>
+                      </a:solidFill>
+                      <a:prstDash val="solid"/>
+                      <a:round/>
+                      <a:headEnd type="none" w="med" len="med"/>
+                      <a:tailEnd type="none" w="med" len="med"/>
+                    </a:lnL>
+                    <a:lnR w="12700" cap="flat" cmpd="sng" algn="ctr">
+                      <a:solidFill>
+                        <a:schemeClr val="accent2"/>
+                      </a:solidFill>
+                      <a:prstDash val="solid"/>
+                      <a:round/>
+                      <a:headEnd type="none" w="med" len="med"/>
+                      <a:tailEnd type="none" w="med" len="med"/>
+                    </a:lnR>
+                    <a:lnT w="12700" cap="flat" cmpd="sng" algn="ctr">
+                      <a:solidFill>
+                        <a:schemeClr val="accent2"/>
+                      </a:solidFill>
+                      <a:prstDash val="solid"/>
+                      <a:round/>
+                      <a:headEnd type="none" w="med" len="med"/>
+                      <a:tailEnd type="none" w="med" len="med"/>
+                    </a:lnT>
+                    <a:lnB w="12700" cap="flat" cmpd="sng" algn="ctr">
+                      <a:solidFill>
+                        <a:schemeClr val="accent2"/>
+                      </a:solidFill>
+                      <a:prstDash val="solid"/>
+                      <a:round/>
+                      <a:headEnd type="none" w="med" len="med"/>
+                      <a:tailEnd type="none" w="med" len="med"/>
+                    </a:lnB>
+                    <a:lnTlToBr w="12700" cmpd="sng">
+                      <a:noFill/>
+                      <a:prstDash val="solid"/>
+                    </a:lnTlToBr>
+                    <a:lnBlToTr w="12700" cmpd="sng">
+                      <a:noFill/>
+                      <a:prstDash val="solid"/>
+                    </a:lnBlToTr>
+                    <a:solidFill>
+                      <a:schemeClr val="bg1"/>
+                    </a:solidFill>
+                  </a:tcPr>
+                </a:tc>
+                <a:tc>
+                  <a:txBody>
+                    <a:bodyPr/>
+                    <a:lstStyle/>
+                    <a:p>
+                      <a:pPr marL="0" algn="r" defTabSz="2138324" rtl="0" eaLnBrk="1" latinLnBrk="0" hangingPunct="1">
+                        <a:lnSpc>
+                          <a:spcPct val="106000"/>
+                        </a:lnSpc>
+                        <a:spcAft>
+                          <a:spcPts val="0"/>
+                        </a:spcAft>
+                      </a:pPr>
+                      <a:r>
+                        <a:rPr lang="en-US" sz="3000" b="0" kern="1200" dirty="0">
+                          <a:effectLst/>
+                        </a:rPr>
+                        <a:t> </a:t>
+                      </a:r>
+                      <a:endParaRPr lang="tr-TR" sz="3000" b="0" kern="1200" dirty="0">
+                        <a:solidFill>
+                          <a:schemeClr val="tx1"/>
+                        </a:solidFill>
+                        <a:effectLst/>
+                        <a:latin typeface="+mn-lt"/>
+                        <a:ea typeface="+mn-ea"/>
+                        <a:cs typeface="+mn-cs"/>
+                      </a:endParaRPr>
+                    </a:p>
+                  </a:txBody>
+                  <a:tcPr marL="68580" marR="68580" marT="0" marB="0">
+                    <a:lnL w="12700" cap="flat" cmpd="sng" algn="ctr">
+                      <a:solidFill>
+                        <a:schemeClr val="accent2"/>
+                      </a:solidFill>
+                      <a:prstDash val="solid"/>
+                      <a:round/>
+                      <a:headEnd type="none" w="med" len="med"/>
+                      <a:tailEnd type="none" w="med" len="med"/>
+                    </a:lnL>
+                    <a:lnR w="12700" cap="flat" cmpd="sng" algn="ctr">
+                      <a:solidFill>
+                        <a:schemeClr val="accent2"/>
+                      </a:solidFill>
+                      <a:prstDash val="solid"/>
+                      <a:round/>
+                      <a:headEnd type="none" w="med" len="med"/>
+                      <a:tailEnd type="none" w="med" len="med"/>
+                    </a:lnR>
+                    <a:lnT w="12700" cap="flat" cmpd="sng" algn="ctr">
+                      <a:solidFill>
+                        <a:schemeClr val="accent2"/>
+                      </a:solidFill>
+                      <a:prstDash val="solid"/>
+                      <a:round/>
+                      <a:headEnd type="none" w="med" len="med"/>
+                      <a:tailEnd type="none" w="med" len="med"/>
+                    </a:lnT>
+                    <a:lnB w="12700" cap="flat" cmpd="sng" algn="ctr">
+                      <a:solidFill>
+                        <a:schemeClr val="accent2"/>
+                      </a:solidFill>
+                      <a:prstDash val="solid"/>
+                      <a:round/>
+                      <a:headEnd type="none" w="med" len="med"/>
+                      <a:tailEnd type="none" w="med" len="med"/>
+                    </a:lnB>
+                    <a:lnTlToBr w="12700" cmpd="sng">
+                      <a:noFill/>
+                      <a:prstDash val="solid"/>
+                    </a:lnTlToBr>
+                    <a:lnBlToTr w="12700" cmpd="sng">
+                      <a:noFill/>
+                      <a:prstDash val="solid"/>
+                    </a:lnBlToTr>
+                    <a:solidFill>
+                      <a:schemeClr val="bg1"/>
+                    </a:solidFill>
+                  </a:tcPr>
+                </a:tc>
+                <a:extLst>
+                  <a:ext uri="{0D108BD9-81ED-4DB2-BD59-A6C34878D82A}">
+                    <a16:rowId xmlns:a16="http://schemas.microsoft.com/office/drawing/2014/main" val="2810867583"/>
+                  </a:ext>
+                </a:extLst>
+              </a:tr>
+              <a:tr h="0">
+                <a:tc>
+                  <a:txBody>
+                    <a:bodyPr/>
+                    <a:lstStyle/>
+                    <a:p>
+                      <a:pPr marL="0" algn="r" defTabSz="2138324" rtl="0" eaLnBrk="1" latinLnBrk="0" hangingPunct="1">
+                        <a:lnSpc>
+                          <a:spcPct val="106000"/>
+                        </a:lnSpc>
+                        <a:spcAft>
+                          <a:spcPts val="0"/>
+                        </a:spcAft>
+                      </a:pPr>
+                      <a:r>
+                        <a:rPr lang="en-US" sz="3000" b="0" kern="1200" dirty="0">
+                          <a:effectLst/>
+                        </a:rPr>
+                        <a:t>Command Resolution</a:t>
+                      </a:r>
+                      <a:endParaRPr lang="tr-TR" sz="3000" b="0" kern="1200" dirty="0">
+                        <a:solidFill>
+                          <a:schemeClr val="tx1"/>
+                        </a:solidFill>
+                        <a:effectLst/>
+                        <a:latin typeface="+mn-lt"/>
+                        <a:ea typeface="+mn-ea"/>
+                        <a:cs typeface="+mn-cs"/>
+                      </a:endParaRPr>
+                    </a:p>
+                  </a:txBody>
+                  <a:tcPr marL="68580" marR="68580" marT="0" marB="0">
+                    <a:lnL w="12700" cap="flat" cmpd="sng" algn="ctr">
+                      <a:solidFill>
+                        <a:schemeClr val="accent2"/>
+                      </a:solidFill>
+                      <a:prstDash val="solid"/>
+                      <a:round/>
+                      <a:headEnd type="none" w="med" len="med"/>
+                      <a:tailEnd type="none" w="med" len="med"/>
+                    </a:lnL>
+                    <a:lnR w="12700" cap="flat" cmpd="sng" algn="ctr">
+                      <a:solidFill>
+                        <a:schemeClr val="accent2"/>
+                      </a:solidFill>
+                      <a:prstDash val="solid"/>
+                      <a:round/>
+                      <a:headEnd type="none" w="med" len="med"/>
+                      <a:tailEnd type="none" w="med" len="med"/>
+                    </a:lnR>
+                    <a:lnT w="12700" cap="flat" cmpd="sng" algn="ctr">
+                      <a:solidFill>
+                        <a:schemeClr val="accent2"/>
+                      </a:solidFill>
+                      <a:prstDash val="solid"/>
+                      <a:round/>
+                      <a:headEnd type="none" w="med" len="med"/>
+                      <a:tailEnd type="none" w="med" len="med"/>
+                    </a:lnT>
+                    <a:lnB w="12700" cap="flat" cmpd="sng" algn="ctr">
+                      <a:solidFill>
+                        <a:schemeClr val="accent2"/>
+                      </a:solidFill>
+                      <a:prstDash val="solid"/>
+                      <a:round/>
+                      <a:headEnd type="none" w="med" len="med"/>
+                      <a:tailEnd type="none" w="med" len="med"/>
+                    </a:lnB>
+                    <a:lnTlToBr w="12700" cmpd="sng">
+                      <a:noFill/>
+                      <a:prstDash val="solid"/>
+                    </a:lnTlToBr>
+                    <a:lnBlToTr w="12700" cmpd="sng">
+                      <a:noFill/>
+                      <a:prstDash val="solid"/>
+                    </a:lnBlToTr>
+                    <a:solidFill>
+                      <a:schemeClr val="bg1"/>
+                    </a:solidFill>
+                  </a:tcPr>
+                </a:tc>
+                <a:tc>
+                  <a:txBody>
+                    <a:bodyPr/>
+                    <a:lstStyle/>
+                    <a:p>
+                      <a:pPr marL="0" algn="r" defTabSz="2138324" rtl="0" eaLnBrk="1" latinLnBrk="0" hangingPunct="1">
+                        <a:lnSpc>
+                          <a:spcPct val="106000"/>
+                        </a:lnSpc>
+                        <a:spcAft>
+                          <a:spcPts val="0"/>
+                        </a:spcAft>
+                      </a:pPr>
+                      <a:r>
+                        <a:rPr lang="en-US" sz="3000" b="0" kern="1200" dirty="0">
+                          <a:effectLst/>
+                        </a:rPr>
+                        <a:t>8 bit</a:t>
+                      </a:r>
+                      <a:endParaRPr lang="tr-TR" sz="3000" b="0" kern="1200" dirty="0">
+                        <a:solidFill>
+                          <a:schemeClr val="tx1"/>
+                        </a:solidFill>
+                        <a:effectLst/>
+                        <a:latin typeface="+mn-lt"/>
+                        <a:ea typeface="+mn-ea"/>
+                        <a:cs typeface="+mn-cs"/>
+                      </a:endParaRPr>
+                    </a:p>
+                  </a:txBody>
+                  <a:tcPr marL="68580" marR="68580" marT="0" marB="0">
+                    <a:lnL w="12700" cap="flat" cmpd="sng" algn="ctr">
+                      <a:solidFill>
+                        <a:schemeClr val="accent2"/>
+                      </a:solidFill>
+                      <a:prstDash val="solid"/>
+                      <a:round/>
+                      <a:headEnd type="none" w="med" len="med"/>
+                      <a:tailEnd type="none" w="med" len="med"/>
+                    </a:lnL>
+                    <a:lnR w="12700" cap="flat" cmpd="sng" algn="ctr">
+                      <a:solidFill>
+                        <a:schemeClr val="accent2"/>
+                      </a:solidFill>
+                      <a:prstDash val="solid"/>
+                      <a:round/>
+                      <a:headEnd type="none" w="med" len="med"/>
+                      <a:tailEnd type="none" w="med" len="med"/>
+                    </a:lnR>
+                    <a:lnT w="12700" cap="flat" cmpd="sng" algn="ctr">
+                      <a:solidFill>
+                        <a:schemeClr val="accent2"/>
+                      </a:solidFill>
+                      <a:prstDash val="solid"/>
+                      <a:round/>
+                      <a:headEnd type="none" w="med" len="med"/>
+                      <a:tailEnd type="none" w="med" len="med"/>
+                    </a:lnT>
+                    <a:lnB w="12700" cap="flat" cmpd="sng" algn="ctr">
+                      <a:solidFill>
+                        <a:schemeClr val="accent2"/>
+                      </a:solidFill>
+                      <a:prstDash val="solid"/>
+                      <a:round/>
+                      <a:headEnd type="none" w="med" len="med"/>
+                      <a:tailEnd type="none" w="med" len="med"/>
+                    </a:lnB>
+                    <a:lnTlToBr w="12700" cmpd="sng">
+                      <a:noFill/>
+                      <a:prstDash val="solid"/>
+                    </a:lnTlToBr>
+                    <a:lnBlToTr w="12700" cmpd="sng">
+                      <a:noFill/>
+                      <a:prstDash val="solid"/>
+                    </a:lnBlToTr>
+                    <a:solidFill>
+                      <a:schemeClr val="bg1"/>
+                    </a:solidFill>
+                  </a:tcPr>
+                </a:tc>
+                <a:extLst>
+                  <a:ext uri="{0D108BD9-81ED-4DB2-BD59-A6C34878D82A}">
+                    <a16:rowId xmlns:a16="http://schemas.microsoft.com/office/drawing/2014/main" val="2936266986"/>
+                  </a:ext>
+                </a:extLst>
+              </a:tr>
+            </a:tbl>
+          </a:graphicData>
+        </a:graphic>
+      </p:graphicFrame>
+      <p:graphicFrame>
+        <p:nvGraphicFramePr>
+          <p:cNvPr id="21" name="Tablo 13">
+            <a:extLst>
+              <a:ext uri="{FF2B5EF4-FFF2-40B4-BE49-F238E27FC236}">
+                <a16:creationId xmlns:a16="http://schemas.microsoft.com/office/drawing/2014/main" id="{7855C1D6-13C7-413C-B490-684ECD18317F}"/>
+              </a:ext>
+            </a:extLst>
+          </p:cNvPr>
+          <p:cNvGraphicFramePr>
+            <a:graphicFrameLocks noGrp="1"/>
+          </p:cNvGraphicFramePr>
+          <p:nvPr>
+            <p:extLst>
+              <p:ext uri="{D42A27DB-BD31-4B8C-83A1-F6EECF244321}">
+                <p14:modId xmlns:p14="http://schemas.microsoft.com/office/powerpoint/2010/main" val="3006738189"/>
+              </p:ext>
+            </p:extLst>
+          </p:nvPr>
+        </p:nvGraphicFramePr>
+        <p:xfrm>
+          <a:off x="12772103" y="16740353"/>
+          <a:ext cx="7988200" cy="5568696"/>
+        </p:xfrm>
+        <a:graphic>
+          <a:graphicData uri="http://schemas.openxmlformats.org/drawingml/2006/table">
+            <a:tbl>
+              <a:tblPr firstRow="1" firstCol="1" bandRow="1">
+                <a:tableStyleId>{7E9639D4-E3E2-4D34-9284-5A2195B3D0D7}</a:tableStyleId>
+              </a:tblPr>
+              <a:tblGrid>
+                <a:gridCol w="5383598">
+                  <a:extLst>
+                    <a:ext uri="{9D8B030D-6E8A-4147-A177-3AD203B41FA5}">
+                      <a16:colId xmlns:a16="http://schemas.microsoft.com/office/drawing/2014/main" val="434215993"/>
+                    </a:ext>
+                  </a:extLst>
+                </a:gridCol>
+                <a:gridCol w="2604602">
+                  <a:extLst>
+                    <a:ext uri="{9D8B030D-6E8A-4147-A177-3AD203B41FA5}">
+                      <a16:colId xmlns:a16="http://schemas.microsoft.com/office/drawing/2014/main" val="2332270093"/>
+                    </a:ext>
+                  </a:extLst>
+                </a:gridCol>
+              </a:tblGrid>
+              <a:tr h="0">
+                <a:tc>
+                  <a:txBody>
+                    <a:bodyPr/>
+                    <a:lstStyle/>
+                    <a:p>
+                      <a:pPr>
+                        <a:lnSpc>
+                          <a:spcPct val="106000"/>
+                        </a:lnSpc>
+                        <a:spcAft>
+                          <a:spcPts val="0"/>
+                        </a:spcAft>
+                      </a:pPr>
+                      <a:r>
+                        <a:rPr lang="en-US" sz="3000" b="1" dirty="0">
+                          <a:effectLst/>
+                        </a:rPr>
+                        <a:t>Robot</a:t>
+                      </a:r>
+                      <a:r>
+                        <a:rPr lang="tr-TR" sz="3000" b="1" dirty="0">
+                          <a:effectLst/>
+                        </a:rPr>
+                        <a:t> Side</a:t>
+                      </a:r>
+                      <a:endParaRPr lang="tr-TR" sz="3000" b="1" dirty="0">
+                        <a:effectLst/>
+                        <a:latin typeface="Calibri" panose="020F0502020204030204" pitchFamily="34" charset="0"/>
+                        <a:ea typeface="Calibri" panose="020F0502020204030204" pitchFamily="34" charset="0"/>
+                        <a:cs typeface="Times New Roman" panose="02020603050405020304" pitchFamily="18" charset="0"/>
+                      </a:endParaRPr>
+                    </a:p>
+                  </a:txBody>
+                  <a:tcPr marL="68580" marR="68580" marT="0" marB="0">
+                    <a:lnB w="12700" cap="flat" cmpd="sng" algn="ctr">
+                      <a:solidFill>
+                        <a:schemeClr val="accent2"/>
+                      </a:solidFill>
+                      <a:prstDash val="solid"/>
+                      <a:round/>
+                      <a:headEnd type="none" w="med" len="med"/>
+                      <a:tailEnd type="none" w="med" len="med"/>
+                    </a:lnB>
+                    <a:solidFill>
+                      <a:schemeClr val="accent2"/>
+                    </a:solidFill>
+                  </a:tcPr>
+                </a:tc>
+                <a:tc>
+                  <a:txBody>
+                    <a:bodyPr/>
+                    <a:lstStyle/>
+                    <a:p>
+                      <a:pPr>
+                        <a:lnSpc>
+                          <a:spcPct val="106000"/>
+                        </a:lnSpc>
+                        <a:spcAft>
+                          <a:spcPts val="0"/>
+                        </a:spcAft>
+                      </a:pPr>
+                      <a:r>
+                        <a:rPr lang="en-US" sz="3000" b="1" dirty="0">
+                          <a:effectLst/>
+                        </a:rPr>
+                        <a:t> </a:t>
+                      </a:r>
+                      <a:endParaRPr lang="tr-TR" sz="3000" b="1" dirty="0">
+                        <a:effectLst/>
+                        <a:latin typeface="Calibri" panose="020F0502020204030204" pitchFamily="34" charset="0"/>
+                        <a:ea typeface="Calibri" panose="020F0502020204030204" pitchFamily="34" charset="0"/>
+                        <a:cs typeface="Times New Roman" panose="02020603050405020304" pitchFamily="18" charset="0"/>
+                      </a:endParaRPr>
+                    </a:p>
+                  </a:txBody>
+                  <a:tcPr marL="68580" marR="68580" marT="0" marB="0">
+                    <a:lnB w="12700" cap="flat" cmpd="sng" algn="ctr">
+                      <a:solidFill>
+                        <a:schemeClr val="accent2"/>
+                      </a:solidFill>
+                      <a:prstDash val="solid"/>
+                      <a:round/>
+                      <a:headEnd type="none" w="med" len="med"/>
+                      <a:tailEnd type="none" w="med" len="med"/>
+                    </a:lnB>
+                    <a:solidFill>
+                      <a:schemeClr val="accent2"/>
+                    </a:solidFill>
+                  </a:tcPr>
+                </a:tc>
+                <a:extLst>
+                  <a:ext uri="{0D108BD9-81ED-4DB2-BD59-A6C34878D82A}">
+                    <a16:rowId xmlns:a16="http://schemas.microsoft.com/office/drawing/2014/main" val="3744743878"/>
+                  </a:ext>
+                </a:extLst>
+              </a:tr>
+              <a:tr h="0">
+                <a:tc>
+                  <a:txBody>
+                    <a:bodyPr/>
+                    <a:lstStyle/>
+                    <a:p>
+                      <a:pPr>
+                        <a:lnSpc>
+                          <a:spcPct val="106000"/>
+                        </a:lnSpc>
+                        <a:spcAft>
+                          <a:spcPts val="0"/>
+                        </a:spcAft>
+                      </a:pPr>
+                      <a:r>
+                        <a:rPr lang="en-US" sz="3000" b="0" dirty="0">
+                          <a:effectLst/>
+                        </a:rPr>
+                        <a:t>Physical </a:t>
+                      </a:r>
+                      <a:r>
+                        <a:rPr lang="en-US" sz="3000" b="0" kern="1200" dirty="0">
+                          <a:effectLst/>
+                        </a:rPr>
+                        <a:t>specifications</a:t>
+                      </a:r>
+                      <a:endParaRPr lang="tr-TR" sz="3000" b="0" kern="1200" dirty="0">
+                        <a:effectLst/>
+                      </a:endParaRPr>
+                    </a:p>
+                  </a:txBody>
+                  <a:tcPr marL="68580" marR="68580" marT="0" marB="0">
+                    <a:lnL w="12700" cap="flat" cmpd="sng" algn="ctr">
+                      <a:solidFill>
+                        <a:schemeClr val="accent2"/>
+                      </a:solidFill>
+                      <a:prstDash val="solid"/>
+                      <a:round/>
+                      <a:headEnd type="none" w="med" len="med"/>
+                      <a:tailEnd type="none" w="med" len="med"/>
+                    </a:lnL>
+                    <a:lnR w="12700" cap="flat" cmpd="sng" algn="ctr">
+                      <a:solidFill>
+                        <a:schemeClr val="accent2"/>
+                      </a:solidFill>
+                      <a:prstDash val="solid"/>
+                      <a:round/>
+                      <a:headEnd type="none" w="med" len="med"/>
+                      <a:tailEnd type="none" w="med" len="med"/>
+                    </a:lnR>
+                    <a:lnT w="12700" cap="flat" cmpd="sng" algn="ctr">
+                      <a:solidFill>
+                        <a:schemeClr val="accent2"/>
+                      </a:solidFill>
+                      <a:prstDash val="solid"/>
+                      <a:round/>
+                      <a:headEnd type="none" w="med" len="med"/>
+                      <a:tailEnd type="none" w="med" len="med"/>
+                    </a:lnT>
+                    <a:lnB w="12700" cap="flat" cmpd="sng" algn="ctr">
+                      <a:solidFill>
+                        <a:schemeClr val="accent2"/>
+                      </a:solidFill>
+                      <a:prstDash val="solid"/>
+                      <a:round/>
+                      <a:headEnd type="none" w="med" len="med"/>
+                      <a:tailEnd type="none" w="med" len="med"/>
+                    </a:lnB>
+                    <a:lnTlToBr w="12700" cmpd="sng">
+                      <a:noFill/>
+                      <a:prstDash val="solid"/>
+                    </a:lnTlToBr>
+                    <a:lnBlToTr w="12700" cmpd="sng">
+                      <a:noFill/>
+                      <a:prstDash val="solid"/>
+                    </a:lnBlToTr>
+                    <a:solidFill>
+                      <a:schemeClr val="bg1"/>
+                    </a:solidFill>
+                  </a:tcPr>
+                </a:tc>
+                <a:tc>
+                  <a:txBody>
+                    <a:bodyPr/>
+                    <a:lstStyle/>
+                    <a:p>
+                      <a:pPr>
+                        <a:lnSpc>
+                          <a:spcPct val="106000"/>
+                        </a:lnSpc>
+                        <a:spcAft>
+                          <a:spcPts val="0"/>
+                        </a:spcAft>
+                      </a:pPr>
+                      <a:r>
+                        <a:rPr lang="en-US" sz="3000" b="0" dirty="0">
+                          <a:effectLst/>
+                        </a:rPr>
+                        <a:t> </a:t>
+                      </a:r>
+                      <a:endParaRPr lang="tr-TR" sz="3000" b="0" dirty="0">
+                        <a:effectLst/>
+                        <a:latin typeface="Calibri" panose="020F0502020204030204" pitchFamily="34" charset="0"/>
+                        <a:ea typeface="Calibri" panose="020F0502020204030204" pitchFamily="34" charset="0"/>
+                        <a:cs typeface="Times New Roman" panose="02020603050405020304" pitchFamily="18" charset="0"/>
+                      </a:endParaRPr>
+                    </a:p>
+                  </a:txBody>
+                  <a:tcPr marL="68580" marR="68580" marT="0" marB="0">
+                    <a:lnL w="12700" cap="flat" cmpd="sng" algn="ctr">
+                      <a:solidFill>
+                        <a:schemeClr val="accent2"/>
+                      </a:solidFill>
+                      <a:prstDash val="solid"/>
+                      <a:round/>
+                      <a:headEnd type="none" w="med" len="med"/>
+                      <a:tailEnd type="none" w="med" len="med"/>
+                    </a:lnL>
+                    <a:lnR w="12700" cap="flat" cmpd="sng" algn="ctr">
+                      <a:solidFill>
+                        <a:schemeClr val="accent2"/>
+                      </a:solidFill>
+                      <a:prstDash val="solid"/>
+                      <a:round/>
+                      <a:headEnd type="none" w="med" len="med"/>
+                      <a:tailEnd type="none" w="med" len="med"/>
+                    </a:lnR>
+                    <a:lnT w="12700" cap="flat" cmpd="sng" algn="ctr">
+                      <a:solidFill>
+                        <a:schemeClr val="accent2"/>
+                      </a:solidFill>
+                      <a:prstDash val="solid"/>
+                      <a:round/>
+                      <a:headEnd type="none" w="med" len="med"/>
+                      <a:tailEnd type="none" w="med" len="med"/>
+                    </a:lnT>
+                    <a:lnB w="12700" cap="flat" cmpd="sng" algn="ctr">
+                      <a:solidFill>
+                        <a:schemeClr val="accent2"/>
+                      </a:solidFill>
+                      <a:prstDash val="solid"/>
+                      <a:round/>
+                      <a:headEnd type="none" w="med" len="med"/>
+                      <a:tailEnd type="none" w="med" len="med"/>
+                    </a:lnB>
+                    <a:lnTlToBr w="12700" cmpd="sng">
+                      <a:noFill/>
+                      <a:prstDash val="solid"/>
+                    </a:lnTlToBr>
+                    <a:lnBlToTr w="12700" cmpd="sng">
+                      <a:noFill/>
+                      <a:prstDash val="solid"/>
+                    </a:lnBlToTr>
+                    <a:solidFill>
+                      <a:schemeClr val="bg1"/>
+                    </a:solidFill>
+                  </a:tcPr>
+                </a:tc>
+                <a:extLst>
+                  <a:ext uri="{0D108BD9-81ED-4DB2-BD59-A6C34878D82A}">
+                    <a16:rowId xmlns:a16="http://schemas.microsoft.com/office/drawing/2014/main" val="3522280696"/>
+                  </a:ext>
+                </a:extLst>
+              </a:tr>
+              <a:tr h="0">
+                <a:tc>
+                  <a:txBody>
+                    <a:bodyPr/>
+                    <a:lstStyle/>
+                    <a:p>
+                      <a:pPr algn="r">
+                        <a:lnSpc>
+                          <a:spcPct val="106000"/>
+                        </a:lnSpc>
+                        <a:spcAft>
+                          <a:spcPts val="0"/>
+                        </a:spcAft>
+                      </a:pPr>
+                      <a:r>
+                        <a:rPr lang="en-US" sz="3000" b="0" dirty="0">
+                          <a:effectLst/>
+                        </a:rPr>
+                        <a:t>Height</a:t>
+                      </a:r>
+                      <a:endParaRPr lang="tr-TR" sz="3000" b="0" dirty="0">
+                        <a:effectLst/>
+                        <a:latin typeface="Calibri" panose="020F0502020204030204" pitchFamily="34" charset="0"/>
+                        <a:ea typeface="Calibri" panose="020F0502020204030204" pitchFamily="34" charset="0"/>
+                        <a:cs typeface="Times New Roman" panose="02020603050405020304" pitchFamily="18" charset="0"/>
+                      </a:endParaRPr>
+                    </a:p>
+                  </a:txBody>
+                  <a:tcPr marL="68580" marR="68580" marT="0" marB="0">
+                    <a:lnL w="12700" cap="flat" cmpd="sng" algn="ctr">
+                      <a:solidFill>
+                        <a:schemeClr val="accent2"/>
+                      </a:solidFill>
+                      <a:prstDash val="solid"/>
+                      <a:round/>
+                      <a:headEnd type="none" w="med" len="med"/>
+                      <a:tailEnd type="none" w="med" len="med"/>
+                    </a:lnL>
+                    <a:lnR w="12700" cap="flat" cmpd="sng" algn="ctr">
+                      <a:solidFill>
+                        <a:schemeClr val="accent2"/>
+                      </a:solidFill>
+                      <a:prstDash val="solid"/>
+                      <a:round/>
+                      <a:headEnd type="none" w="med" len="med"/>
+                      <a:tailEnd type="none" w="med" len="med"/>
+                    </a:lnR>
+                    <a:lnT w="12700" cap="flat" cmpd="sng" algn="ctr">
+                      <a:solidFill>
+                        <a:schemeClr val="accent2"/>
+                      </a:solidFill>
+                      <a:prstDash val="solid"/>
+                      <a:round/>
+                      <a:headEnd type="none" w="med" len="med"/>
+                      <a:tailEnd type="none" w="med" len="med"/>
+                    </a:lnT>
+                    <a:lnB w="12700" cap="flat" cmpd="sng" algn="ctr">
+                      <a:solidFill>
+                        <a:schemeClr val="accent2"/>
+                      </a:solidFill>
+                      <a:prstDash val="solid"/>
+                      <a:round/>
+                      <a:headEnd type="none" w="med" len="med"/>
+                      <a:tailEnd type="none" w="med" len="med"/>
+                    </a:lnB>
+                    <a:lnTlToBr w="12700" cmpd="sng">
+                      <a:noFill/>
+                      <a:prstDash val="solid"/>
+                    </a:lnTlToBr>
+                    <a:lnBlToTr w="12700" cmpd="sng">
+                      <a:noFill/>
+                      <a:prstDash val="solid"/>
+                    </a:lnBlToTr>
+                    <a:solidFill>
+                      <a:schemeClr val="bg1"/>
+                    </a:solidFill>
+                  </a:tcPr>
+                </a:tc>
+                <a:tc>
+                  <a:txBody>
+                    <a:bodyPr/>
+                    <a:lstStyle/>
+                    <a:p>
+                      <a:pPr>
+                        <a:lnSpc>
+                          <a:spcPct val="106000"/>
+                        </a:lnSpc>
+                        <a:spcAft>
+                          <a:spcPts val="0"/>
+                        </a:spcAft>
+                      </a:pPr>
+                      <a:r>
+                        <a:rPr lang="en-US" sz="3000" b="0">
+                          <a:effectLst/>
+                        </a:rPr>
+                        <a:t> </a:t>
+                      </a:r>
+                      <a:endParaRPr lang="tr-TR" sz="3000" b="0">
+                        <a:effectLst/>
+                        <a:latin typeface="Calibri" panose="020F0502020204030204" pitchFamily="34" charset="0"/>
+                        <a:ea typeface="Calibri" panose="020F0502020204030204" pitchFamily="34" charset="0"/>
+                        <a:cs typeface="Times New Roman" panose="02020603050405020304" pitchFamily="18" charset="0"/>
+                      </a:endParaRPr>
+                    </a:p>
+                  </a:txBody>
+                  <a:tcPr marL="68580" marR="68580" marT="0" marB="0">
+                    <a:lnL w="12700" cap="flat" cmpd="sng" algn="ctr">
+                      <a:solidFill>
+                        <a:schemeClr val="accent2"/>
+                      </a:solidFill>
+                      <a:prstDash val="solid"/>
+                      <a:round/>
+                      <a:headEnd type="none" w="med" len="med"/>
+                      <a:tailEnd type="none" w="med" len="med"/>
+                    </a:lnL>
+                    <a:lnR w="12700" cap="flat" cmpd="sng" algn="ctr">
+                      <a:solidFill>
+                        <a:schemeClr val="accent2"/>
+                      </a:solidFill>
+                      <a:prstDash val="solid"/>
+                      <a:round/>
+                      <a:headEnd type="none" w="med" len="med"/>
+                      <a:tailEnd type="none" w="med" len="med"/>
+                    </a:lnR>
+                    <a:lnT w="12700" cap="flat" cmpd="sng" algn="ctr">
+                      <a:solidFill>
+                        <a:schemeClr val="accent2"/>
+                      </a:solidFill>
+                      <a:prstDash val="solid"/>
+                      <a:round/>
+                      <a:headEnd type="none" w="med" len="med"/>
+                      <a:tailEnd type="none" w="med" len="med"/>
+                    </a:lnT>
+                    <a:lnB w="12700" cap="flat" cmpd="sng" algn="ctr">
+                      <a:solidFill>
+                        <a:schemeClr val="accent2"/>
+                      </a:solidFill>
+                      <a:prstDash val="solid"/>
+                      <a:round/>
+                      <a:headEnd type="none" w="med" len="med"/>
+                      <a:tailEnd type="none" w="med" len="med"/>
+                    </a:lnB>
+                    <a:lnTlToBr w="12700" cmpd="sng">
+                      <a:noFill/>
+                      <a:prstDash val="solid"/>
+                    </a:lnTlToBr>
+                    <a:lnBlToTr w="12700" cmpd="sng">
+                      <a:noFill/>
+                      <a:prstDash val="solid"/>
+                    </a:lnBlToTr>
+                    <a:solidFill>
+                      <a:schemeClr val="bg1"/>
+                    </a:solidFill>
+                  </a:tcPr>
+                </a:tc>
+                <a:extLst>
+                  <a:ext uri="{0D108BD9-81ED-4DB2-BD59-A6C34878D82A}">
+                    <a16:rowId xmlns:a16="http://schemas.microsoft.com/office/drawing/2014/main" val="2529715749"/>
+                  </a:ext>
+                </a:extLst>
+              </a:tr>
+              <a:tr h="0">
+                <a:tc>
+                  <a:txBody>
+                    <a:bodyPr/>
+                    <a:lstStyle/>
+                    <a:p>
+                      <a:pPr algn="r">
+                        <a:lnSpc>
+                          <a:spcPct val="106000"/>
+                        </a:lnSpc>
+                        <a:spcAft>
+                          <a:spcPts val="0"/>
+                        </a:spcAft>
+                      </a:pPr>
+                      <a:r>
+                        <a:rPr lang="en-US" sz="3000" b="0" dirty="0">
+                          <a:effectLst/>
+                        </a:rPr>
+                        <a:t>Diameter</a:t>
+                      </a:r>
+                      <a:endParaRPr lang="tr-TR" sz="3000" b="0" dirty="0">
+                        <a:effectLst/>
+                        <a:latin typeface="Calibri" panose="020F0502020204030204" pitchFamily="34" charset="0"/>
+                        <a:ea typeface="Calibri" panose="020F0502020204030204" pitchFamily="34" charset="0"/>
+                        <a:cs typeface="Times New Roman" panose="02020603050405020304" pitchFamily="18" charset="0"/>
+                      </a:endParaRPr>
+                    </a:p>
+                  </a:txBody>
+                  <a:tcPr marL="68580" marR="68580" marT="0" marB="0">
+                    <a:lnL w="12700" cap="flat" cmpd="sng" algn="ctr">
+                      <a:solidFill>
+                        <a:schemeClr val="accent2"/>
+                      </a:solidFill>
+                      <a:prstDash val="solid"/>
+                      <a:round/>
+                      <a:headEnd type="none" w="med" len="med"/>
+                      <a:tailEnd type="none" w="med" len="med"/>
+                    </a:lnL>
+                    <a:lnR w="12700" cap="flat" cmpd="sng" algn="ctr">
+                      <a:solidFill>
+                        <a:schemeClr val="accent2"/>
+                      </a:solidFill>
+                      <a:prstDash val="solid"/>
+                      <a:round/>
+                      <a:headEnd type="none" w="med" len="med"/>
+                      <a:tailEnd type="none" w="med" len="med"/>
+                    </a:lnR>
+                    <a:lnT w="12700" cap="flat" cmpd="sng" algn="ctr">
+                      <a:solidFill>
+                        <a:schemeClr val="accent2"/>
+                      </a:solidFill>
+                      <a:prstDash val="solid"/>
+                      <a:round/>
+                      <a:headEnd type="none" w="med" len="med"/>
+                      <a:tailEnd type="none" w="med" len="med"/>
+                    </a:lnT>
+                    <a:lnB w="12700" cap="flat" cmpd="sng" algn="ctr">
+                      <a:solidFill>
+                        <a:schemeClr val="accent2"/>
+                      </a:solidFill>
+                      <a:prstDash val="solid"/>
+                      <a:round/>
+                      <a:headEnd type="none" w="med" len="med"/>
+                      <a:tailEnd type="none" w="med" len="med"/>
+                    </a:lnB>
+                    <a:lnTlToBr w="12700" cmpd="sng">
+                      <a:noFill/>
+                      <a:prstDash val="solid"/>
+                    </a:lnTlToBr>
+                    <a:lnBlToTr w="12700" cmpd="sng">
+                      <a:noFill/>
+                      <a:prstDash val="solid"/>
+                    </a:lnBlToTr>
+                    <a:solidFill>
+                      <a:schemeClr val="bg1"/>
+                    </a:solidFill>
+                  </a:tcPr>
+                </a:tc>
+                <a:tc>
+                  <a:txBody>
+                    <a:bodyPr/>
+                    <a:lstStyle/>
+                    <a:p>
+                      <a:pPr>
+                        <a:lnSpc>
+                          <a:spcPct val="106000"/>
+                        </a:lnSpc>
+                        <a:spcAft>
+                          <a:spcPts val="0"/>
+                        </a:spcAft>
+                      </a:pPr>
+                      <a:r>
+                        <a:rPr lang="en-US" sz="3000" b="0">
+                          <a:effectLst/>
+                        </a:rPr>
+                        <a:t> </a:t>
+                      </a:r>
+                      <a:endParaRPr lang="tr-TR" sz="3000" b="0">
+                        <a:effectLst/>
+                        <a:latin typeface="Calibri" panose="020F0502020204030204" pitchFamily="34" charset="0"/>
+                        <a:ea typeface="Calibri" panose="020F0502020204030204" pitchFamily="34" charset="0"/>
+                        <a:cs typeface="Times New Roman" panose="02020603050405020304" pitchFamily="18" charset="0"/>
+                      </a:endParaRPr>
+                    </a:p>
+                  </a:txBody>
+                  <a:tcPr marL="68580" marR="68580" marT="0" marB="0">
+                    <a:lnL w="12700" cap="flat" cmpd="sng" algn="ctr">
+                      <a:solidFill>
+                        <a:schemeClr val="accent2"/>
+                      </a:solidFill>
+                      <a:prstDash val="solid"/>
+                      <a:round/>
+                      <a:headEnd type="none" w="med" len="med"/>
+                      <a:tailEnd type="none" w="med" len="med"/>
+                    </a:lnL>
+                    <a:lnR w="12700" cap="flat" cmpd="sng" algn="ctr">
+                      <a:solidFill>
+                        <a:schemeClr val="accent2"/>
+                      </a:solidFill>
+                      <a:prstDash val="solid"/>
+                      <a:round/>
+                      <a:headEnd type="none" w="med" len="med"/>
+                      <a:tailEnd type="none" w="med" len="med"/>
+                    </a:lnR>
+                    <a:lnT w="12700" cap="flat" cmpd="sng" algn="ctr">
+                      <a:solidFill>
+                        <a:schemeClr val="accent2"/>
+                      </a:solidFill>
+                      <a:prstDash val="solid"/>
+                      <a:round/>
+                      <a:headEnd type="none" w="med" len="med"/>
+                      <a:tailEnd type="none" w="med" len="med"/>
+                    </a:lnT>
+                    <a:lnB w="12700" cap="flat" cmpd="sng" algn="ctr">
+                      <a:solidFill>
+                        <a:schemeClr val="accent2"/>
+                      </a:solidFill>
+                      <a:prstDash val="solid"/>
+                      <a:round/>
+                      <a:headEnd type="none" w="med" len="med"/>
+                      <a:tailEnd type="none" w="med" len="med"/>
+                    </a:lnB>
+                    <a:lnTlToBr w="12700" cmpd="sng">
+                      <a:noFill/>
+                      <a:prstDash val="solid"/>
+                    </a:lnTlToBr>
+                    <a:lnBlToTr w="12700" cmpd="sng">
+                      <a:noFill/>
+                      <a:prstDash val="solid"/>
+                    </a:lnBlToTr>
+                    <a:solidFill>
+                      <a:schemeClr val="bg1"/>
+                    </a:solidFill>
+                  </a:tcPr>
+                </a:tc>
+                <a:extLst>
+                  <a:ext uri="{0D108BD9-81ED-4DB2-BD59-A6C34878D82A}">
+                    <a16:rowId xmlns:a16="http://schemas.microsoft.com/office/drawing/2014/main" val="2487710474"/>
+                  </a:ext>
+                </a:extLst>
+              </a:tr>
+              <a:tr h="0">
+                <a:tc>
+                  <a:txBody>
+                    <a:bodyPr/>
+                    <a:lstStyle/>
+                    <a:p>
+                      <a:pPr algn="r">
+                        <a:lnSpc>
+                          <a:spcPct val="106000"/>
+                        </a:lnSpc>
+                        <a:spcAft>
+                          <a:spcPts val="0"/>
+                        </a:spcAft>
+                      </a:pPr>
+                      <a:r>
+                        <a:rPr lang="en-US" sz="3000" b="0" dirty="0">
+                          <a:effectLst/>
+                        </a:rPr>
+                        <a:t>Weight</a:t>
+                      </a:r>
+                      <a:endParaRPr lang="tr-TR" sz="3000" b="0" dirty="0">
+                        <a:effectLst/>
+                        <a:latin typeface="Calibri" panose="020F0502020204030204" pitchFamily="34" charset="0"/>
+                        <a:ea typeface="Calibri" panose="020F0502020204030204" pitchFamily="34" charset="0"/>
+                        <a:cs typeface="Times New Roman" panose="02020603050405020304" pitchFamily="18" charset="0"/>
+                      </a:endParaRPr>
+                    </a:p>
+                  </a:txBody>
+                  <a:tcPr marL="68580" marR="68580" marT="0" marB="0">
+                    <a:lnL w="12700" cap="flat" cmpd="sng" algn="ctr">
+                      <a:solidFill>
+                        <a:schemeClr val="accent2"/>
+                      </a:solidFill>
+                      <a:prstDash val="solid"/>
+                      <a:round/>
+                      <a:headEnd type="none" w="med" len="med"/>
+                      <a:tailEnd type="none" w="med" len="med"/>
+                    </a:lnL>
+                    <a:lnR w="12700" cap="flat" cmpd="sng" algn="ctr">
+                      <a:solidFill>
+                        <a:schemeClr val="accent2"/>
+                      </a:solidFill>
+                      <a:prstDash val="solid"/>
+                      <a:round/>
+                      <a:headEnd type="none" w="med" len="med"/>
+                      <a:tailEnd type="none" w="med" len="med"/>
+                    </a:lnR>
+                    <a:lnT w="12700" cap="flat" cmpd="sng" algn="ctr">
+                      <a:solidFill>
+                        <a:schemeClr val="accent2"/>
+                      </a:solidFill>
+                      <a:prstDash val="solid"/>
+                      <a:round/>
+                      <a:headEnd type="none" w="med" len="med"/>
+                      <a:tailEnd type="none" w="med" len="med"/>
+                    </a:lnT>
+                    <a:lnB w="12700" cap="flat" cmpd="sng" algn="ctr">
+                      <a:solidFill>
+                        <a:schemeClr val="accent2"/>
+                      </a:solidFill>
+                      <a:prstDash val="solid"/>
+                      <a:round/>
+                      <a:headEnd type="none" w="med" len="med"/>
+                      <a:tailEnd type="none" w="med" len="med"/>
+                    </a:lnB>
+                    <a:lnTlToBr w="12700" cmpd="sng">
+                      <a:noFill/>
+                      <a:prstDash val="solid"/>
+                    </a:lnTlToBr>
+                    <a:lnBlToTr w="12700" cmpd="sng">
+                      <a:noFill/>
+                      <a:prstDash val="solid"/>
+                    </a:lnBlToTr>
+                    <a:solidFill>
+                      <a:schemeClr val="bg1"/>
+                    </a:solidFill>
+                  </a:tcPr>
+                </a:tc>
+                <a:tc>
+                  <a:txBody>
+                    <a:bodyPr/>
+                    <a:lstStyle/>
+                    <a:p>
+                      <a:pPr>
+                        <a:lnSpc>
+                          <a:spcPct val="106000"/>
+                        </a:lnSpc>
+                        <a:spcAft>
+                          <a:spcPts val="0"/>
+                        </a:spcAft>
+                      </a:pPr>
+                      <a:r>
+                        <a:rPr lang="en-US" sz="3000" b="0" dirty="0">
+                          <a:effectLst/>
+                        </a:rPr>
+                        <a:t> </a:t>
+                      </a:r>
+                      <a:endParaRPr lang="tr-TR" sz="3000" b="0" dirty="0">
+                        <a:effectLst/>
+                        <a:latin typeface="Calibri" panose="020F0502020204030204" pitchFamily="34" charset="0"/>
+                        <a:ea typeface="Calibri" panose="020F0502020204030204" pitchFamily="34" charset="0"/>
+                        <a:cs typeface="Times New Roman" panose="02020603050405020304" pitchFamily="18" charset="0"/>
+                      </a:endParaRPr>
+                    </a:p>
+                  </a:txBody>
+                  <a:tcPr marL="68580" marR="68580" marT="0" marB="0">
+                    <a:lnL w="12700" cap="flat" cmpd="sng" algn="ctr">
+                      <a:solidFill>
+                        <a:schemeClr val="accent2"/>
+                      </a:solidFill>
+                      <a:prstDash val="solid"/>
+                      <a:round/>
+                      <a:headEnd type="none" w="med" len="med"/>
+                      <a:tailEnd type="none" w="med" len="med"/>
+                    </a:lnL>
+                    <a:lnR w="12700" cap="flat" cmpd="sng" algn="ctr">
+                      <a:solidFill>
+                        <a:schemeClr val="accent2"/>
+                      </a:solidFill>
+                      <a:prstDash val="solid"/>
+                      <a:round/>
+                      <a:headEnd type="none" w="med" len="med"/>
+                      <a:tailEnd type="none" w="med" len="med"/>
+                    </a:lnR>
+                    <a:lnT w="12700" cap="flat" cmpd="sng" algn="ctr">
+                      <a:solidFill>
+                        <a:schemeClr val="accent2"/>
+                      </a:solidFill>
+                      <a:prstDash val="solid"/>
+                      <a:round/>
+                      <a:headEnd type="none" w="med" len="med"/>
+                      <a:tailEnd type="none" w="med" len="med"/>
+                    </a:lnT>
+                    <a:lnB w="12700" cap="flat" cmpd="sng" algn="ctr">
+                      <a:solidFill>
+                        <a:schemeClr val="accent2"/>
+                      </a:solidFill>
+                      <a:prstDash val="solid"/>
+                      <a:round/>
+                      <a:headEnd type="none" w="med" len="med"/>
+                      <a:tailEnd type="none" w="med" len="med"/>
+                    </a:lnB>
+                    <a:lnTlToBr w="12700" cmpd="sng">
+                      <a:noFill/>
+                      <a:prstDash val="solid"/>
+                    </a:lnTlToBr>
+                    <a:lnBlToTr w="12700" cmpd="sng">
+                      <a:noFill/>
+                      <a:prstDash val="solid"/>
+                    </a:lnBlToTr>
+                    <a:solidFill>
+                      <a:schemeClr val="bg1"/>
+                    </a:solidFill>
+                  </a:tcPr>
+                </a:tc>
+                <a:extLst>
+                  <a:ext uri="{0D108BD9-81ED-4DB2-BD59-A6C34878D82A}">
+                    <a16:rowId xmlns:a16="http://schemas.microsoft.com/office/drawing/2014/main" val="1698713145"/>
+                  </a:ext>
+                </a:extLst>
+              </a:tr>
+              <a:tr h="0">
+                <a:tc>
+                  <a:txBody>
+                    <a:bodyPr/>
+                    <a:lstStyle/>
+                    <a:p>
+                      <a:pPr>
+                        <a:lnSpc>
+                          <a:spcPct val="106000"/>
+                        </a:lnSpc>
+                        <a:spcAft>
+                          <a:spcPts val="0"/>
+                        </a:spcAft>
+                      </a:pPr>
+                      <a:r>
+                        <a:rPr lang="en-US" sz="3000" b="0" dirty="0">
+                          <a:effectLst/>
+                        </a:rPr>
+                        <a:t>Power Specifications</a:t>
+                      </a:r>
+                      <a:endParaRPr lang="tr-TR" sz="3000" b="0" dirty="0">
+                        <a:effectLst/>
+                        <a:latin typeface="Calibri" panose="020F0502020204030204" pitchFamily="34" charset="0"/>
+                        <a:ea typeface="Calibri" panose="020F0502020204030204" pitchFamily="34" charset="0"/>
+                        <a:cs typeface="Times New Roman" panose="02020603050405020304" pitchFamily="18" charset="0"/>
+                      </a:endParaRPr>
+                    </a:p>
+                  </a:txBody>
+                  <a:tcPr marL="68580" marR="68580" marT="0" marB="0">
+                    <a:lnL w="12700" cap="flat" cmpd="sng" algn="ctr">
+                      <a:solidFill>
+                        <a:schemeClr val="accent2"/>
+                      </a:solidFill>
+                      <a:prstDash val="solid"/>
+                      <a:round/>
+                      <a:headEnd type="none" w="med" len="med"/>
+                      <a:tailEnd type="none" w="med" len="med"/>
+                    </a:lnL>
+                    <a:lnR w="12700" cap="flat" cmpd="sng" algn="ctr">
+                      <a:solidFill>
+                        <a:schemeClr val="accent2"/>
+                      </a:solidFill>
+                      <a:prstDash val="solid"/>
+                      <a:round/>
+                      <a:headEnd type="none" w="med" len="med"/>
+                      <a:tailEnd type="none" w="med" len="med"/>
+                    </a:lnR>
+                    <a:lnT w="12700" cap="flat" cmpd="sng" algn="ctr">
+                      <a:solidFill>
+                        <a:schemeClr val="accent2"/>
+                      </a:solidFill>
+                      <a:prstDash val="solid"/>
+                      <a:round/>
+                      <a:headEnd type="none" w="med" len="med"/>
+                      <a:tailEnd type="none" w="med" len="med"/>
+                    </a:lnT>
+                    <a:lnB w="12700" cap="flat" cmpd="sng" algn="ctr">
+                      <a:solidFill>
+                        <a:schemeClr val="accent2"/>
+                      </a:solidFill>
+                      <a:prstDash val="solid"/>
+                      <a:round/>
+                      <a:headEnd type="none" w="med" len="med"/>
+                      <a:tailEnd type="none" w="med" len="med"/>
+                    </a:lnB>
+                    <a:lnTlToBr w="12700" cmpd="sng">
+                      <a:noFill/>
+                      <a:prstDash val="solid"/>
+                    </a:lnTlToBr>
+                    <a:lnBlToTr w="12700" cmpd="sng">
+                      <a:noFill/>
+                      <a:prstDash val="solid"/>
+                    </a:lnBlToTr>
+                    <a:solidFill>
+                      <a:schemeClr val="bg1"/>
+                    </a:solidFill>
+                  </a:tcPr>
+                </a:tc>
+                <a:tc>
+                  <a:txBody>
+                    <a:bodyPr/>
+                    <a:lstStyle/>
+                    <a:p>
+                      <a:pPr>
+                        <a:lnSpc>
+                          <a:spcPct val="106000"/>
+                        </a:lnSpc>
+                        <a:spcAft>
+                          <a:spcPts val="0"/>
+                        </a:spcAft>
+                      </a:pPr>
+                      <a:r>
+                        <a:rPr lang="en-US" sz="3000" b="0">
+                          <a:effectLst/>
+                        </a:rPr>
+                        <a:t> </a:t>
+                      </a:r>
+                      <a:endParaRPr lang="tr-TR" sz="3000" b="0">
+                        <a:effectLst/>
+                        <a:latin typeface="Calibri" panose="020F0502020204030204" pitchFamily="34" charset="0"/>
+                        <a:ea typeface="Calibri" panose="020F0502020204030204" pitchFamily="34" charset="0"/>
+                        <a:cs typeface="Times New Roman" panose="02020603050405020304" pitchFamily="18" charset="0"/>
+                      </a:endParaRPr>
+                    </a:p>
+                  </a:txBody>
+                  <a:tcPr marL="68580" marR="68580" marT="0" marB="0">
+                    <a:lnL w="12700" cap="flat" cmpd="sng" algn="ctr">
+                      <a:solidFill>
+                        <a:schemeClr val="accent2"/>
+                      </a:solidFill>
+                      <a:prstDash val="solid"/>
+                      <a:round/>
+                      <a:headEnd type="none" w="med" len="med"/>
+                      <a:tailEnd type="none" w="med" len="med"/>
+                    </a:lnL>
+                    <a:lnR w="12700" cap="flat" cmpd="sng" algn="ctr">
+                      <a:solidFill>
+                        <a:schemeClr val="accent2"/>
+                      </a:solidFill>
+                      <a:prstDash val="solid"/>
+                      <a:round/>
+                      <a:headEnd type="none" w="med" len="med"/>
+                      <a:tailEnd type="none" w="med" len="med"/>
+                    </a:lnR>
+                    <a:lnT w="12700" cap="flat" cmpd="sng" algn="ctr">
+                      <a:solidFill>
+                        <a:schemeClr val="accent2"/>
+                      </a:solidFill>
+                      <a:prstDash val="solid"/>
+                      <a:round/>
+                      <a:headEnd type="none" w="med" len="med"/>
+                      <a:tailEnd type="none" w="med" len="med"/>
+                    </a:lnT>
+                    <a:lnB w="12700" cap="flat" cmpd="sng" algn="ctr">
+                      <a:solidFill>
+                        <a:schemeClr val="accent2"/>
+                      </a:solidFill>
+                      <a:prstDash val="solid"/>
+                      <a:round/>
+                      <a:headEnd type="none" w="med" len="med"/>
+                      <a:tailEnd type="none" w="med" len="med"/>
+                    </a:lnB>
+                    <a:lnTlToBr w="12700" cmpd="sng">
+                      <a:noFill/>
+                      <a:prstDash val="solid"/>
+                    </a:lnTlToBr>
+                    <a:lnBlToTr w="12700" cmpd="sng">
+                      <a:noFill/>
+                      <a:prstDash val="solid"/>
+                    </a:lnBlToTr>
+                    <a:solidFill>
+                      <a:schemeClr val="bg1"/>
+                    </a:solidFill>
+                  </a:tcPr>
+                </a:tc>
+                <a:extLst>
+                  <a:ext uri="{0D108BD9-81ED-4DB2-BD59-A6C34878D82A}">
+                    <a16:rowId xmlns:a16="http://schemas.microsoft.com/office/drawing/2014/main" val="4166918324"/>
+                  </a:ext>
+                </a:extLst>
+              </a:tr>
+              <a:tr h="0">
+                <a:tc>
+                  <a:txBody>
+                    <a:bodyPr/>
+                    <a:lstStyle/>
+                    <a:p>
+                      <a:pPr algn="r">
+                        <a:lnSpc>
+                          <a:spcPct val="106000"/>
+                        </a:lnSpc>
+                        <a:spcAft>
+                          <a:spcPts val="0"/>
+                        </a:spcAft>
+                      </a:pPr>
+                      <a:r>
+                        <a:rPr lang="en-US" sz="3000" b="0" dirty="0">
+                          <a:effectLst/>
+                        </a:rPr>
+                        <a:t>Idle Power</a:t>
+                      </a:r>
+                      <a:endParaRPr lang="tr-TR" sz="3000" b="0" dirty="0">
+                        <a:effectLst/>
+                        <a:latin typeface="Calibri" panose="020F0502020204030204" pitchFamily="34" charset="0"/>
+                        <a:ea typeface="Calibri" panose="020F0502020204030204" pitchFamily="34" charset="0"/>
+                        <a:cs typeface="Times New Roman" panose="02020603050405020304" pitchFamily="18" charset="0"/>
+                      </a:endParaRPr>
+                    </a:p>
+                  </a:txBody>
+                  <a:tcPr marL="68580" marR="68580" marT="0" marB="0">
+                    <a:lnL w="12700" cap="flat" cmpd="sng" algn="ctr">
+                      <a:solidFill>
+                        <a:schemeClr val="accent2"/>
+                      </a:solidFill>
+                      <a:prstDash val="solid"/>
+                      <a:round/>
+                      <a:headEnd type="none" w="med" len="med"/>
+                      <a:tailEnd type="none" w="med" len="med"/>
+                    </a:lnL>
+                    <a:lnR w="12700" cap="flat" cmpd="sng" algn="ctr">
+                      <a:solidFill>
+                        <a:schemeClr val="accent2"/>
+                      </a:solidFill>
+                      <a:prstDash val="solid"/>
+                      <a:round/>
+                      <a:headEnd type="none" w="med" len="med"/>
+                      <a:tailEnd type="none" w="med" len="med"/>
+                    </a:lnR>
+                    <a:lnT w="12700" cap="flat" cmpd="sng" algn="ctr">
+                      <a:solidFill>
+                        <a:schemeClr val="accent2"/>
+                      </a:solidFill>
+                      <a:prstDash val="solid"/>
+                      <a:round/>
+                      <a:headEnd type="none" w="med" len="med"/>
+                      <a:tailEnd type="none" w="med" len="med"/>
+                    </a:lnT>
+                    <a:lnB w="12700" cap="flat" cmpd="sng" algn="ctr">
+                      <a:solidFill>
+                        <a:schemeClr val="accent2"/>
+                      </a:solidFill>
+                      <a:prstDash val="solid"/>
+                      <a:round/>
+                      <a:headEnd type="none" w="med" len="med"/>
+                      <a:tailEnd type="none" w="med" len="med"/>
+                    </a:lnB>
+                    <a:lnTlToBr w="12700" cmpd="sng">
+                      <a:noFill/>
+                      <a:prstDash val="solid"/>
+                    </a:lnTlToBr>
+                    <a:lnBlToTr w="12700" cmpd="sng">
+                      <a:noFill/>
+                      <a:prstDash val="solid"/>
+                    </a:lnBlToTr>
+                    <a:solidFill>
+                      <a:schemeClr val="bg1"/>
+                    </a:solidFill>
+                  </a:tcPr>
+                </a:tc>
+                <a:tc>
+                  <a:txBody>
+                    <a:bodyPr/>
+                    <a:lstStyle/>
+                    <a:p>
+                      <a:pPr>
+                        <a:lnSpc>
+                          <a:spcPct val="106000"/>
+                        </a:lnSpc>
+                        <a:spcAft>
+                          <a:spcPts val="0"/>
+                        </a:spcAft>
+                      </a:pPr>
+                      <a:r>
+                        <a:rPr lang="en-US" sz="3000" b="0">
+                          <a:effectLst/>
+                        </a:rPr>
+                        <a:t> </a:t>
+                      </a:r>
+                      <a:endParaRPr lang="tr-TR" sz="3000" b="0">
+                        <a:effectLst/>
+                        <a:latin typeface="Calibri" panose="020F0502020204030204" pitchFamily="34" charset="0"/>
+                        <a:ea typeface="Calibri" panose="020F0502020204030204" pitchFamily="34" charset="0"/>
+                        <a:cs typeface="Times New Roman" panose="02020603050405020304" pitchFamily="18" charset="0"/>
+                      </a:endParaRPr>
+                    </a:p>
+                  </a:txBody>
+                  <a:tcPr marL="68580" marR="68580" marT="0" marB="0">
+                    <a:lnL w="12700" cap="flat" cmpd="sng" algn="ctr">
+                      <a:solidFill>
+                        <a:schemeClr val="accent2"/>
+                      </a:solidFill>
+                      <a:prstDash val="solid"/>
+                      <a:round/>
+                      <a:headEnd type="none" w="med" len="med"/>
+                      <a:tailEnd type="none" w="med" len="med"/>
+                    </a:lnL>
+                    <a:lnR w="12700" cap="flat" cmpd="sng" algn="ctr">
+                      <a:solidFill>
+                        <a:schemeClr val="accent2"/>
+                      </a:solidFill>
+                      <a:prstDash val="solid"/>
+                      <a:round/>
+                      <a:headEnd type="none" w="med" len="med"/>
+                      <a:tailEnd type="none" w="med" len="med"/>
+                    </a:lnR>
+                    <a:lnT w="12700" cap="flat" cmpd="sng" algn="ctr">
+                      <a:solidFill>
+                        <a:schemeClr val="accent2"/>
+                      </a:solidFill>
+                      <a:prstDash val="solid"/>
+                      <a:round/>
+                      <a:headEnd type="none" w="med" len="med"/>
+                      <a:tailEnd type="none" w="med" len="med"/>
+                    </a:lnT>
+                    <a:lnB w="12700" cap="flat" cmpd="sng" algn="ctr">
+                      <a:solidFill>
+                        <a:schemeClr val="accent2"/>
+                      </a:solidFill>
+                      <a:prstDash val="solid"/>
+                      <a:round/>
+                      <a:headEnd type="none" w="med" len="med"/>
+                      <a:tailEnd type="none" w="med" len="med"/>
+                    </a:lnB>
+                    <a:lnTlToBr w="12700" cmpd="sng">
+                      <a:noFill/>
+                      <a:prstDash val="solid"/>
+                    </a:lnTlToBr>
+                    <a:lnBlToTr w="12700" cmpd="sng">
+                      <a:noFill/>
+                      <a:prstDash val="solid"/>
+                    </a:lnBlToTr>
+                    <a:solidFill>
+                      <a:schemeClr val="bg1"/>
+                    </a:solidFill>
+                  </a:tcPr>
+                </a:tc>
+                <a:extLst>
+                  <a:ext uri="{0D108BD9-81ED-4DB2-BD59-A6C34878D82A}">
+                    <a16:rowId xmlns:a16="http://schemas.microsoft.com/office/drawing/2014/main" val="1754544793"/>
+                  </a:ext>
+                </a:extLst>
+              </a:tr>
+              <a:tr h="0">
+                <a:tc>
+                  <a:txBody>
+                    <a:bodyPr/>
+                    <a:lstStyle/>
+                    <a:p>
+                      <a:pPr algn="r">
+                        <a:lnSpc>
+                          <a:spcPct val="106000"/>
+                        </a:lnSpc>
+                        <a:spcAft>
+                          <a:spcPts val="0"/>
+                        </a:spcAft>
+                      </a:pPr>
+                      <a:r>
+                        <a:rPr lang="en-US" sz="3000" b="0" dirty="0">
+                          <a:effectLst/>
+                        </a:rPr>
+                        <a:t>Max Power</a:t>
+                      </a:r>
+                      <a:endParaRPr lang="tr-TR" sz="3000" b="0" dirty="0">
+                        <a:effectLst/>
+                        <a:latin typeface="Calibri" panose="020F0502020204030204" pitchFamily="34" charset="0"/>
+                        <a:ea typeface="Calibri" panose="020F0502020204030204" pitchFamily="34" charset="0"/>
+                        <a:cs typeface="Times New Roman" panose="02020603050405020304" pitchFamily="18" charset="0"/>
+                      </a:endParaRPr>
+                    </a:p>
+                  </a:txBody>
+                  <a:tcPr marL="68580" marR="68580" marT="0" marB="0">
+                    <a:lnL w="12700" cap="flat" cmpd="sng" algn="ctr">
+                      <a:solidFill>
+                        <a:schemeClr val="accent2"/>
+                      </a:solidFill>
+                      <a:prstDash val="solid"/>
+                      <a:round/>
+                      <a:headEnd type="none" w="med" len="med"/>
+                      <a:tailEnd type="none" w="med" len="med"/>
+                    </a:lnL>
+                    <a:lnR w="12700" cap="flat" cmpd="sng" algn="ctr">
+                      <a:solidFill>
+                        <a:schemeClr val="accent2"/>
+                      </a:solidFill>
+                      <a:prstDash val="solid"/>
+                      <a:round/>
+                      <a:headEnd type="none" w="med" len="med"/>
+                      <a:tailEnd type="none" w="med" len="med"/>
+                    </a:lnR>
+                    <a:lnT w="12700" cap="flat" cmpd="sng" algn="ctr">
+                      <a:solidFill>
+                        <a:schemeClr val="accent2"/>
+                      </a:solidFill>
+                      <a:prstDash val="solid"/>
+                      <a:round/>
+                      <a:headEnd type="none" w="med" len="med"/>
+                      <a:tailEnd type="none" w="med" len="med"/>
+                    </a:lnT>
+                    <a:lnB w="12700" cap="flat" cmpd="sng" algn="ctr">
+                      <a:solidFill>
+                        <a:schemeClr val="accent2"/>
+                      </a:solidFill>
+                      <a:prstDash val="solid"/>
+                      <a:round/>
+                      <a:headEnd type="none" w="med" len="med"/>
+                      <a:tailEnd type="none" w="med" len="med"/>
+                    </a:lnB>
+                    <a:lnTlToBr w="12700" cmpd="sng">
+                      <a:noFill/>
+                      <a:prstDash val="solid"/>
+                    </a:lnTlToBr>
+                    <a:lnBlToTr w="12700" cmpd="sng">
+                      <a:noFill/>
+                      <a:prstDash val="solid"/>
+                    </a:lnBlToTr>
+                    <a:solidFill>
+                      <a:schemeClr val="bg1"/>
+                    </a:solidFill>
+                  </a:tcPr>
+                </a:tc>
+                <a:tc>
+                  <a:txBody>
+                    <a:bodyPr/>
+                    <a:lstStyle/>
+                    <a:p>
+                      <a:pPr>
+                        <a:lnSpc>
+                          <a:spcPct val="106000"/>
+                        </a:lnSpc>
+                        <a:spcAft>
+                          <a:spcPts val="0"/>
+                        </a:spcAft>
+                      </a:pPr>
+                      <a:r>
+                        <a:rPr lang="en-US" sz="3000" b="0">
+                          <a:effectLst/>
+                        </a:rPr>
+                        <a:t> </a:t>
+                      </a:r>
+                      <a:endParaRPr lang="tr-TR" sz="3000" b="0">
+                        <a:effectLst/>
+                        <a:latin typeface="Calibri" panose="020F0502020204030204" pitchFamily="34" charset="0"/>
+                        <a:ea typeface="Calibri" panose="020F0502020204030204" pitchFamily="34" charset="0"/>
+                        <a:cs typeface="Times New Roman" panose="02020603050405020304" pitchFamily="18" charset="0"/>
+                      </a:endParaRPr>
+                    </a:p>
+                  </a:txBody>
+                  <a:tcPr marL="68580" marR="68580" marT="0" marB="0">
+                    <a:lnL w="12700" cap="flat" cmpd="sng" algn="ctr">
+                      <a:solidFill>
+                        <a:schemeClr val="accent2"/>
+                      </a:solidFill>
+                      <a:prstDash val="solid"/>
+                      <a:round/>
+                      <a:headEnd type="none" w="med" len="med"/>
+                      <a:tailEnd type="none" w="med" len="med"/>
+                    </a:lnL>
+                    <a:lnR w="12700" cap="flat" cmpd="sng" algn="ctr">
+                      <a:solidFill>
+                        <a:schemeClr val="accent2"/>
+                      </a:solidFill>
+                      <a:prstDash val="solid"/>
+                      <a:round/>
+                      <a:headEnd type="none" w="med" len="med"/>
+                      <a:tailEnd type="none" w="med" len="med"/>
+                    </a:lnR>
+                    <a:lnT w="12700" cap="flat" cmpd="sng" algn="ctr">
+                      <a:solidFill>
+                        <a:schemeClr val="accent2"/>
+                      </a:solidFill>
+                      <a:prstDash val="solid"/>
+                      <a:round/>
+                      <a:headEnd type="none" w="med" len="med"/>
+                      <a:tailEnd type="none" w="med" len="med"/>
+                    </a:lnT>
+                    <a:lnB w="12700" cap="flat" cmpd="sng" algn="ctr">
+                      <a:solidFill>
+                        <a:schemeClr val="accent2"/>
+                      </a:solidFill>
+                      <a:prstDash val="solid"/>
+                      <a:round/>
+                      <a:headEnd type="none" w="med" len="med"/>
+                      <a:tailEnd type="none" w="med" len="med"/>
+                    </a:lnB>
+                    <a:lnTlToBr w="12700" cmpd="sng">
+                      <a:noFill/>
+                      <a:prstDash val="solid"/>
+                    </a:lnTlToBr>
+                    <a:lnBlToTr w="12700" cmpd="sng">
+                      <a:noFill/>
+                      <a:prstDash val="solid"/>
+                    </a:lnBlToTr>
+                    <a:solidFill>
+                      <a:schemeClr val="bg1"/>
+                    </a:solidFill>
+                  </a:tcPr>
+                </a:tc>
+                <a:extLst>
+                  <a:ext uri="{0D108BD9-81ED-4DB2-BD59-A6C34878D82A}">
+                    <a16:rowId xmlns:a16="http://schemas.microsoft.com/office/drawing/2014/main" val="3153001565"/>
+                  </a:ext>
+                </a:extLst>
+              </a:tr>
+              <a:tr h="0">
+                <a:tc>
+                  <a:txBody>
+                    <a:bodyPr/>
+                    <a:lstStyle/>
+                    <a:p>
+                      <a:pPr algn="r">
+                        <a:lnSpc>
+                          <a:spcPct val="106000"/>
+                        </a:lnSpc>
+                        <a:spcAft>
+                          <a:spcPts val="0"/>
+                        </a:spcAft>
+                      </a:pPr>
+                      <a:r>
+                        <a:rPr lang="en-US" sz="3000" b="0" dirty="0">
+                          <a:effectLst/>
+                        </a:rPr>
+                        <a:t>Operation Time</a:t>
+                      </a:r>
+                      <a:endParaRPr lang="tr-TR" sz="3000" b="0" dirty="0">
+                        <a:effectLst/>
+                        <a:latin typeface="Calibri" panose="020F0502020204030204" pitchFamily="34" charset="0"/>
+                        <a:ea typeface="Calibri" panose="020F0502020204030204" pitchFamily="34" charset="0"/>
+                        <a:cs typeface="Times New Roman" panose="02020603050405020304" pitchFamily="18" charset="0"/>
+                      </a:endParaRPr>
+                    </a:p>
+                  </a:txBody>
+                  <a:tcPr marL="68580" marR="68580" marT="0" marB="0">
+                    <a:lnL w="12700" cap="flat" cmpd="sng" algn="ctr">
+                      <a:solidFill>
+                        <a:schemeClr val="accent2"/>
+                      </a:solidFill>
+                      <a:prstDash val="solid"/>
+                      <a:round/>
+                      <a:headEnd type="none" w="med" len="med"/>
+                      <a:tailEnd type="none" w="med" len="med"/>
+                    </a:lnL>
+                    <a:lnR w="12700" cap="flat" cmpd="sng" algn="ctr">
+                      <a:solidFill>
+                        <a:schemeClr val="accent2"/>
+                      </a:solidFill>
+                      <a:prstDash val="solid"/>
+                      <a:round/>
+                      <a:headEnd type="none" w="med" len="med"/>
+                      <a:tailEnd type="none" w="med" len="med"/>
+                    </a:lnR>
+                    <a:lnT w="12700" cap="flat" cmpd="sng" algn="ctr">
+                      <a:solidFill>
+                        <a:schemeClr val="accent2"/>
+                      </a:solidFill>
+                      <a:prstDash val="solid"/>
+                      <a:round/>
+                      <a:headEnd type="none" w="med" len="med"/>
+                      <a:tailEnd type="none" w="med" len="med"/>
+                    </a:lnT>
+                    <a:lnB w="12700" cap="flat" cmpd="sng" algn="ctr">
+                      <a:solidFill>
+                        <a:schemeClr val="accent2"/>
+                      </a:solidFill>
+                      <a:prstDash val="solid"/>
+                      <a:round/>
+                      <a:headEnd type="none" w="med" len="med"/>
+                      <a:tailEnd type="none" w="med" len="med"/>
+                    </a:lnB>
+                    <a:lnTlToBr w="12700" cmpd="sng">
+                      <a:noFill/>
+                      <a:prstDash val="solid"/>
+                    </a:lnTlToBr>
+                    <a:lnBlToTr w="12700" cmpd="sng">
+                      <a:noFill/>
+                      <a:prstDash val="solid"/>
+                    </a:lnBlToTr>
+                    <a:solidFill>
+                      <a:schemeClr val="bg1"/>
+                    </a:solidFill>
+                  </a:tcPr>
+                </a:tc>
+                <a:tc>
+                  <a:txBody>
+                    <a:bodyPr/>
+                    <a:lstStyle/>
+                    <a:p>
+                      <a:pPr>
+                        <a:lnSpc>
+                          <a:spcPct val="106000"/>
+                        </a:lnSpc>
+                        <a:spcAft>
+                          <a:spcPts val="0"/>
+                        </a:spcAft>
+                      </a:pPr>
+                      <a:r>
+                        <a:rPr lang="en-US" sz="3000" b="0">
+                          <a:effectLst/>
+                        </a:rPr>
+                        <a:t> </a:t>
+                      </a:r>
+                      <a:endParaRPr lang="tr-TR" sz="3000" b="0">
+                        <a:effectLst/>
+                        <a:latin typeface="Calibri" panose="020F0502020204030204" pitchFamily="34" charset="0"/>
+                        <a:ea typeface="Calibri" panose="020F0502020204030204" pitchFamily="34" charset="0"/>
+                        <a:cs typeface="Times New Roman" panose="02020603050405020304" pitchFamily="18" charset="0"/>
+                      </a:endParaRPr>
+                    </a:p>
+                  </a:txBody>
+                  <a:tcPr marL="68580" marR="68580" marT="0" marB="0">
+                    <a:lnL w="12700" cap="flat" cmpd="sng" algn="ctr">
+                      <a:solidFill>
+                        <a:schemeClr val="accent2"/>
+                      </a:solidFill>
+                      <a:prstDash val="solid"/>
+                      <a:round/>
+                      <a:headEnd type="none" w="med" len="med"/>
+                      <a:tailEnd type="none" w="med" len="med"/>
+                    </a:lnL>
+                    <a:lnR w="12700" cap="flat" cmpd="sng" algn="ctr">
+                      <a:solidFill>
+                        <a:schemeClr val="accent2"/>
+                      </a:solidFill>
+                      <a:prstDash val="solid"/>
+                      <a:round/>
+                      <a:headEnd type="none" w="med" len="med"/>
+                      <a:tailEnd type="none" w="med" len="med"/>
+                    </a:lnR>
+                    <a:lnT w="12700" cap="flat" cmpd="sng" algn="ctr">
+                      <a:solidFill>
+                        <a:schemeClr val="accent2"/>
+                      </a:solidFill>
+                      <a:prstDash val="solid"/>
+                      <a:round/>
+                      <a:headEnd type="none" w="med" len="med"/>
+                      <a:tailEnd type="none" w="med" len="med"/>
+                    </a:lnT>
+                    <a:lnB w="12700" cap="flat" cmpd="sng" algn="ctr">
+                      <a:solidFill>
+                        <a:schemeClr val="accent2"/>
+                      </a:solidFill>
+                      <a:prstDash val="solid"/>
+                      <a:round/>
+                      <a:headEnd type="none" w="med" len="med"/>
+                      <a:tailEnd type="none" w="med" len="med"/>
+                    </a:lnB>
+                    <a:lnTlToBr w="12700" cmpd="sng">
+                      <a:noFill/>
+                      <a:prstDash val="solid"/>
+                    </a:lnTlToBr>
+                    <a:lnBlToTr w="12700" cmpd="sng">
+                      <a:noFill/>
+                      <a:prstDash val="solid"/>
+                    </a:lnBlToTr>
+                    <a:solidFill>
+                      <a:schemeClr val="bg1"/>
+                    </a:solidFill>
+                  </a:tcPr>
+                </a:tc>
+                <a:extLst>
+                  <a:ext uri="{0D108BD9-81ED-4DB2-BD59-A6C34878D82A}">
+                    <a16:rowId xmlns:a16="http://schemas.microsoft.com/office/drawing/2014/main" val="2902478098"/>
+                  </a:ext>
+                </a:extLst>
+              </a:tr>
+              <a:tr h="0">
+                <a:tc>
+                  <a:txBody>
+                    <a:bodyPr/>
+                    <a:lstStyle/>
+                    <a:p>
+                      <a:pPr>
+                        <a:lnSpc>
+                          <a:spcPct val="106000"/>
+                        </a:lnSpc>
+                        <a:spcAft>
+                          <a:spcPts val="0"/>
+                        </a:spcAft>
+                      </a:pPr>
+                      <a:r>
+                        <a:rPr lang="en-US" sz="3000" b="0" dirty="0">
+                          <a:effectLst/>
+                        </a:rPr>
+                        <a:t>Operational Specifications</a:t>
+                      </a:r>
+                      <a:endParaRPr lang="tr-TR" sz="3000" b="0" dirty="0">
+                        <a:effectLst/>
+                        <a:latin typeface="Calibri" panose="020F0502020204030204" pitchFamily="34" charset="0"/>
+                        <a:ea typeface="Calibri" panose="020F0502020204030204" pitchFamily="34" charset="0"/>
+                        <a:cs typeface="Times New Roman" panose="02020603050405020304" pitchFamily="18" charset="0"/>
+                      </a:endParaRPr>
+                    </a:p>
+                  </a:txBody>
+                  <a:tcPr marL="68580" marR="68580" marT="0" marB="0">
+                    <a:lnL w="12700" cap="flat" cmpd="sng" algn="ctr">
+                      <a:solidFill>
+                        <a:schemeClr val="accent2"/>
+                      </a:solidFill>
+                      <a:prstDash val="solid"/>
+                      <a:round/>
+                      <a:headEnd type="none" w="med" len="med"/>
+                      <a:tailEnd type="none" w="med" len="med"/>
+                    </a:lnL>
+                    <a:lnR w="12700" cap="flat" cmpd="sng" algn="ctr">
+                      <a:solidFill>
+                        <a:schemeClr val="accent2"/>
+                      </a:solidFill>
+                      <a:prstDash val="solid"/>
+                      <a:round/>
+                      <a:headEnd type="none" w="med" len="med"/>
+                      <a:tailEnd type="none" w="med" len="med"/>
+                    </a:lnR>
+                    <a:lnT w="12700" cap="flat" cmpd="sng" algn="ctr">
+                      <a:solidFill>
+                        <a:schemeClr val="accent2"/>
+                      </a:solidFill>
+                      <a:prstDash val="solid"/>
+                      <a:round/>
+                      <a:headEnd type="none" w="med" len="med"/>
+                      <a:tailEnd type="none" w="med" len="med"/>
+                    </a:lnT>
+                    <a:lnB w="12700" cap="flat" cmpd="sng" algn="ctr">
+                      <a:solidFill>
+                        <a:schemeClr val="accent2"/>
+                      </a:solidFill>
+                      <a:prstDash val="solid"/>
+                      <a:round/>
+                      <a:headEnd type="none" w="med" len="med"/>
+                      <a:tailEnd type="none" w="med" len="med"/>
+                    </a:lnB>
+                    <a:lnTlToBr w="12700" cmpd="sng">
+                      <a:noFill/>
+                      <a:prstDash val="solid"/>
+                    </a:lnTlToBr>
+                    <a:lnBlToTr w="12700" cmpd="sng">
+                      <a:noFill/>
+                      <a:prstDash val="solid"/>
+                    </a:lnBlToTr>
+                    <a:solidFill>
+                      <a:schemeClr val="bg1"/>
+                    </a:solidFill>
+                  </a:tcPr>
+                </a:tc>
+                <a:tc>
+                  <a:txBody>
+                    <a:bodyPr/>
+                    <a:lstStyle/>
+                    <a:p>
+                      <a:pPr>
+                        <a:lnSpc>
+                          <a:spcPct val="106000"/>
+                        </a:lnSpc>
+                        <a:spcAft>
+                          <a:spcPts val="0"/>
+                        </a:spcAft>
+                      </a:pPr>
+                      <a:r>
+                        <a:rPr lang="en-US" sz="3000" b="0" dirty="0">
+                          <a:effectLst/>
+                        </a:rPr>
+                        <a:t> </a:t>
+                      </a:r>
+                      <a:endParaRPr lang="tr-TR" sz="3000" b="0" dirty="0">
+                        <a:effectLst/>
+                        <a:latin typeface="Calibri" panose="020F0502020204030204" pitchFamily="34" charset="0"/>
+                        <a:ea typeface="Calibri" panose="020F0502020204030204" pitchFamily="34" charset="0"/>
+                        <a:cs typeface="Times New Roman" panose="02020603050405020304" pitchFamily="18" charset="0"/>
+                      </a:endParaRPr>
+                    </a:p>
+                  </a:txBody>
+                  <a:tcPr marL="68580" marR="68580" marT="0" marB="0">
+                    <a:lnL w="12700" cap="flat" cmpd="sng" algn="ctr">
+                      <a:solidFill>
+                        <a:schemeClr val="accent2"/>
+                      </a:solidFill>
+                      <a:prstDash val="solid"/>
+                      <a:round/>
+                      <a:headEnd type="none" w="med" len="med"/>
+                      <a:tailEnd type="none" w="med" len="med"/>
+                    </a:lnL>
+                    <a:lnR w="12700" cap="flat" cmpd="sng" algn="ctr">
+                      <a:solidFill>
+                        <a:schemeClr val="accent2"/>
+                      </a:solidFill>
+                      <a:prstDash val="solid"/>
+                      <a:round/>
+                      <a:headEnd type="none" w="med" len="med"/>
+                      <a:tailEnd type="none" w="med" len="med"/>
+                    </a:lnR>
+                    <a:lnT w="12700" cap="flat" cmpd="sng" algn="ctr">
+                      <a:solidFill>
+                        <a:schemeClr val="accent2"/>
+                      </a:solidFill>
+                      <a:prstDash val="solid"/>
+                      <a:round/>
+                      <a:headEnd type="none" w="med" len="med"/>
+                      <a:tailEnd type="none" w="med" len="med"/>
+                    </a:lnT>
+                    <a:lnB w="12700" cap="flat" cmpd="sng" algn="ctr">
+                      <a:solidFill>
+                        <a:schemeClr val="accent2"/>
+                      </a:solidFill>
+                      <a:prstDash val="solid"/>
+                      <a:round/>
+                      <a:headEnd type="none" w="med" len="med"/>
+                      <a:tailEnd type="none" w="med" len="med"/>
+                    </a:lnB>
+                    <a:lnTlToBr w="12700" cmpd="sng">
+                      <a:noFill/>
+                      <a:prstDash val="solid"/>
+                    </a:lnTlToBr>
+                    <a:lnBlToTr w="12700" cmpd="sng">
+                      <a:noFill/>
+                      <a:prstDash val="solid"/>
+                    </a:lnBlToTr>
+                    <a:solidFill>
+                      <a:schemeClr val="bg1"/>
+                    </a:solidFill>
+                  </a:tcPr>
+                </a:tc>
+                <a:extLst>
+                  <a:ext uri="{0D108BD9-81ED-4DB2-BD59-A6C34878D82A}">
+                    <a16:rowId xmlns:a16="http://schemas.microsoft.com/office/drawing/2014/main" val="2104354004"/>
+                  </a:ext>
+                </a:extLst>
+              </a:tr>
+              <a:tr h="0">
+                <a:tc>
+                  <a:txBody>
+                    <a:bodyPr/>
+                    <a:lstStyle/>
+                    <a:p>
+                      <a:pPr algn="r">
+                        <a:lnSpc>
+                          <a:spcPct val="106000"/>
+                        </a:lnSpc>
+                        <a:spcAft>
+                          <a:spcPts val="0"/>
+                        </a:spcAft>
+                      </a:pPr>
+                      <a:r>
+                        <a:rPr lang="en-US" sz="3000" b="0" dirty="0">
+                          <a:effectLst/>
+                        </a:rPr>
+                        <a:t>Maximum</a:t>
+                      </a:r>
+                      <a:r>
+                        <a:rPr lang="tr-TR" sz="3000" b="0" dirty="0">
+                          <a:effectLst/>
+                        </a:rPr>
+                        <a:t> Forward</a:t>
+                      </a:r>
+                      <a:r>
+                        <a:rPr lang="en-US" sz="3000" b="0" dirty="0">
+                          <a:effectLst/>
+                        </a:rPr>
+                        <a:t> Speed</a:t>
+                      </a:r>
+                      <a:endParaRPr lang="tr-TR" sz="3000" b="0" dirty="0">
+                        <a:effectLst/>
+                        <a:latin typeface="Calibri" panose="020F0502020204030204" pitchFamily="34" charset="0"/>
+                        <a:ea typeface="Calibri" panose="020F0502020204030204" pitchFamily="34" charset="0"/>
+                        <a:cs typeface="Times New Roman" panose="02020603050405020304" pitchFamily="18" charset="0"/>
+                      </a:endParaRPr>
+                    </a:p>
+                  </a:txBody>
+                  <a:tcPr marL="68580" marR="68580" marT="0" marB="0">
+                    <a:lnL w="12700" cap="flat" cmpd="sng" algn="ctr">
+                      <a:solidFill>
+                        <a:schemeClr val="accent2"/>
+                      </a:solidFill>
+                      <a:prstDash val="solid"/>
+                      <a:round/>
+                      <a:headEnd type="none" w="med" len="med"/>
+                      <a:tailEnd type="none" w="med" len="med"/>
+                    </a:lnL>
+                    <a:lnR w="12700" cap="flat" cmpd="sng" algn="ctr">
+                      <a:solidFill>
+                        <a:schemeClr val="accent2"/>
+                      </a:solidFill>
+                      <a:prstDash val="solid"/>
+                      <a:round/>
+                      <a:headEnd type="none" w="med" len="med"/>
+                      <a:tailEnd type="none" w="med" len="med"/>
+                    </a:lnR>
+                    <a:lnT w="12700" cap="flat" cmpd="sng" algn="ctr">
+                      <a:solidFill>
+                        <a:schemeClr val="accent2"/>
+                      </a:solidFill>
+                      <a:prstDash val="solid"/>
+                      <a:round/>
+                      <a:headEnd type="none" w="med" len="med"/>
+                      <a:tailEnd type="none" w="med" len="med"/>
+                    </a:lnT>
+                    <a:lnB w="12700" cap="flat" cmpd="sng" algn="ctr">
+                      <a:solidFill>
+                        <a:schemeClr val="accent2"/>
+                      </a:solidFill>
+                      <a:prstDash val="solid"/>
+                      <a:round/>
+                      <a:headEnd type="none" w="med" len="med"/>
+                      <a:tailEnd type="none" w="med" len="med"/>
+                    </a:lnB>
+                    <a:lnTlToBr w="12700" cmpd="sng">
+                      <a:noFill/>
+                      <a:prstDash val="solid"/>
+                    </a:lnTlToBr>
+                    <a:lnBlToTr w="12700" cmpd="sng">
+                      <a:noFill/>
+                      <a:prstDash val="solid"/>
+                    </a:lnBlToTr>
+                    <a:solidFill>
+                      <a:schemeClr val="bg1"/>
+                    </a:solidFill>
+                  </a:tcPr>
+                </a:tc>
+                <a:tc>
+                  <a:txBody>
+                    <a:bodyPr/>
+                    <a:lstStyle/>
+                    <a:p>
+                      <a:pPr algn="ctr">
+                        <a:lnSpc>
+                          <a:spcPct val="106000"/>
+                        </a:lnSpc>
+                        <a:spcAft>
+                          <a:spcPts val="0"/>
+                        </a:spcAft>
+                      </a:pPr>
+                      <a:r>
+                        <a:rPr lang="en-US" sz="3000" b="0" dirty="0">
+                          <a:effectLst/>
+                        </a:rPr>
+                        <a:t> </a:t>
+                      </a:r>
+                      <a:r>
+                        <a:rPr lang="tr-TR" sz="3000" b="0" dirty="0">
+                          <a:effectLst/>
+                        </a:rPr>
+                        <a:t>0.45 m/sec</a:t>
+                      </a:r>
+                      <a:endParaRPr lang="tr-TR" sz="3000" b="0" dirty="0">
+                        <a:effectLst/>
+                        <a:latin typeface="Calibri" panose="020F0502020204030204" pitchFamily="34" charset="0"/>
+                        <a:ea typeface="Calibri" panose="020F0502020204030204" pitchFamily="34" charset="0"/>
+                        <a:cs typeface="Times New Roman" panose="02020603050405020304" pitchFamily="18" charset="0"/>
+                      </a:endParaRPr>
+                    </a:p>
+                  </a:txBody>
+                  <a:tcPr marL="68580" marR="68580" marT="0" marB="0">
+                    <a:lnL w="12700" cap="flat" cmpd="sng" algn="ctr">
+                      <a:solidFill>
+                        <a:schemeClr val="accent2"/>
+                      </a:solidFill>
+                      <a:prstDash val="solid"/>
+                      <a:round/>
+                      <a:headEnd type="none" w="med" len="med"/>
+                      <a:tailEnd type="none" w="med" len="med"/>
+                    </a:lnL>
+                    <a:lnR w="12700" cap="flat" cmpd="sng" algn="ctr">
+                      <a:solidFill>
+                        <a:schemeClr val="accent2"/>
+                      </a:solidFill>
+                      <a:prstDash val="solid"/>
+                      <a:round/>
+                      <a:headEnd type="none" w="med" len="med"/>
+                      <a:tailEnd type="none" w="med" len="med"/>
+                    </a:lnR>
+                    <a:lnT w="12700" cap="flat" cmpd="sng" algn="ctr">
+                      <a:solidFill>
+                        <a:schemeClr val="accent2"/>
+                      </a:solidFill>
+                      <a:prstDash val="solid"/>
+                      <a:round/>
+                      <a:headEnd type="none" w="med" len="med"/>
+                      <a:tailEnd type="none" w="med" len="med"/>
+                    </a:lnT>
+                    <a:lnB w="12700" cap="flat" cmpd="sng" algn="ctr">
+                      <a:solidFill>
+                        <a:schemeClr val="accent2"/>
+                      </a:solidFill>
+                      <a:prstDash val="solid"/>
+                      <a:round/>
+                      <a:headEnd type="none" w="med" len="med"/>
+                      <a:tailEnd type="none" w="med" len="med"/>
+                    </a:lnB>
+                    <a:lnTlToBr w="12700" cmpd="sng">
+                      <a:noFill/>
+                      <a:prstDash val="solid"/>
+                    </a:lnTlToBr>
+                    <a:lnBlToTr w="12700" cmpd="sng">
+                      <a:noFill/>
+                      <a:prstDash val="solid"/>
+                    </a:lnBlToTr>
+                    <a:solidFill>
+                      <a:schemeClr val="bg1"/>
+                    </a:solidFill>
+                  </a:tcPr>
+                </a:tc>
+                <a:extLst>
+                  <a:ext uri="{0D108BD9-81ED-4DB2-BD59-A6C34878D82A}">
+                    <a16:rowId xmlns:a16="http://schemas.microsoft.com/office/drawing/2014/main" val="2069551215"/>
+                  </a:ext>
+                </a:extLst>
+              </a:tr>
+              <a:tr h="0">
+                <a:tc>
+                  <a:txBody>
+                    <a:bodyPr/>
+                    <a:lstStyle/>
+                    <a:p>
+                      <a:pPr algn="r">
+                        <a:lnSpc>
+                          <a:spcPct val="106000"/>
+                        </a:lnSpc>
+                        <a:spcAft>
+                          <a:spcPts val="0"/>
+                        </a:spcAft>
+                      </a:pPr>
+                      <a:r>
+                        <a:rPr lang="en-US" sz="3000" b="0" dirty="0">
+                          <a:effectLst/>
+                        </a:rPr>
+                        <a:t>Maximum Rotation</a:t>
+                      </a:r>
+                      <a:r>
+                        <a:rPr lang="tr-TR" sz="3000" b="0" dirty="0">
+                          <a:effectLst/>
+                        </a:rPr>
+                        <a:t>al Speed</a:t>
+                      </a:r>
+                      <a:endParaRPr lang="tr-TR" sz="3000" b="0" dirty="0">
+                        <a:effectLst/>
+                        <a:latin typeface="Calibri" panose="020F0502020204030204" pitchFamily="34" charset="0"/>
+                        <a:ea typeface="Calibri" panose="020F0502020204030204" pitchFamily="34" charset="0"/>
+                        <a:cs typeface="Times New Roman" panose="02020603050405020304" pitchFamily="18" charset="0"/>
+                      </a:endParaRPr>
+                    </a:p>
+                  </a:txBody>
+                  <a:tcPr marL="68580" marR="68580" marT="0" marB="0">
+                    <a:lnL w="12700" cap="flat" cmpd="sng" algn="ctr">
+                      <a:solidFill>
+                        <a:schemeClr val="accent2"/>
+                      </a:solidFill>
+                      <a:prstDash val="solid"/>
+                      <a:round/>
+                      <a:headEnd type="none" w="med" len="med"/>
+                      <a:tailEnd type="none" w="med" len="med"/>
+                    </a:lnL>
+                    <a:lnR w="12700" cap="flat" cmpd="sng" algn="ctr">
+                      <a:solidFill>
+                        <a:schemeClr val="accent2"/>
+                      </a:solidFill>
+                      <a:prstDash val="solid"/>
+                      <a:round/>
+                      <a:headEnd type="none" w="med" len="med"/>
+                      <a:tailEnd type="none" w="med" len="med"/>
+                    </a:lnR>
+                    <a:lnT w="12700" cap="flat" cmpd="sng" algn="ctr">
+                      <a:solidFill>
+                        <a:schemeClr val="accent2"/>
+                      </a:solidFill>
+                      <a:prstDash val="solid"/>
+                      <a:round/>
+                      <a:headEnd type="none" w="med" len="med"/>
+                      <a:tailEnd type="none" w="med" len="med"/>
+                    </a:lnT>
+                    <a:lnB w="12700" cap="flat" cmpd="sng" algn="ctr">
+                      <a:solidFill>
+                        <a:schemeClr val="accent2"/>
+                      </a:solidFill>
+                      <a:prstDash val="solid"/>
+                      <a:round/>
+                      <a:headEnd type="none" w="med" len="med"/>
+                      <a:tailEnd type="none" w="med" len="med"/>
+                    </a:lnB>
+                    <a:lnTlToBr w="12700" cmpd="sng">
+                      <a:noFill/>
+                      <a:prstDash val="solid"/>
+                    </a:lnTlToBr>
+                    <a:lnBlToTr w="12700" cmpd="sng">
+                      <a:noFill/>
+                      <a:prstDash val="solid"/>
+                    </a:lnBlToTr>
+                    <a:solidFill>
+                      <a:schemeClr val="bg1"/>
+                    </a:solidFill>
+                  </a:tcPr>
+                </a:tc>
+                <a:tc>
+                  <a:txBody>
+                    <a:bodyPr/>
+                    <a:lstStyle/>
+                    <a:p>
+                      <a:pPr algn="ctr">
+                        <a:lnSpc>
+                          <a:spcPct val="106000"/>
+                        </a:lnSpc>
+                        <a:spcAft>
+                          <a:spcPts val="0"/>
+                        </a:spcAft>
+                      </a:pPr>
+                      <a:r>
+                        <a:rPr lang="en-US" sz="3000" b="0" dirty="0">
+                          <a:effectLst/>
+                        </a:rPr>
+                        <a:t> </a:t>
+                      </a:r>
+                      <a:r>
+                        <a:rPr lang="tr-TR" sz="3000" b="0" dirty="0">
+                          <a:effectLst/>
+                        </a:rPr>
+                        <a:t>2.3 rad/sec</a:t>
+                      </a:r>
+                      <a:endParaRPr lang="tr-TR" sz="3000" b="0" dirty="0">
+                        <a:effectLst/>
+                        <a:latin typeface="Calibri" panose="020F0502020204030204" pitchFamily="34" charset="0"/>
+                        <a:ea typeface="Calibri" panose="020F0502020204030204" pitchFamily="34" charset="0"/>
+                        <a:cs typeface="Times New Roman" panose="02020603050405020304" pitchFamily="18" charset="0"/>
+                      </a:endParaRPr>
+                    </a:p>
+                  </a:txBody>
+                  <a:tcPr marL="68580" marR="68580" marT="0" marB="0">
+                    <a:lnL w="12700" cap="flat" cmpd="sng" algn="ctr">
+                      <a:solidFill>
+                        <a:schemeClr val="accent2"/>
+                      </a:solidFill>
+                      <a:prstDash val="solid"/>
+                      <a:round/>
+                      <a:headEnd type="none" w="med" len="med"/>
+                      <a:tailEnd type="none" w="med" len="med"/>
+                    </a:lnL>
+                    <a:lnR w="12700" cap="flat" cmpd="sng" algn="ctr">
+                      <a:solidFill>
+                        <a:schemeClr val="accent2"/>
+                      </a:solidFill>
+                      <a:prstDash val="solid"/>
+                      <a:round/>
+                      <a:headEnd type="none" w="med" len="med"/>
+                      <a:tailEnd type="none" w="med" len="med"/>
+                    </a:lnR>
+                    <a:lnT w="12700" cap="flat" cmpd="sng" algn="ctr">
+                      <a:solidFill>
+                        <a:schemeClr val="accent2"/>
+                      </a:solidFill>
+                      <a:prstDash val="solid"/>
+                      <a:round/>
+                      <a:headEnd type="none" w="med" len="med"/>
+                      <a:tailEnd type="none" w="med" len="med"/>
+                    </a:lnT>
+                    <a:lnB w="12700" cap="flat" cmpd="sng" algn="ctr">
+                      <a:solidFill>
+                        <a:schemeClr val="accent2"/>
+                      </a:solidFill>
+                      <a:prstDash val="solid"/>
+                      <a:round/>
+                      <a:headEnd type="none" w="med" len="med"/>
+                      <a:tailEnd type="none" w="med" len="med"/>
+                    </a:lnB>
+                    <a:lnTlToBr w="12700" cmpd="sng">
+                      <a:noFill/>
+                      <a:prstDash val="solid"/>
+                    </a:lnTlToBr>
+                    <a:lnBlToTr w="12700" cmpd="sng">
+                      <a:noFill/>
+                      <a:prstDash val="solid"/>
+                    </a:lnBlToTr>
+                    <a:solidFill>
+                      <a:schemeClr val="bg1"/>
+                    </a:solidFill>
+                  </a:tcPr>
+                </a:tc>
+                <a:extLst>
+                  <a:ext uri="{0D108BD9-81ED-4DB2-BD59-A6C34878D82A}">
+                    <a16:rowId xmlns:a16="http://schemas.microsoft.com/office/drawing/2014/main" val="2274459008"/>
+                  </a:ext>
+                </a:extLst>
+              </a:tr>
+            </a:tbl>
+          </a:graphicData>
+        </a:graphic>
+      </p:graphicFrame>
+      <p:sp>
+        <p:nvSpPr>
+          <p:cNvPr id="22" name="Rectangle 21">
+            <a:extLst>
+              <a:ext uri="{FF2B5EF4-FFF2-40B4-BE49-F238E27FC236}">
+                <a16:creationId xmlns:a16="http://schemas.microsoft.com/office/drawing/2014/main" id="{E5382FEC-2EB8-4967-875E-188E54932856}"/>
+              </a:ext>
+            </a:extLst>
+          </p:cNvPr>
+          <p:cNvSpPr/>
           <p:nvPr/>
-        </p:nvGrpSpPr>
-        <p:grpSpPr>
+        </p:nvSpPr>
+        <p:spPr>
           <a:xfrm>
-            <a:off x="404812" y="8742461"/>
-            <a:ext cx="9417614" cy="1236266"/>
-            <a:chOff x="404812" y="8742461"/>
-            <a:chExt cx="9417614" cy="1236266"/>
+            <a:off x="428292" y="15858511"/>
+            <a:ext cx="20332012" cy="617231"/>
           </a:xfrm>
-        </p:grpSpPr>
-        <p:sp>
-          <p:nvSpPr>
-            <p:cNvPr id="10" name="TextBox 9">
-              <a:extLst>
-                <a:ext uri="{FF2B5EF4-FFF2-40B4-BE49-F238E27FC236}">
-                  <a16:creationId xmlns:a16="http://schemas.microsoft.com/office/drawing/2014/main" id="{9970E00D-9FAA-4C89-A830-B6C6A1E70B74}"/>
-                </a:ext>
-              </a:extLst>
-            </p:cNvPr>
-            <p:cNvSpPr txBox="1"/>
-            <p:nvPr/>
-          </p:nvSpPr>
-          <p:spPr>
-            <a:xfrm>
-              <a:off x="404812" y="9332396"/>
-              <a:ext cx="9417614" cy="646331"/>
-            </a:xfrm>
-            <a:prstGeom prst="rect">
-              <a:avLst/>
-            </a:prstGeom>
-          </p:spPr>
-          <p:style>
-            <a:lnRef idx="2">
-              <a:schemeClr val="accent4"/>
-            </a:lnRef>
-            <a:fillRef idx="1">
-              <a:schemeClr val="lt1"/>
-            </a:fillRef>
-            <a:effectRef idx="0">
-              <a:schemeClr val="accent4"/>
-            </a:effectRef>
-            <a:fontRef idx="minor">
-              <a:schemeClr val="dk1"/>
-            </a:fontRef>
-          </p:style>
-          <p:txBody>
-            <a:bodyPr wrap="square" rtlCol="0">
-              <a:spAutoFit/>
-            </a:bodyPr>
-            <a:lstStyle/>
-            <a:p>
-              <a:endParaRPr lang="en-US" sz="3600" i="1" dirty="0"/>
-            </a:p>
-          </p:txBody>
-        </p:sp>
-        <p:sp>
-          <p:nvSpPr>
-            <p:cNvPr id="11" name="Rectangle 10">
-              <a:extLst>
-                <a:ext uri="{FF2B5EF4-FFF2-40B4-BE49-F238E27FC236}">
-                  <a16:creationId xmlns:a16="http://schemas.microsoft.com/office/drawing/2014/main" id="{6CF29E39-DFBF-42DE-A7DF-A8E91BE7911B}"/>
-                </a:ext>
-              </a:extLst>
-            </p:cNvPr>
-            <p:cNvSpPr/>
-            <p:nvPr/>
-          </p:nvSpPr>
-          <p:spPr>
-            <a:xfrm>
-              <a:off x="404812" y="8742461"/>
-              <a:ext cx="9417614" cy="589935"/>
-            </a:xfrm>
-            <a:prstGeom prst="rect">
-              <a:avLst/>
-            </a:prstGeom>
+          <a:prstGeom prst="rect">
+            <a:avLst/>
+          </a:prstGeom>
+          <a:solidFill>
+            <a:schemeClr val="accent2"/>
+          </a:solidFill>
+          <a:ln>
             <a:solidFill>
-              <a:schemeClr val="accent4">
+              <a:schemeClr val="accent2">
                 <a:lumMod val="60000"/>
                 <a:lumOff val="40000"/>
               </a:schemeClr>
             </a:solidFill>
-            <a:ln>
+          </a:ln>
+        </p:spPr>
+        <p:style>
+          <a:lnRef idx="2">
+            <a:schemeClr val="accent1">
+              <a:shade val="50000"/>
+            </a:schemeClr>
+          </a:lnRef>
+          <a:fillRef idx="1">
+            <a:schemeClr val="accent1"/>
+          </a:fillRef>
+          <a:effectRef idx="0">
+            <a:schemeClr val="accent1"/>
+          </a:effectRef>
+          <a:fontRef idx="minor">
+            <a:schemeClr val="lt1"/>
+          </a:fontRef>
+        </p:style>
+        <p:txBody>
+          <a:bodyPr rtlCol="0" anchor="ctr"/>
+          <a:lstStyle/>
+          <a:p>
+            <a:pPr algn="ctr"/>
+            <a:r>
+              <a:rPr lang="tr-TR" sz="3600" b="1" dirty="0">
+                <a:solidFill>
+                  <a:schemeClr val="bg1"/>
+                </a:solidFill>
+              </a:rPr>
+              <a:t>TECHNICAL SPECIFICATIONS</a:t>
+            </a:r>
+            <a:endParaRPr lang="en-US" sz="3600" b="1" dirty="0">
               <a:solidFill>
-                <a:schemeClr val="accent2">
-                  <a:lumMod val="60000"/>
-                  <a:lumOff val="40000"/>
-                </a:schemeClr>
+                <a:schemeClr val="bg1"/>
               </a:solidFill>
-            </a:ln>
-          </p:spPr>
-          <p:style>
-            <a:lnRef idx="2">
-              <a:schemeClr val="accent1">
-                <a:shade val="50000"/>
-              </a:schemeClr>
-            </a:lnRef>
-            <a:fillRef idx="1">
-              <a:schemeClr val="accent1"/>
-            </a:fillRef>
-            <a:effectRef idx="0">
-              <a:schemeClr val="accent1"/>
-            </a:effectRef>
-            <a:fontRef idx="minor">
-              <a:schemeClr val="lt1"/>
-            </a:fontRef>
-          </p:style>
-          <p:txBody>
-            <a:bodyPr rtlCol="0" anchor="ctr"/>
-            <a:lstStyle/>
-            <a:p>
-              <a:pPr algn="ctr"/>
-              <a:r>
-                <a:rPr lang="tr-TR" sz="3600" b="1" dirty="0">
-                  <a:solidFill>
-                    <a:schemeClr val="tx1"/>
-                  </a:solidFill>
-                </a:rPr>
-                <a:t>Deliverables</a:t>
-              </a:r>
-              <a:endParaRPr lang="en-US" sz="3600" b="1" dirty="0">
-                <a:solidFill>
-                  <a:schemeClr val="tx1"/>
-                </a:solidFill>
-              </a:endParaRPr>
-            </a:p>
-          </p:txBody>
-        </p:sp>
-      </p:grpSp>
+            </a:endParaRPr>
+          </a:p>
+        </p:txBody>
+      </p:sp>
+      <p:graphicFrame>
+        <p:nvGraphicFramePr>
+          <p:cNvPr id="6" name="Table 5">
+            <a:extLst>
+              <a:ext uri="{FF2B5EF4-FFF2-40B4-BE49-F238E27FC236}">
+                <a16:creationId xmlns:a16="http://schemas.microsoft.com/office/drawing/2014/main" id="{468D0618-FD1A-4DAA-AB83-8B62F6BF5469}"/>
+              </a:ext>
+            </a:extLst>
+          </p:cNvPr>
+          <p:cNvGraphicFramePr>
+            <a:graphicFrameLocks noGrp="1"/>
+          </p:cNvGraphicFramePr>
+          <p:nvPr>
+            <p:extLst>
+              <p:ext uri="{D42A27DB-BD31-4B8C-83A1-F6EECF244321}">
+                <p14:modId xmlns:p14="http://schemas.microsoft.com/office/powerpoint/2010/main" val="3043702426"/>
+              </p:ext>
+            </p:extLst>
+          </p:nvPr>
+        </p:nvGraphicFramePr>
+        <p:xfrm>
+          <a:off x="455161" y="22036784"/>
+          <a:ext cx="8420741" cy="2866644"/>
+        </p:xfrm>
+        <a:graphic>
+          <a:graphicData uri="http://schemas.openxmlformats.org/drawingml/2006/table">
+            <a:tbl>
+              <a:tblPr firstRow="1" firstCol="1" bandRow="1">
+                <a:tableStyleId>{7E9639D4-E3E2-4D34-9284-5A2195B3D0D7}</a:tableStyleId>
+              </a:tblPr>
+              <a:tblGrid>
+                <a:gridCol w="8420741">
+                  <a:extLst>
+                    <a:ext uri="{9D8B030D-6E8A-4147-A177-3AD203B41FA5}">
+                      <a16:colId xmlns:a16="http://schemas.microsoft.com/office/drawing/2014/main" val="3220490302"/>
+                    </a:ext>
+                  </a:extLst>
+                </a:gridCol>
+              </a:tblGrid>
+              <a:tr h="433398">
+                <a:tc>
+                  <a:txBody>
+                    <a:bodyPr/>
+                    <a:lstStyle/>
+                    <a:p>
+                      <a:pPr marL="0" algn="just" defTabSz="2138324" rtl="0" eaLnBrk="1" latinLnBrk="0" hangingPunct="1">
+                        <a:lnSpc>
+                          <a:spcPct val="106000"/>
+                        </a:lnSpc>
+                        <a:spcAft>
+                          <a:spcPts val="0"/>
+                        </a:spcAft>
+                      </a:pPr>
+                      <a:r>
+                        <a:rPr lang="tr-TR" sz="3000" b="1" kern="1200" dirty="0">
+                          <a:solidFill>
+                            <a:schemeClr val="bg1"/>
+                          </a:solidFill>
+                          <a:effectLst/>
+                          <a:latin typeface="+mn-lt"/>
+                          <a:ea typeface="+mn-ea"/>
+                          <a:cs typeface="+mn-cs"/>
+                        </a:rPr>
+                        <a:t>Method of Solution</a:t>
+                      </a:r>
+                    </a:p>
+                  </a:txBody>
+                  <a:tcPr marL="68580" marR="68580" marT="0" marB="0">
+                    <a:lnL w="12700" cap="flat" cmpd="sng" algn="ctr">
+                      <a:solidFill>
+                        <a:schemeClr val="accent2"/>
+                      </a:solidFill>
+                      <a:prstDash val="solid"/>
+                      <a:round/>
+                      <a:headEnd type="none" w="med" len="med"/>
+                      <a:tailEnd type="none" w="med" len="med"/>
+                    </a:lnL>
+                    <a:lnR w="12700" cap="flat" cmpd="sng" algn="ctr">
+                      <a:solidFill>
+                        <a:schemeClr val="accent2"/>
+                      </a:solidFill>
+                      <a:prstDash val="solid"/>
+                      <a:round/>
+                      <a:headEnd type="none" w="med" len="med"/>
+                      <a:tailEnd type="none" w="med" len="med"/>
+                    </a:lnR>
+                    <a:lnT w="12700" cap="flat" cmpd="sng" algn="ctr">
+                      <a:solidFill>
+                        <a:schemeClr val="accent2"/>
+                      </a:solidFill>
+                      <a:prstDash val="solid"/>
+                      <a:round/>
+                      <a:headEnd type="none" w="med" len="med"/>
+                      <a:tailEnd type="none" w="med" len="med"/>
+                    </a:lnT>
+                    <a:lnB w="12700" cap="flat" cmpd="sng" algn="ctr">
+                      <a:solidFill>
+                        <a:schemeClr val="accent2"/>
+                      </a:solidFill>
+                      <a:prstDash val="solid"/>
+                      <a:round/>
+                      <a:headEnd type="none" w="med" len="med"/>
+                      <a:tailEnd type="none" w="med" len="med"/>
+                    </a:lnB>
+                    <a:solidFill>
+                      <a:schemeClr val="accent2"/>
+                    </a:solidFill>
+                  </a:tcPr>
+                </a:tc>
+                <a:extLst>
+                  <a:ext uri="{0D108BD9-81ED-4DB2-BD59-A6C34878D82A}">
+                    <a16:rowId xmlns:a16="http://schemas.microsoft.com/office/drawing/2014/main" val="2923594786"/>
+                  </a:ext>
+                </a:extLst>
+              </a:tr>
+              <a:tr h="0">
+                <a:tc>
+                  <a:txBody>
+                    <a:bodyPr/>
+                    <a:lstStyle/>
+                    <a:p>
+                      <a:pPr marL="457200" indent="-457200" algn="just" defTabSz="2138324" rtl="0" eaLnBrk="1" latinLnBrk="0" hangingPunct="1">
+                        <a:lnSpc>
+                          <a:spcPct val="106000"/>
+                        </a:lnSpc>
+                        <a:spcAft>
+                          <a:spcPts val="0"/>
+                        </a:spcAft>
+                        <a:buFont typeface="Wingdings" panose="05000000000000000000" pitchFamily="2" charset="2"/>
+                        <a:buChar char="v"/>
+                      </a:pPr>
+                      <a:r>
+                        <a:rPr lang="tr-TR" sz="3000" b="0" kern="1200" dirty="0">
+                          <a:solidFill>
+                            <a:schemeClr val="tx1"/>
+                          </a:solidFill>
+                          <a:effectLst/>
+                          <a:latin typeface="+mn-lt"/>
+                          <a:ea typeface="+mn-ea"/>
+                          <a:cs typeface="+mn-cs"/>
+                        </a:rPr>
+                        <a:t>Command Interface : Joystick</a:t>
+                      </a:r>
+                    </a:p>
+                    <a:p>
+                      <a:pPr marL="457200" indent="-457200" algn="just" defTabSz="2138324" rtl="0" eaLnBrk="1" latinLnBrk="0" hangingPunct="1">
+                        <a:lnSpc>
+                          <a:spcPct val="106000"/>
+                        </a:lnSpc>
+                        <a:spcAft>
+                          <a:spcPts val="0"/>
+                        </a:spcAft>
+                        <a:buFont typeface="Wingdings" panose="05000000000000000000" pitchFamily="2" charset="2"/>
+                        <a:buChar char="v"/>
+                      </a:pPr>
+                      <a:r>
+                        <a:rPr lang="tr-TR" sz="3000" b="0" kern="1200" dirty="0">
+                          <a:solidFill>
+                            <a:schemeClr val="tx1"/>
+                          </a:solidFill>
+                          <a:effectLst/>
+                          <a:latin typeface="+mn-lt"/>
+                          <a:ea typeface="+mn-ea"/>
+                          <a:cs typeface="+mn-cs"/>
+                        </a:rPr>
+                        <a:t>Command Transfer : 2.4 GHz NRF Communication</a:t>
+                      </a:r>
+                    </a:p>
+                    <a:p>
+                      <a:pPr marL="457200" indent="-457200" algn="just" defTabSz="2138324" rtl="0" eaLnBrk="1" latinLnBrk="0" hangingPunct="1">
+                        <a:lnSpc>
+                          <a:spcPct val="106000"/>
+                        </a:lnSpc>
+                        <a:spcAft>
+                          <a:spcPts val="0"/>
+                        </a:spcAft>
+                        <a:buFont typeface="Wingdings" panose="05000000000000000000" pitchFamily="2" charset="2"/>
+                        <a:buChar char="v"/>
+                      </a:pPr>
+                      <a:r>
+                        <a:rPr lang="tr-TR" sz="3000" b="0" kern="1200" dirty="0">
+                          <a:solidFill>
+                            <a:schemeClr val="tx1"/>
+                          </a:solidFill>
+                          <a:effectLst/>
+                          <a:latin typeface="+mn-lt"/>
+                          <a:ea typeface="+mn-ea"/>
+                          <a:cs typeface="+mn-cs"/>
+                        </a:rPr>
+                        <a:t>Video Transfer : 5.8 GHz FPV Communication</a:t>
+                      </a:r>
+                    </a:p>
+                    <a:p>
+                      <a:pPr marL="457200" indent="-457200" algn="just" defTabSz="2138324" rtl="0" eaLnBrk="1" latinLnBrk="0" hangingPunct="1">
+                        <a:lnSpc>
+                          <a:spcPct val="106000"/>
+                        </a:lnSpc>
+                        <a:spcAft>
+                          <a:spcPts val="0"/>
+                        </a:spcAft>
+                        <a:buFont typeface="Wingdings" panose="05000000000000000000" pitchFamily="2" charset="2"/>
+                        <a:buChar char="v"/>
+                      </a:pPr>
+                      <a:r>
+                        <a:rPr lang="tr-TR" sz="3000" b="0" kern="1200" dirty="0">
+                          <a:solidFill>
+                            <a:schemeClr val="tx1"/>
+                          </a:solidFill>
+                          <a:effectLst/>
+                          <a:latin typeface="+mn-lt"/>
+                          <a:ea typeface="+mn-ea"/>
+                          <a:cs typeface="+mn-cs"/>
+                        </a:rPr>
+                        <a:t>Shooting : Push - Pull Solenoid</a:t>
+                      </a:r>
+                    </a:p>
+                    <a:p>
+                      <a:pPr marL="457200" indent="-457200" algn="just" defTabSz="2138324" rtl="0" eaLnBrk="1" latinLnBrk="0" hangingPunct="1">
+                        <a:lnSpc>
+                          <a:spcPct val="106000"/>
+                        </a:lnSpc>
+                        <a:spcAft>
+                          <a:spcPts val="0"/>
+                        </a:spcAft>
+                        <a:buFont typeface="Wingdings" panose="05000000000000000000" pitchFamily="2" charset="2"/>
+                        <a:buChar char="v"/>
+                      </a:pPr>
+                      <a:r>
+                        <a:rPr lang="tr-TR" sz="3000" b="0" kern="1200" dirty="0">
+                          <a:solidFill>
+                            <a:schemeClr val="tx1"/>
+                          </a:solidFill>
+                          <a:effectLst/>
+                          <a:latin typeface="+mn-lt"/>
+                          <a:ea typeface="+mn-ea"/>
+                          <a:cs typeface="+mn-cs"/>
+                        </a:rPr>
+                        <a:t>Motion : Brushed DC Motor with Gear Box</a:t>
+                      </a:r>
+                    </a:p>
+                  </a:txBody>
+                  <a:tcPr marL="68580" marR="68580" marT="0" marB="0">
+                    <a:lnL w="12700" cap="flat" cmpd="sng" algn="ctr">
+                      <a:solidFill>
+                        <a:schemeClr val="accent2"/>
+                      </a:solidFill>
+                      <a:prstDash val="solid"/>
+                      <a:round/>
+                      <a:headEnd type="none" w="med" len="med"/>
+                      <a:tailEnd type="none" w="med" len="med"/>
+                    </a:lnL>
+                    <a:lnR w="12700" cap="flat" cmpd="sng" algn="ctr">
+                      <a:solidFill>
+                        <a:schemeClr val="accent2"/>
+                      </a:solidFill>
+                      <a:prstDash val="solid"/>
+                      <a:round/>
+                      <a:headEnd type="none" w="med" len="med"/>
+                      <a:tailEnd type="none" w="med" len="med"/>
+                    </a:lnR>
+                    <a:lnT w="12700" cap="flat" cmpd="sng" algn="ctr">
+                      <a:solidFill>
+                        <a:schemeClr val="accent2"/>
+                      </a:solidFill>
+                      <a:prstDash val="solid"/>
+                      <a:round/>
+                      <a:headEnd type="none" w="med" len="med"/>
+                      <a:tailEnd type="none" w="med" len="med"/>
+                    </a:lnT>
+                    <a:lnB w="12700" cap="flat" cmpd="sng" algn="ctr">
+                      <a:solidFill>
+                        <a:schemeClr val="accent2"/>
+                      </a:solidFill>
+                      <a:prstDash val="solid"/>
+                      <a:round/>
+                      <a:headEnd type="none" w="med" len="med"/>
+                      <a:tailEnd type="none" w="med" len="med"/>
+                    </a:lnB>
+                    <a:lnTlToBr w="12700" cmpd="sng">
+                      <a:noFill/>
+                      <a:prstDash val="solid"/>
+                    </a:lnTlToBr>
+                    <a:lnBlToTr w="12700" cmpd="sng">
+                      <a:noFill/>
+                      <a:prstDash val="solid"/>
+                    </a:lnBlToTr>
+                    <a:solidFill>
+                      <a:schemeClr val="bg1"/>
+                    </a:solidFill>
+                  </a:tcPr>
+                </a:tc>
+                <a:extLst>
+                  <a:ext uri="{0D108BD9-81ED-4DB2-BD59-A6C34878D82A}">
+                    <a16:rowId xmlns:a16="http://schemas.microsoft.com/office/drawing/2014/main" val="84013269"/>
+                  </a:ext>
+                </a:extLst>
+              </a:tr>
+            </a:tbl>
+          </a:graphicData>
+        </a:graphic>
+      </p:graphicFrame>
+      <p:graphicFrame>
+        <p:nvGraphicFramePr>
+          <p:cNvPr id="23" name="Table 22">
+            <a:extLst>
+              <a:ext uri="{FF2B5EF4-FFF2-40B4-BE49-F238E27FC236}">
+                <a16:creationId xmlns:a16="http://schemas.microsoft.com/office/drawing/2014/main" id="{C3C6B944-F3CB-43F1-B5C3-6EFA0CAC219C}"/>
+              </a:ext>
+            </a:extLst>
+          </p:cNvPr>
+          <p:cNvGraphicFramePr>
+            <a:graphicFrameLocks noGrp="1"/>
+          </p:cNvGraphicFramePr>
+          <p:nvPr>
+            <p:extLst>
+              <p:ext uri="{D42A27DB-BD31-4B8C-83A1-F6EECF244321}">
+                <p14:modId xmlns:p14="http://schemas.microsoft.com/office/powerpoint/2010/main" val="3983262043"/>
+              </p:ext>
+            </p:extLst>
+          </p:nvPr>
+        </p:nvGraphicFramePr>
+        <p:xfrm>
+          <a:off x="428292" y="25104278"/>
+          <a:ext cx="8420741" cy="1897380"/>
+        </p:xfrm>
+        <a:graphic>
+          <a:graphicData uri="http://schemas.openxmlformats.org/drawingml/2006/table">
+            <a:tbl>
+              <a:tblPr firstRow="1" firstCol="1" bandRow="1">
+                <a:tableStyleId>{7E9639D4-E3E2-4D34-9284-5A2195B3D0D7}</a:tableStyleId>
+              </a:tblPr>
+              <a:tblGrid>
+                <a:gridCol w="8420741">
+                  <a:extLst>
+                    <a:ext uri="{9D8B030D-6E8A-4147-A177-3AD203B41FA5}">
+                      <a16:colId xmlns:a16="http://schemas.microsoft.com/office/drawing/2014/main" val="3220490302"/>
+                    </a:ext>
+                  </a:extLst>
+                </a:gridCol>
+              </a:tblGrid>
+              <a:tr h="433398">
+                <a:tc>
+                  <a:txBody>
+                    <a:bodyPr/>
+                    <a:lstStyle/>
+                    <a:p>
+                      <a:pPr marL="0" algn="just" defTabSz="2138324" rtl="0" eaLnBrk="1" latinLnBrk="0" hangingPunct="1">
+                        <a:lnSpc>
+                          <a:spcPct val="106000"/>
+                        </a:lnSpc>
+                        <a:spcAft>
+                          <a:spcPts val="0"/>
+                        </a:spcAft>
+                      </a:pPr>
+                      <a:r>
+                        <a:rPr lang="tr-TR" sz="3000" b="1" kern="1200" dirty="0">
+                          <a:solidFill>
+                            <a:schemeClr val="bg1"/>
+                          </a:solidFill>
+                          <a:effectLst/>
+                          <a:latin typeface="+mn-lt"/>
+                          <a:ea typeface="+mn-ea"/>
+                          <a:cs typeface="+mn-cs"/>
+                        </a:rPr>
+                        <a:t>Customer &amp; Engineering Requirements</a:t>
+                      </a:r>
+                    </a:p>
+                  </a:txBody>
+                  <a:tcPr marL="68580" marR="68580" marT="0" marB="0">
+                    <a:lnL w="12700" cap="flat" cmpd="sng" algn="ctr">
+                      <a:solidFill>
+                        <a:schemeClr val="accent2"/>
+                      </a:solidFill>
+                      <a:prstDash val="solid"/>
+                      <a:round/>
+                      <a:headEnd type="none" w="med" len="med"/>
+                      <a:tailEnd type="none" w="med" len="med"/>
+                    </a:lnL>
+                    <a:lnR w="12700" cap="flat" cmpd="sng" algn="ctr">
+                      <a:solidFill>
+                        <a:schemeClr val="accent2"/>
+                      </a:solidFill>
+                      <a:prstDash val="solid"/>
+                      <a:round/>
+                      <a:headEnd type="none" w="med" len="med"/>
+                      <a:tailEnd type="none" w="med" len="med"/>
+                    </a:lnR>
+                    <a:lnT w="12700" cap="flat" cmpd="sng" algn="ctr">
+                      <a:solidFill>
+                        <a:schemeClr val="accent2"/>
+                      </a:solidFill>
+                      <a:prstDash val="solid"/>
+                      <a:round/>
+                      <a:headEnd type="none" w="med" len="med"/>
+                      <a:tailEnd type="none" w="med" len="med"/>
+                    </a:lnT>
+                    <a:lnB w="12700" cap="flat" cmpd="sng" algn="ctr">
+                      <a:solidFill>
+                        <a:schemeClr val="accent2"/>
+                      </a:solidFill>
+                      <a:prstDash val="solid"/>
+                      <a:round/>
+                      <a:headEnd type="none" w="med" len="med"/>
+                      <a:tailEnd type="none" w="med" len="med"/>
+                    </a:lnB>
+                    <a:solidFill>
+                      <a:schemeClr val="accent2"/>
+                    </a:solidFill>
+                  </a:tcPr>
+                </a:tc>
+                <a:extLst>
+                  <a:ext uri="{0D108BD9-81ED-4DB2-BD59-A6C34878D82A}">
+                    <a16:rowId xmlns:a16="http://schemas.microsoft.com/office/drawing/2014/main" val="2923594786"/>
+                  </a:ext>
+                </a:extLst>
+              </a:tr>
+              <a:tr h="0">
+                <a:tc>
+                  <a:txBody>
+                    <a:bodyPr/>
+                    <a:lstStyle/>
+                    <a:p>
+                      <a:pPr marL="457200" indent="-457200" algn="just" defTabSz="2138324" rtl="0" eaLnBrk="1" latinLnBrk="0" hangingPunct="1">
+                        <a:lnSpc>
+                          <a:spcPct val="106000"/>
+                        </a:lnSpc>
+                        <a:spcAft>
+                          <a:spcPts val="0"/>
+                        </a:spcAft>
+                        <a:buFont typeface="Wingdings" panose="05000000000000000000" pitchFamily="2" charset="2"/>
+                        <a:buChar char="v"/>
+                      </a:pPr>
+                      <a:r>
+                        <a:rPr lang="tr-TR" sz="3000" b="0" kern="1200" dirty="0">
+                          <a:solidFill>
+                            <a:schemeClr val="tx1"/>
+                          </a:solidFill>
+                          <a:effectLst/>
+                          <a:latin typeface="+mn-lt"/>
+                          <a:ea typeface="+mn-ea"/>
+                          <a:cs typeface="+mn-cs"/>
+                        </a:rPr>
+                        <a:t>$200 budget</a:t>
+                      </a:r>
+                    </a:p>
+                    <a:p>
+                      <a:pPr marL="457200" indent="-457200" algn="just" defTabSz="2138324" rtl="0" eaLnBrk="1" latinLnBrk="0" hangingPunct="1">
+                        <a:lnSpc>
+                          <a:spcPct val="106000"/>
+                        </a:lnSpc>
+                        <a:spcAft>
+                          <a:spcPts val="0"/>
+                        </a:spcAft>
+                        <a:buFont typeface="Wingdings" panose="05000000000000000000" pitchFamily="2" charset="2"/>
+                        <a:buChar char="v"/>
+                      </a:pPr>
+                      <a:r>
+                        <a:rPr lang="tr-TR" sz="3000" b="0" kern="1200">
+                          <a:solidFill>
+                            <a:schemeClr val="tx1"/>
+                          </a:solidFill>
+                          <a:effectLst/>
+                          <a:latin typeface="+mn-lt"/>
+                          <a:ea typeface="+mn-ea"/>
+                          <a:cs typeface="+mn-cs"/>
+                        </a:rPr>
+                        <a:t>30+ meters  indoor range</a:t>
+                      </a:r>
+                    </a:p>
+                    <a:p>
+                      <a:pPr marL="457200" indent="-457200" algn="just" defTabSz="2138324" rtl="0" eaLnBrk="1" latinLnBrk="0" hangingPunct="1">
+                        <a:lnSpc>
+                          <a:spcPct val="106000"/>
+                        </a:lnSpc>
+                        <a:spcAft>
+                          <a:spcPts val="0"/>
+                        </a:spcAft>
+                        <a:buFont typeface="Wingdings" panose="05000000000000000000" pitchFamily="2" charset="2"/>
+                        <a:buChar char="v"/>
+                      </a:pPr>
+                      <a:endParaRPr lang="tr-TR" sz="3000" b="0" kern="1200" dirty="0">
+                        <a:solidFill>
+                          <a:schemeClr val="tx1"/>
+                        </a:solidFill>
+                        <a:effectLst/>
+                        <a:latin typeface="+mn-lt"/>
+                        <a:ea typeface="+mn-ea"/>
+                        <a:cs typeface="+mn-cs"/>
+                      </a:endParaRPr>
+                    </a:p>
+                  </a:txBody>
+                  <a:tcPr marL="68580" marR="68580" marT="0" marB="0">
+                    <a:lnL w="12700" cap="flat" cmpd="sng" algn="ctr">
+                      <a:solidFill>
+                        <a:schemeClr val="accent2"/>
+                      </a:solidFill>
+                      <a:prstDash val="solid"/>
+                      <a:round/>
+                      <a:headEnd type="none" w="med" len="med"/>
+                      <a:tailEnd type="none" w="med" len="med"/>
+                    </a:lnL>
+                    <a:lnR w="12700" cap="flat" cmpd="sng" algn="ctr">
+                      <a:solidFill>
+                        <a:schemeClr val="accent2"/>
+                      </a:solidFill>
+                      <a:prstDash val="solid"/>
+                      <a:round/>
+                      <a:headEnd type="none" w="med" len="med"/>
+                      <a:tailEnd type="none" w="med" len="med"/>
+                    </a:lnR>
+                    <a:lnT w="12700" cap="flat" cmpd="sng" algn="ctr">
+                      <a:solidFill>
+                        <a:schemeClr val="accent2"/>
+                      </a:solidFill>
+                      <a:prstDash val="solid"/>
+                      <a:round/>
+                      <a:headEnd type="none" w="med" len="med"/>
+                      <a:tailEnd type="none" w="med" len="med"/>
+                    </a:lnT>
+                    <a:lnB w="12700" cap="flat" cmpd="sng" algn="ctr">
+                      <a:solidFill>
+                        <a:schemeClr val="accent2"/>
+                      </a:solidFill>
+                      <a:prstDash val="solid"/>
+                      <a:round/>
+                      <a:headEnd type="none" w="med" len="med"/>
+                      <a:tailEnd type="none" w="med" len="med"/>
+                    </a:lnB>
+                    <a:lnTlToBr w="12700" cmpd="sng">
+                      <a:noFill/>
+                      <a:prstDash val="solid"/>
+                    </a:lnTlToBr>
+                    <a:lnBlToTr w="12700" cmpd="sng">
+                      <a:noFill/>
+                      <a:prstDash val="solid"/>
+                    </a:lnBlToTr>
+                    <a:solidFill>
+                      <a:schemeClr val="bg1"/>
+                    </a:solidFill>
+                  </a:tcPr>
+                </a:tc>
+                <a:extLst>
+                  <a:ext uri="{0D108BD9-81ED-4DB2-BD59-A6C34878D82A}">
+                    <a16:rowId xmlns:a16="http://schemas.microsoft.com/office/drawing/2014/main" val="84013269"/>
+                  </a:ext>
+                </a:extLst>
+              </a:tr>
+            </a:tbl>
+          </a:graphicData>
+        </a:graphic>
+      </p:graphicFrame>
     </p:spTree>
     <p:extLst>
       <p:ext uri="{BB962C8B-B14F-4D97-AF65-F5344CB8AC3E}">

--- a/Poster/poster_fato.pptx
+++ b/Poster/poster_fato.pptx
@@ -4331,7 +4331,7 @@
         </p:nvSpPr>
         <p:spPr>
           <a:xfrm>
-            <a:off x="716427" y="29014217"/>
+            <a:off x="316320" y="29349667"/>
             <a:ext cx="13276158" cy="646332"/>
           </a:xfrm>
           <a:prstGeom prst="rect">
@@ -6926,7 +6926,7 @@
           <p:nvPr>
             <p:extLst>
               <p:ext uri="{D42A27DB-BD31-4B8C-83A1-F6EECF244321}">
-                <p14:modId xmlns:p14="http://schemas.microsoft.com/office/powerpoint/2010/main" val="3642212229"/>
+                <p14:modId xmlns:p14="http://schemas.microsoft.com/office/powerpoint/2010/main" val="531448516"/>
               </p:ext>
             </p:extLst>
           </p:nvPr>
@@ -7314,7 +7314,7 @@
                           <a:ea typeface="+mn-ea"/>
                           <a:cs typeface="+mn-cs"/>
                         </a:rPr>
-                        <a:t>Size</a:t>
+                        <a:t>Size (width x height x length)</a:t>
                       </a:r>
                     </a:p>
                   </a:txBody>
@@ -7381,6 +7381,12 @@
                           <a:spcPts val="0"/>
                         </a:spcAft>
                       </a:pPr>
+                      <a:r>
+                        <a:rPr lang="tr-TR" sz="3000" kern="1200" dirty="0">
+                          <a:effectLst/>
+                        </a:rPr>
+                        <a:t>15 x 15 x 37 cm</a:t>
+                      </a:r>
                       <a:r>
                         <a:rPr lang="en-US" sz="3000" kern="1200" dirty="0">
                           <a:effectLst/>
@@ -8709,7 +8715,7 @@
                     <a:bodyPr/>
                     <a:lstStyle/>
                     <a:p>
-                      <a:pPr marL="0" algn="r" defTabSz="2138324" rtl="0" eaLnBrk="1" latinLnBrk="0" hangingPunct="1">
+                      <a:pPr marL="0" algn="ctr" defTabSz="2138324" rtl="0" eaLnBrk="1" latinLnBrk="0" hangingPunct="1">
                         <a:lnSpc>
                           <a:spcPct val="106000"/>
                         </a:lnSpc>
@@ -8809,7 +8815,7 @@
           <p:nvPr>
             <p:extLst>
               <p:ext uri="{D42A27DB-BD31-4B8C-83A1-F6EECF244321}">
-                <p14:modId xmlns:p14="http://schemas.microsoft.com/office/powerpoint/2010/main" val="3006738189"/>
+                <p14:modId xmlns:p14="http://schemas.microsoft.com/office/powerpoint/2010/main" val="1143173074"/>
               </p:ext>
             </p:extLst>
           </p:nvPr>
@@ -9184,21 +9190,27 @@
                     <a:bodyPr/>
                     <a:lstStyle/>
                     <a:p>
-                      <a:pPr>
-                        <a:lnSpc>
-                          <a:spcPct val="106000"/>
-                        </a:lnSpc>
-                        <a:spcAft>
-                          <a:spcPts val="0"/>
-                        </a:spcAft>
-                      </a:pPr>
-                      <a:r>
-                        <a:rPr lang="en-US" sz="3000" b="0">
+                      <a:pPr algn="ctr">
+                        <a:lnSpc>
+                          <a:spcPct val="106000"/>
+                        </a:lnSpc>
+                        <a:spcAft>
+                          <a:spcPts val="0"/>
+                        </a:spcAft>
+                      </a:pPr>
+                      <a:r>
+                        <a:rPr lang="en-US" sz="3000" b="0" dirty="0">
                           <a:effectLst/>
                         </a:rPr>
                         <a:t> </a:t>
                       </a:r>
-                      <a:endParaRPr lang="tr-TR" sz="3000" b="0">
+                      <a:r>
+                        <a:rPr lang="tr-TR" sz="3000" b="0" dirty="0">
+                          <a:effectLst/>
+                        </a:rPr>
+                        <a:t>27 cm</a:t>
+                      </a:r>
+                      <a:endParaRPr lang="tr-TR" sz="3000" b="0" dirty="0">
                         <a:effectLst/>
                         <a:latin typeface="Calibri" panose="020F0502020204030204" pitchFamily="34" charset="0"/>
                         <a:ea typeface="Calibri" panose="020F0502020204030204" pitchFamily="34" charset="0"/>
@@ -9345,21 +9357,27 @@
                     <a:bodyPr/>
                     <a:lstStyle/>
                     <a:p>
-                      <a:pPr>
-                        <a:lnSpc>
-                          <a:spcPct val="106000"/>
-                        </a:lnSpc>
-                        <a:spcAft>
-                          <a:spcPts val="0"/>
-                        </a:spcAft>
-                      </a:pPr>
-                      <a:r>
-                        <a:rPr lang="en-US" sz="3000" b="0">
+                      <a:pPr algn="ctr">
+                        <a:lnSpc>
+                          <a:spcPct val="106000"/>
+                        </a:lnSpc>
+                        <a:spcAft>
+                          <a:spcPts val="0"/>
+                        </a:spcAft>
+                      </a:pPr>
+                      <a:r>
+                        <a:rPr lang="en-US" sz="3000" b="0" dirty="0">
                           <a:effectLst/>
                         </a:rPr>
                         <a:t> </a:t>
                       </a:r>
-                      <a:endParaRPr lang="tr-TR" sz="3000" b="0">
+                      <a:r>
+                        <a:rPr lang="tr-TR" sz="3000" b="0" dirty="0">
+                          <a:effectLst/>
+                        </a:rPr>
+                        <a:t>28 cm</a:t>
+                      </a:r>
+                      <a:endParaRPr lang="tr-TR" sz="3000" b="0" dirty="0">
                         <a:effectLst/>
                         <a:latin typeface="Calibri" panose="020F0502020204030204" pitchFamily="34" charset="0"/>
                         <a:ea typeface="Calibri" panose="020F0502020204030204" pitchFamily="34" charset="0"/>
